--- a/Prezentare licenta.pptx
+++ b/Prezentare licenta.pptx
@@ -5,23 +5,31 @@
     <p:sldMasterId id="2147483711" r:id="rId1"/>
   </p:sldMasterIdLst>
   <p:notesMasterIdLst>
-    <p:notesMasterId r:id="rId16"/>
+    <p:notesMasterId r:id="rId24"/>
   </p:notesMasterIdLst>
   <p:sldIdLst>
     <p:sldId id="256" r:id="rId2"/>
     <p:sldId id="262" r:id="rId3"/>
-    <p:sldId id="257" r:id="rId4"/>
-    <p:sldId id="261" r:id="rId5"/>
-    <p:sldId id="258" r:id="rId6"/>
-    <p:sldId id="265" r:id="rId7"/>
-    <p:sldId id="260" r:id="rId8"/>
-    <p:sldId id="266" r:id="rId9"/>
-    <p:sldId id="267" r:id="rId10"/>
-    <p:sldId id="268" r:id="rId11"/>
-    <p:sldId id="269" r:id="rId12"/>
-    <p:sldId id="270" r:id="rId13"/>
-    <p:sldId id="263" r:id="rId14"/>
-    <p:sldId id="264" r:id="rId15"/>
+    <p:sldId id="276" r:id="rId4"/>
+    <p:sldId id="257" r:id="rId5"/>
+    <p:sldId id="261" r:id="rId6"/>
+    <p:sldId id="277" r:id="rId7"/>
+    <p:sldId id="258" r:id="rId8"/>
+    <p:sldId id="273" r:id="rId9"/>
+    <p:sldId id="265" r:id="rId10"/>
+    <p:sldId id="260" r:id="rId11"/>
+    <p:sldId id="266" r:id="rId12"/>
+    <p:sldId id="272" r:id="rId13"/>
+    <p:sldId id="267" r:id="rId14"/>
+    <p:sldId id="274" r:id="rId15"/>
+    <p:sldId id="268" r:id="rId16"/>
+    <p:sldId id="269" r:id="rId17"/>
+    <p:sldId id="270" r:id="rId18"/>
+    <p:sldId id="275" r:id="rId19"/>
+    <p:sldId id="278" r:id="rId20"/>
+    <p:sldId id="271" r:id="rId21"/>
+    <p:sldId id="263" r:id="rId22"/>
+    <p:sldId id="264" r:id="rId23"/>
   </p:sldIdLst>
   <p:sldSz cx="12192000" cy="6858000"/>
   <p:notesSz cx="6858000" cy="9144000"/>
@@ -543,7 +551,7 @@
           <a:p>
             <a:fld id="{2D8B77B1-706E-6944-BD13-9A49B05C937A}" type="slidenum">
               <a:rPr lang="ro-RO" smtClean="0"/>
-              <a:t>3</a:t>
+              <a:t>1</a:t>
             </a:fld>
             <a:endParaRPr lang="ro-RO"/>
           </a:p>
@@ -552,7 +560,7 @@
     </p:spTree>
     <p:extLst>
       <p:ext uri="{BB962C8B-B14F-4D97-AF65-F5344CB8AC3E}">
-        <p14:creationId xmlns:p14="http://schemas.microsoft.com/office/powerpoint/2010/main" val="1787302424"/>
+        <p14:creationId xmlns:p14="http://schemas.microsoft.com/office/powerpoint/2010/main" val="4096935329"/>
       </p:ext>
     </p:extLst>
   </p:cSld>
@@ -627,7 +635,91 @@
           <a:p>
             <a:fld id="{2D8B77B1-706E-6944-BD13-9A49B05C937A}" type="slidenum">
               <a:rPr lang="ro-RO" smtClean="0"/>
-              <a:t>6</a:t>
+              <a:t>4</a:t>
+            </a:fld>
+            <a:endParaRPr lang="ro-RO"/>
+          </a:p>
+        </p:txBody>
+      </p:sp>
+    </p:spTree>
+    <p:extLst>
+      <p:ext uri="{BB962C8B-B14F-4D97-AF65-F5344CB8AC3E}">
+        <p14:creationId xmlns:p14="http://schemas.microsoft.com/office/powerpoint/2010/main" val="1787302424"/>
+      </p:ext>
+    </p:extLst>
+  </p:cSld>
+  <p:clrMapOvr>
+    <a:masterClrMapping/>
+  </p:clrMapOvr>
+</p:notes>
+</file>
+
+<file path=ppt/notesSlides/notesSlide3.xml><?xml version="1.0" encoding="utf-8"?>
+<p:notes xmlns:a="http://schemas.openxmlformats.org/drawingml/2006/main" xmlns:r="http://schemas.openxmlformats.org/officeDocument/2006/relationships" xmlns:p="http://schemas.openxmlformats.org/presentationml/2006/main">
+  <p:cSld>
+    <p:spTree>
+      <p:nvGrpSpPr>
+        <p:cNvPr id="1" name=""/>
+        <p:cNvGrpSpPr/>
+        <p:nvPr/>
+      </p:nvGrpSpPr>
+      <p:grpSpPr>
+        <a:xfrm>
+          <a:off x="0" y="0"/>
+          <a:ext cx="0" cy="0"/>
+          <a:chOff x="0" y="0"/>
+          <a:chExt cx="0" cy="0"/>
+        </a:xfrm>
+      </p:grpSpPr>
+      <p:sp>
+        <p:nvSpPr>
+          <p:cNvPr id="2" name="Slide Image Placeholder 1"/>
+          <p:cNvSpPr>
+            <a:spLocks noGrp="1" noRot="1" noChangeAspect="1"/>
+          </p:cNvSpPr>
+          <p:nvPr>
+            <p:ph type="sldImg"/>
+          </p:nvPr>
+        </p:nvSpPr>
+        <p:spPr/>
+      </p:sp>
+      <p:sp>
+        <p:nvSpPr>
+          <p:cNvPr id="3" name="Notes Placeholder 2"/>
+          <p:cNvSpPr>
+            <a:spLocks noGrp="1"/>
+          </p:cNvSpPr>
+          <p:nvPr>
+            <p:ph type="body" idx="1"/>
+          </p:nvPr>
+        </p:nvSpPr>
+        <p:spPr/>
+        <p:txBody>
+          <a:bodyPr/>
+          <a:lstStyle/>
+          <a:p>
+            <a:endParaRPr lang="ro-RO" dirty="0"/>
+          </a:p>
+        </p:txBody>
+      </p:sp>
+      <p:sp>
+        <p:nvSpPr>
+          <p:cNvPr id="4" name="Slide Number Placeholder 3"/>
+          <p:cNvSpPr>
+            <a:spLocks noGrp="1"/>
+          </p:cNvSpPr>
+          <p:nvPr>
+            <p:ph type="sldNum" sz="quarter" idx="5"/>
+          </p:nvPr>
+        </p:nvSpPr>
+        <p:spPr/>
+        <p:txBody>
+          <a:bodyPr/>
+          <a:lstStyle/>
+          <a:p>
+            <a:fld id="{2D8B77B1-706E-6944-BD13-9A49B05C937A}" type="slidenum">
+              <a:rPr lang="ro-RO" smtClean="0"/>
+              <a:t>9</a:t>
             </a:fld>
             <a:endParaRPr lang="ro-RO"/>
           </a:p>
@@ -637,6 +729,174 @@
     <p:extLst>
       <p:ext uri="{BB962C8B-B14F-4D97-AF65-F5344CB8AC3E}">
         <p14:creationId xmlns:p14="http://schemas.microsoft.com/office/powerpoint/2010/main" val="2249226919"/>
+      </p:ext>
+    </p:extLst>
+  </p:cSld>
+  <p:clrMapOvr>
+    <a:masterClrMapping/>
+  </p:clrMapOvr>
+</p:notes>
+</file>
+
+<file path=ppt/notesSlides/notesSlide4.xml><?xml version="1.0" encoding="utf-8"?>
+<p:notes xmlns:a="http://schemas.openxmlformats.org/drawingml/2006/main" xmlns:r="http://schemas.openxmlformats.org/officeDocument/2006/relationships" xmlns:p="http://schemas.openxmlformats.org/presentationml/2006/main">
+  <p:cSld>
+    <p:spTree>
+      <p:nvGrpSpPr>
+        <p:cNvPr id="1" name=""/>
+        <p:cNvGrpSpPr/>
+        <p:nvPr/>
+      </p:nvGrpSpPr>
+      <p:grpSpPr>
+        <a:xfrm>
+          <a:off x="0" y="0"/>
+          <a:ext cx="0" cy="0"/>
+          <a:chOff x="0" y="0"/>
+          <a:chExt cx="0" cy="0"/>
+        </a:xfrm>
+      </p:grpSpPr>
+      <p:sp>
+        <p:nvSpPr>
+          <p:cNvPr id="2" name="Slide Image Placeholder 1"/>
+          <p:cNvSpPr>
+            <a:spLocks noGrp="1" noRot="1" noChangeAspect="1"/>
+          </p:cNvSpPr>
+          <p:nvPr>
+            <p:ph type="sldImg"/>
+          </p:nvPr>
+        </p:nvSpPr>
+        <p:spPr/>
+      </p:sp>
+      <p:sp>
+        <p:nvSpPr>
+          <p:cNvPr id="3" name="Notes Placeholder 2"/>
+          <p:cNvSpPr>
+            <a:spLocks noGrp="1"/>
+          </p:cNvSpPr>
+          <p:nvPr>
+            <p:ph type="body" idx="1"/>
+          </p:nvPr>
+        </p:nvSpPr>
+        <p:spPr/>
+        <p:txBody>
+          <a:bodyPr/>
+          <a:lstStyle/>
+          <a:p>
+            <a:endParaRPr lang="ro-RO" dirty="0"/>
+          </a:p>
+        </p:txBody>
+      </p:sp>
+      <p:sp>
+        <p:nvSpPr>
+          <p:cNvPr id="4" name="Slide Number Placeholder 3"/>
+          <p:cNvSpPr>
+            <a:spLocks noGrp="1"/>
+          </p:cNvSpPr>
+          <p:nvPr>
+            <p:ph type="sldNum" sz="quarter" idx="5"/>
+          </p:nvPr>
+        </p:nvSpPr>
+        <p:spPr/>
+        <p:txBody>
+          <a:bodyPr/>
+          <a:lstStyle/>
+          <a:p>
+            <a:fld id="{2D8B77B1-706E-6944-BD13-9A49B05C937A}" type="slidenum">
+              <a:rPr lang="ro-RO" smtClean="0"/>
+              <a:t>11</a:t>
+            </a:fld>
+            <a:endParaRPr lang="ro-RO"/>
+          </a:p>
+        </p:txBody>
+      </p:sp>
+    </p:spTree>
+    <p:extLst>
+      <p:ext uri="{BB962C8B-B14F-4D97-AF65-F5344CB8AC3E}">
+        <p14:creationId xmlns:p14="http://schemas.microsoft.com/office/powerpoint/2010/main" val="4054283190"/>
+      </p:ext>
+    </p:extLst>
+  </p:cSld>
+  <p:clrMapOvr>
+    <a:masterClrMapping/>
+  </p:clrMapOvr>
+</p:notes>
+</file>
+
+<file path=ppt/notesSlides/notesSlide5.xml><?xml version="1.0" encoding="utf-8"?>
+<p:notes xmlns:a="http://schemas.openxmlformats.org/drawingml/2006/main" xmlns:r="http://schemas.openxmlformats.org/officeDocument/2006/relationships" xmlns:p="http://schemas.openxmlformats.org/presentationml/2006/main">
+  <p:cSld>
+    <p:spTree>
+      <p:nvGrpSpPr>
+        <p:cNvPr id="1" name=""/>
+        <p:cNvGrpSpPr/>
+        <p:nvPr/>
+      </p:nvGrpSpPr>
+      <p:grpSpPr>
+        <a:xfrm>
+          <a:off x="0" y="0"/>
+          <a:ext cx="0" cy="0"/>
+          <a:chOff x="0" y="0"/>
+          <a:chExt cx="0" cy="0"/>
+        </a:xfrm>
+      </p:grpSpPr>
+      <p:sp>
+        <p:nvSpPr>
+          <p:cNvPr id="2" name="Slide Image Placeholder 1"/>
+          <p:cNvSpPr>
+            <a:spLocks noGrp="1" noRot="1" noChangeAspect="1"/>
+          </p:cNvSpPr>
+          <p:nvPr>
+            <p:ph type="sldImg"/>
+          </p:nvPr>
+        </p:nvSpPr>
+        <p:spPr/>
+      </p:sp>
+      <p:sp>
+        <p:nvSpPr>
+          <p:cNvPr id="3" name="Notes Placeholder 2"/>
+          <p:cNvSpPr>
+            <a:spLocks noGrp="1"/>
+          </p:cNvSpPr>
+          <p:nvPr>
+            <p:ph type="body" idx="1"/>
+          </p:nvPr>
+        </p:nvSpPr>
+        <p:spPr/>
+        <p:txBody>
+          <a:bodyPr/>
+          <a:lstStyle/>
+          <a:p>
+            <a:endParaRPr lang="ro-RO" dirty="0"/>
+          </a:p>
+        </p:txBody>
+      </p:sp>
+      <p:sp>
+        <p:nvSpPr>
+          <p:cNvPr id="4" name="Slide Number Placeholder 3"/>
+          <p:cNvSpPr>
+            <a:spLocks noGrp="1"/>
+          </p:cNvSpPr>
+          <p:nvPr>
+            <p:ph type="sldNum" sz="quarter" idx="5"/>
+          </p:nvPr>
+        </p:nvSpPr>
+        <p:spPr/>
+        <p:txBody>
+          <a:bodyPr/>
+          <a:lstStyle/>
+          <a:p>
+            <a:fld id="{2D8B77B1-706E-6944-BD13-9A49B05C937A}" type="slidenum">
+              <a:rPr lang="ro-RO" smtClean="0"/>
+              <a:t>17</a:t>
+            </a:fld>
+            <a:endParaRPr lang="ro-RO"/>
+          </a:p>
+        </p:txBody>
+      </p:sp>
+    </p:spTree>
+    <p:extLst>
+      <p:ext uri="{BB962C8B-B14F-4D97-AF65-F5344CB8AC3E}">
+        <p14:creationId xmlns:p14="http://schemas.microsoft.com/office/powerpoint/2010/main" val="99292145"/>
       </p:ext>
     </p:extLst>
   </p:cSld>
@@ -1391,7 +1651,7 @@
           <a:p>
             <a:fld id="{4DE4FEB6-2B40-8D4B-9B6D-28337E1DF4F7}" type="datetime1">
               <a:rPr lang="en-US" smtClean="0"/>
-              <a:t>6/28/19</a:t>
+              <a:t>6/28/2019</a:t>
             </a:fld>
             <a:endParaRPr lang="en-US"/>
           </a:p>
@@ -1642,7 +1902,7 @@
           <a:p>
             <a:fld id="{150C63C8-FCF5-E048-B40B-D8EEF665BBA9}" type="datetime1">
               <a:rPr lang="en-US" smtClean="0"/>
-              <a:t>6/28/19</a:t>
+              <a:t>6/28/2019</a:t>
             </a:fld>
             <a:endParaRPr lang="en-US"/>
           </a:p>
@@ -1956,7 +2216,7 @@
           <a:p>
             <a:fld id="{33B18404-C458-B949-BCFA-B0605A0E8E2D}" type="datetime1">
               <a:rPr lang="en-US" smtClean="0"/>
-              <a:t>6/28/19</a:t>
+              <a:t>6/28/2019</a:t>
             </a:fld>
             <a:endParaRPr lang="en-US"/>
           </a:p>
@@ -2289,7 +2549,7 @@
           <a:p>
             <a:fld id="{4F58E22E-5943-014D-9A59-4952A79C12EB}" type="datetime1">
               <a:rPr lang="en-US" smtClean="0"/>
-              <a:t>6/28/19</a:t>
+              <a:t>6/28/2019</a:t>
             </a:fld>
             <a:endParaRPr lang="en-US"/>
           </a:p>
@@ -2603,7 +2863,7 @@
           <a:p>
             <a:fld id="{B212E84D-1C08-A64A-B328-842CB76402D1}" type="datetime1">
               <a:rPr lang="en-US" smtClean="0"/>
-              <a:t>6/28/19</a:t>
+              <a:t>6/28/2019</a:t>
             </a:fld>
             <a:endParaRPr lang="en-US"/>
           </a:p>
@@ -2996,7 +3256,7 @@
           <a:p>
             <a:fld id="{D7DE6352-7427-034F-9388-72C8D61ABE56}" type="datetime1">
               <a:rPr lang="en-US" smtClean="0"/>
-              <a:t>6/28/19</a:t>
+              <a:t>6/28/2019</a:t>
             </a:fld>
             <a:endParaRPr lang="en-US"/>
           </a:p>
@@ -3166,7 +3426,7 @@
           <a:p>
             <a:fld id="{FD34B760-95AD-6141-AAC3-3D4C2649B518}" type="datetime1">
               <a:rPr lang="en-US" smtClean="0"/>
-              <a:t>6/28/19</a:t>
+              <a:t>6/28/2019</a:t>
             </a:fld>
             <a:endParaRPr lang="en-US"/>
           </a:p>
@@ -3346,7 +3606,7 @@
           <a:p>
             <a:fld id="{6AAA20FA-9E61-4049-9591-80B01D9A0EB6}" type="datetime1">
               <a:rPr lang="en-US" smtClean="0"/>
-              <a:t>6/28/19</a:t>
+              <a:t>6/28/2019</a:t>
             </a:fld>
             <a:endParaRPr lang="en-US"/>
           </a:p>
@@ -3516,7 +3776,7 @@
           <a:p>
             <a:fld id="{F713C84D-B0A0-764A-A08F-09316CB2AE3B}" type="datetime1">
               <a:rPr lang="en-US" smtClean="0"/>
-              <a:t>6/28/19</a:t>
+              <a:t>6/28/2019</a:t>
             </a:fld>
             <a:endParaRPr lang="en-US"/>
           </a:p>
@@ -3763,7 +4023,7 @@
           <a:p>
             <a:fld id="{C57D91F7-5493-9441-894A-3E0BBBEFA335}" type="datetime1">
               <a:rPr lang="en-US" smtClean="0"/>
-              <a:t>6/28/19</a:t>
+              <a:t>6/28/2019</a:t>
             </a:fld>
             <a:endParaRPr lang="en-US"/>
           </a:p>
@@ -3995,7 +4255,7 @@
           <a:p>
             <a:fld id="{AECE5CB5-1BF3-4542-967A-1A428BFBD6FD}" type="datetime1">
               <a:rPr lang="en-US" smtClean="0"/>
-              <a:t>6/28/19</a:t>
+              <a:t>6/28/2019</a:t>
             </a:fld>
             <a:endParaRPr lang="en-US"/>
           </a:p>
@@ -4369,7 +4629,7 @@
           <a:p>
             <a:fld id="{41415CBC-2C90-E040-9253-64B232D57136}" type="datetime1">
               <a:rPr lang="en-US" smtClean="0"/>
-              <a:t>6/28/19</a:t>
+              <a:t>6/28/2019</a:t>
             </a:fld>
             <a:endParaRPr lang="en-US"/>
           </a:p>
@@ -4492,7 +4752,7 @@
           <a:p>
             <a:fld id="{430349B8-CA8B-3341-9E0B-301B48AA7FBF}" type="datetime1">
               <a:rPr lang="en-US" smtClean="0"/>
-              <a:t>6/28/19</a:t>
+              <a:t>6/28/2019</a:t>
             </a:fld>
             <a:endParaRPr lang="en-US"/>
           </a:p>
@@ -4587,7 +4847,7 @@
           <a:p>
             <a:fld id="{1FFCDA2A-0F3B-D44E-85D6-24B851F47370}" type="datetime1">
               <a:rPr lang="en-US" smtClean="0"/>
-              <a:t>6/28/19</a:t>
+              <a:t>6/28/2019</a:t>
             </a:fld>
             <a:endParaRPr lang="en-US"/>
           </a:p>
@@ -4842,7 +5102,7 @@
           <a:p>
             <a:fld id="{B45DA73D-E058-934F-A605-E33E28F7282F}" type="datetime1">
               <a:rPr lang="en-US" smtClean="0"/>
-              <a:t>6/28/19</a:t>
+              <a:t>6/28/2019</a:t>
             </a:fld>
             <a:endParaRPr lang="en-US"/>
           </a:p>
@@ -5147,7 +5407,7 @@
           <a:p>
             <a:fld id="{8D0F524F-1A8B-C34B-AFE0-1AACCBD85A9C}" type="datetime1">
               <a:rPr lang="en-US" smtClean="0"/>
-              <a:t>6/28/19</a:t>
+              <a:t>6/28/2019</a:t>
             </a:fld>
             <a:endParaRPr lang="en-US"/>
           </a:p>
@@ -5849,7 +6109,7 @@
           <a:p>
             <a:fld id="{00E1376A-3438-FE46-8B01-0E146751DE18}" type="datetime1">
               <a:rPr lang="en-US" smtClean="0"/>
-              <a:t>6/28/19</a:t>
+              <a:t>6/28/2019</a:t>
             </a:fld>
             <a:endParaRPr lang="en-US"/>
           </a:p>
@@ -6420,12 +6680,14 @@
         </p:nvSpPr>
         <p:spPr/>
         <p:txBody>
-          <a:bodyPr/>
+          <a:bodyPr>
+            <a:normAutofit/>
+          </a:bodyPr>
           <a:lstStyle/>
           <a:p>
             <a:r>
               <a:rPr lang="ro-RO" dirty="0"/>
-              <a:t>propusă de Coșulianu Cristi-Mihail</a:t>
+              <a:t>Propus de Coșulianu Cristi-Mihail</a:t>
             </a:r>
           </a:p>
         </p:txBody>
@@ -6526,7 +6788,7 @@
           <p:cNvPr id="2" name="Title 1">
             <a:extLst>
               <a:ext uri="{FF2B5EF4-FFF2-40B4-BE49-F238E27FC236}">
-                <a16:creationId xmlns:a16="http://schemas.microsoft.com/office/drawing/2014/main" id="{18CA20DE-D730-3F45-90C4-FC3CD76C2E44}"/>
+                <a16:creationId xmlns:a16="http://schemas.microsoft.com/office/drawing/2014/main" id="{123F9C53-D9F7-8E4C-8D18-66F17E60339F}"/>
               </a:ext>
             </a:extLst>
           </p:cNvPr>
@@ -6537,80 +6799,184 @@
             <p:ph type="title"/>
           </p:nvPr>
         </p:nvSpPr>
-        <p:spPr/>
+        <p:spPr>
+          <a:xfrm>
+            <a:off x="677334" y="609600"/>
+            <a:ext cx="9035626" cy="1320800"/>
+          </a:xfrm>
+        </p:spPr>
+        <p:txBody>
+          <a:bodyPr/>
+          <a:lstStyle/>
+          <a:p>
+            <a:r>
+              <a:rPr lang="ro-RO" sz="3000" dirty="0"/>
+              <a:t>1) Extragerea datelor </a:t>
+            </a:r>
+            <a:r>
+              <a:rPr lang="ro-RO" sz="2400" dirty="0"/>
+              <a:t>- Identificarea numelor și prețurilor</a:t>
+            </a:r>
+            <a:endParaRPr lang="ro-RO" sz="2000" dirty="0"/>
+          </a:p>
+        </p:txBody>
+      </p:sp>
+      <p:sp>
+        <p:nvSpPr>
+          <p:cNvPr id="3" name="Content Placeholder 2">
+            <a:extLst>
+              <a:ext uri="{FF2B5EF4-FFF2-40B4-BE49-F238E27FC236}">
+                <a16:creationId xmlns:a16="http://schemas.microsoft.com/office/drawing/2014/main" id="{5AE10CD5-3A78-874A-8F55-D2AA99AC1129}"/>
+              </a:ext>
+            </a:extLst>
+          </p:cNvPr>
+          <p:cNvSpPr>
+            <a:spLocks noGrp="1"/>
+          </p:cNvSpPr>
+          <p:nvPr>
+            <p:ph idx="1"/>
+          </p:nvPr>
+        </p:nvSpPr>
+        <p:spPr>
+          <a:xfrm>
+            <a:off x="677334" y="1795465"/>
+            <a:ext cx="8596668" cy="3132136"/>
+          </a:xfrm>
+        </p:spPr>
         <p:txBody>
           <a:bodyPr>
             <a:normAutofit/>
           </a:bodyPr>
           <a:lstStyle/>
           <a:p>
-            <a:r>
-              <a:rPr lang="ro-RO" sz="3000" dirty="0"/>
-              <a:t>3) Realizarea plăților</a:t>
-            </a:r>
-          </a:p>
-        </p:txBody>
-      </p:sp>
-      <p:sp>
-        <p:nvSpPr>
-          <p:cNvPr id="3" name="Content Placeholder 2">
-            <a:extLst>
-              <a:ext uri="{FF2B5EF4-FFF2-40B4-BE49-F238E27FC236}">
-                <a16:creationId xmlns:a16="http://schemas.microsoft.com/office/drawing/2014/main" id="{333A3F6E-86E5-964A-AC5A-6718444AAEF3}"/>
-              </a:ext>
-            </a:extLst>
-          </p:cNvPr>
-          <p:cNvSpPr>
-            <a:spLocks noGrp="1"/>
-          </p:cNvSpPr>
-          <p:nvPr>
-            <p:ph idx="1"/>
-          </p:nvPr>
-        </p:nvSpPr>
-        <p:spPr/>
-        <p:txBody>
-          <a:bodyPr/>
-          <a:lstStyle/>
-          <a:p>
-            <a:pPr marL="0" indent="0">
+            <a:pPr marL="0" indent="0" algn="just">
               <a:lnSpc>
                 <a:spcPct val="150000"/>
               </a:lnSpc>
               <a:buNone/>
             </a:pPr>
             <a:r>
-              <a:rPr lang="ro-RO" dirty="0"/>
-              <a:t>	Pentru metoda de plată am optat pentru Google </a:t>
-            </a:r>
-            <a:r>
-              <a:rPr lang="ro-RO" dirty="0" err="1"/>
-              <a:t>Pay</a:t>
-            </a:r>
-            <a:r>
-              <a:rPr lang="ro-RO" dirty="0"/>
-              <a:t> fiind cea mai potrivită metodă pentru aplicațiile Android. Ea este folosită sub două forme:</a:t>
-            </a:r>
-          </a:p>
-          <a:p>
-            <a:pPr>
+              <a:rPr lang="ro-RO" sz="1600" dirty="0"/>
+              <a:t>	Cu Google Vision API, pentru o imagine cu lista de produse de pe bon ne oferă o listă de linii de text dintre care trebuie identificate cele care reprezintă nume de produse și cele care reprezintă prețuri. </a:t>
+            </a:r>
+            <a:r>
+              <a:rPr lang="ro-RO" sz="1600" dirty="0" err="1"/>
+              <a:t>Acestă</a:t>
+            </a:r>
+            <a:r>
+              <a:rPr lang="ro-RO" sz="1600" dirty="0"/>
+              <a:t> clasificare a fost realizată folosind</a:t>
+            </a:r>
+            <a:r>
+              <a:rPr lang="en-US" sz="1600" dirty="0"/>
+              <a:t> un </a:t>
+            </a:r>
+            <a:r>
+              <a:rPr lang="en-US" sz="1600" dirty="0" err="1"/>
+              <a:t>calcul</a:t>
+            </a:r>
+            <a:r>
+              <a:rPr lang="en-US" sz="1600" dirty="0"/>
+              <a:t> al </a:t>
+            </a:r>
+            <a:r>
+              <a:rPr lang="ro-RO" sz="1600" dirty="0"/>
+              <a:t>procentajului</a:t>
+            </a:r>
+            <a:r>
+              <a:rPr lang="en-US" sz="1600" dirty="0"/>
+              <a:t> de </a:t>
+            </a:r>
+            <a:r>
+              <a:rPr lang="ro-RO" sz="1600" dirty="0"/>
+              <a:t>cifre</a:t>
+            </a:r>
+            <a:r>
+              <a:rPr lang="en-US" sz="1600" dirty="0"/>
+              <a:t> din </a:t>
+            </a:r>
+            <a:r>
+              <a:rPr lang="ro-RO" sz="1600" dirty="0"/>
+              <a:t>totalul</a:t>
+            </a:r>
+            <a:r>
+              <a:rPr lang="en-US" sz="1600" dirty="0"/>
+              <a:t> de </a:t>
+            </a:r>
+            <a:r>
+              <a:rPr lang="ro-RO" sz="1600" dirty="0"/>
+              <a:t>caractere. Condiția a fost folosită în felul următor:</a:t>
+            </a:r>
+          </a:p>
+          <a:p>
+            <a:pPr algn="just">
               <a:lnSpc>
                 <a:spcPct val="150000"/>
               </a:lnSpc>
+              <a:buFont typeface="Wingdings" pitchFamily="2" charset="2"/>
+              <a:buChar char="§"/>
             </a:pPr>
             <a:r>
-              <a:rPr lang="ro-RO" dirty="0"/>
-              <a:t>Folosind transferul către inițiator.</a:t>
-            </a:r>
-          </a:p>
-          <a:p>
-            <a:pPr>
+              <a:rPr lang="ro-RO" sz="1600" dirty="0"/>
+              <a:t>Procentaj </a:t>
+            </a:r>
+            <a:r>
+              <a:rPr lang="en-US" sz="1600" dirty="0"/>
+              <a:t>&lt;</a:t>
+            </a:r>
+            <a:r>
+              <a:rPr lang="ro-RO" sz="1600" dirty="0"/>
+              <a:t> 0.</a:t>
+            </a:r>
+            <a:r>
+              <a:rPr lang="en-US" sz="1600" dirty="0"/>
+              <a:t>3</a:t>
+            </a:r>
+            <a:r>
+              <a:rPr lang="ro-RO" sz="1600" dirty="0"/>
+              <a:t>, textul este nume de produs</a:t>
+            </a:r>
+          </a:p>
+          <a:p>
+            <a:pPr algn="just">
               <a:lnSpc>
                 <a:spcPct val="150000"/>
               </a:lnSpc>
+              <a:buFont typeface="Wingdings" pitchFamily="2" charset="2"/>
+              <a:buChar char="§"/>
             </a:pPr>
             <a:r>
-              <a:rPr lang="ro-RO" dirty="0"/>
-              <a:t>Folosind plata la POS. </a:t>
+              <a:rPr lang="ro-RO" sz="1600" dirty="0"/>
+              <a:t>Procentaj ∈ [</a:t>
+            </a:r>
+            <a:r>
+              <a:rPr lang="en-US" sz="1600" dirty="0"/>
+              <a:t>0.3, 0.5)</a:t>
+            </a:r>
+            <a:r>
+              <a:rPr lang="ro-RO" sz="1600" dirty="0"/>
+              <a:t>, textul poate conține un preț</a:t>
+            </a:r>
+          </a:p>
+          <a:p>
+            <a:pPr algn="just">
+              <a:lnSpc>
+                <a:spcPct val="150000"/>
+              </a:lnSpc>
+              <a:buFont typeface="Wingdings" pitchFamily="2" charset="2"/>
+              <a:buChar char="§"/>
+            </a:pPr>
+            <a:r>
+              <a:rPr lang="ro-RO" sz="1600" dirty="0"/>
+              <a:t>Procentaj </a:t>
+            </a:r>
+            <a:r>
+              <a:rPr lang="en-US" sz="1600" dirty="0"/>
+              <a:t>&gt;= 0.5</a:t>
+            </a:r>
+            <a:r>
+              <a:rPr lang="ro-RO" sz="1600" dirty="0"/>
+              <a:t>, textul sigur conține preț</a:t>
             </a:r>
           </a:p>
         </p:txBody>
@@ -6620,7 +6986,7 @@
           <p:cNvPr id="4" name="Slide Number Placeholder 3">
             <a:extLst>
               <a:ext uri="{FF2B5EF4-FFF2-40B4-BE49-F238E27FC236}">
-                <a16:creationId xmlns:a16="http://schemas.microsoft.com/office/drawing/2014/main" id="{C2F45956-2024-9348-8B91-A64A0DC5D265}"/>
+                <a16:creationId xmlns:a16="http://schemas.microsoft.com/office/drawing/2014/main" id="{0AFEADA1-EC46-CF45-B23E-C367E53DB93C}"/>
               </a:ext>
             </a:extLst>
           </p:cNvPr>
@@ -6647,7 +7013,7 @@
     </p:spTree>
     <p:extLst>
       <p:ext uri="{BB962C8B-B14F-4D97-AF65-F5344CB8AC3E}">
-        <p14:creationId xmlns:p14="http://schemas.microsoft.com/office/powerpoint/2010/main" val="2624635266"/>
+        <p14:creationId xmlns:p14="http://schemas.microsoft.com/office/powerpoint/2010/main" val="2353047522"/>
       </p:ext>
     </p:extLst>
   </p:cSld>
@@ -6679,7 +7045,7 @@
           <p:cNvPr id="2" name="Title 1">
             <a:extLst>
               <a:ext uri="{FF2B5EF4-FFF2-40B4-BE49-F238E27FC236}">
-                <a16:creationId xmlns:a16="http://schemas.microsoft.com/office/drawing/2014/main" id="{12F33159-A9E3-E34A-B6F3-48C0C3E7025B}"/>
+                <a16:creationId xmlns:a16="http://schemas.microsoft.com/office/drawing/2014/main" id="{42AD1B52-17AD-4C46-97EA-CE9F78DB9355}"/>
               </a:ext>
             </a:extLst>
           </p:cNvPr>
@@ -6699,21 +7065,16 @@
           <a:p>
             <a:r>
               <a:rPr lang="ro-RO" sz="3000" dirty="0"/>
-              <a:t>3) Realizarea plăților </a:t>
+              <a:t>1) Extragerea datelor</a:t>
+            </a:r>
+            <a:r>
+              <a:rPr lang="ro-RO" sz="3200" dirty="0"/>
+              <a:t> </a:t>
             </a:r>
             <a:r>
               <a:rPr lang="ro-RO" sz="2400" dirty="0"/>
-              <a:t>–</a:t>
-            </a:r>
-            <a:r>
-              <a:rPr lang="ro-RO" sz="3000" dirty="0"/>
-              <a:t> </a:t>
-            </a:r>
-            <a:r>
-              <a:rPr lang="ro-RO" sz="2400" dirty="0"/>
-              <a:t>transfer către inițiator</a:t>
-            </a:r>
-            <a:endParaRPr lang="ro-RO" sz="3000" dirty="0"/>
+              <a:t>- Asocierea de prețuri la produse</a:t>
+            </a:r>
           </a:p>
         </p:txBody>
       </p:sp>
@@ -6722,7 +7083,7 @@
           <p:cNvPr id="3" name="Content Placeholder 2">
             <a:extLst>
               <a:ext uri="{FF2B5EF4-FFF2-40B4-BE49-F238E27FC236}">
-                <a16:creationId xmlns:a16="http://schemas.microsoft.com/office/drawing/2014/main" id="{34217808-C229-E443-937C-8B0F53A33282}"/>
+                <a16:creationId xmlns:a16="http://schemas.microsoft.com/office/drawing/2014/main" id="{D74FF971-9961-5743-A15C-08E5E512E7F8}"/>
               </a:ext>
             </a:extLst>
           </p:cNvPr>
@@ -6733,28 +7094,25 @@
             <p:ph idx="1"/>
           </p:nvPr>
         </p:nvSpPr>
-        <p:spPr/>
+        <p:spPr>
+          <a:xfrm>
+            <a:off x="677334" y="2025174"/>
+            <a:ext cx="8596668" cy="2370771"/>
+          </a:xfrm>
+        </p:spPr>
         <p:txBody>
           <a:bodyPr/>
           <a:lstStyle/>
           <a:p>
-            <a:pPr marL="0" indent="0">
+            <a:pPr marL="0" indent="0" algn="just">
               <a:lnSpc>
                 <a:spcPct val="150000"/>
               </a:lnSpc>
               <a:buNone/>
             </a:pPr>
             <a:r>
-              <a:rPr lang="ro-RO" dirty="0"/>
-              <a:t>	Utilizatorii care s-au alăturat plății pentru a realiza parte lor de plată către inițiatorul facturii, după selectarea produselor consumate de ei și sunt de acord cu totalul afișat vor putea folosi butonul de Google </a:t>
-            </a:r>
-            <a:r>
-              <a:rPr lang="ro-RO" dirty="0" err="1"/>
-              <a:t>Pay</a:t>
-            </a:r>
-            <a:r>
-              <a:rPr lang="ro-RO" dirty="0"/>
-              <a:t> și vor transfera totalul lor de plată către inițiator.</a:t>
+              <a:rPr lang="ro-RO" sz="1600" dirty="0"/>
+              <a:t>	Pentru această asociere, m-am folosit de faptul că odată cu obținerea textului din imaginea bonului primim și coordonatele dreptunghiurilor care îl încadrează. Astfel, am sortat textele care conțin nume de produse s-au prețuri după coordonatele punctelor din partea stânga-sus ale dreptunghiurilor. După sortare se obține o intercalare a textelor astfel încât dacă primul element din listă este un nume de produs, următorul element trebuie să fie un preț sau invers și astfel putem asocia perechi nume produs.</a:t>
             </a:r>
           </a:p>
         </p:txBody>
@@ -6764,7 +7122,7 @@
           <p:cNvPr id="4" name="Slide Number Placeholder 3">
             <a:extLst>
               <a:ext uri="{FF2B5EF4-FFF2-40B4-BE49-F238E27FC236}">
-                <a16:creationId xmlns:a16="http://schemas.microsoft.com/office/drawing/2014/main" id="{3A345FC1-C4CB-1844-ACFF-3D10EF8280E1}"/>
+                <a16:creationId xmlns:a16="http://schemas.microsoft.com/office/drawing/2014/main" id="{274BAFE4-ECBA-ED43-93EB-64601A450A9D}"/>
               </a:ext>
             </a:extLst>
           </p:cNvPr>
@@ -6791,7 +7149,7 @@
     </p:spTree>
     <p:extLst>
       <p:ext uri="{BB962C8B-B14F-4D97-AF65-F5344CB8AC3E}">
-        <p14:creationId xmlns:p14="http://schemas.microsoft.com/office/powerpoint/2010/main" val="1661047212"/>
+        <p14:creationId xmlns:p14="http://schemas.microsoft.com/office/powerpoint/2010/main" val="3911565515"/>
       </p:ext>
     </p:extLst>
   </p:cSld>
@@ -6823,7 +7181,7 @@
           <p:cNvPr id="2" name="Title 1">
             <a:extLst>
               <a:ext uri="{FF2B5EF4-FFF2-40B4-BE49-F238E27FC236}">
-                <a16:creationId xmlns:a16="http://schemas.microsoft.com/office/drawing/2014/main" id="{5A0A107F-7091-804C-B7E8-885C61117A32}"/>
+                <a16:creationId xmlns:a16="http://schemas.microsoft.com/office/drawing/2014/main" id="{5FB7CAFB-6E1A-4614-A893-0430720D76E2}"/>
               </a:ext>
             </a:extLst>
           </p:cNvPr>
@@ -6834,56 +7192,30 @@
             <p:ph type="title"/>
           </p:nvPr>
         </p:nvSpPr>
-        <p:spPr/>
-        <p:txBody>
-          <a:bodyPr/>
-          <a:lstStyle/>
-          <a:p>
-            <a:r>
-              <a:rPr lang="ro-RO" sz="3000" dirty="0"/>
-              <a:t>3) Realizarea plăților </a:t>
-            </a:r>
-            <a:r>
-              <a:rPr lang="ro-RO" sz="2400" dirty="0"/>
-              <a:t>– plata la POS</a:t>
-            </a:r>
-          </a:p>
-        </p:txBody>
-      </p:sp>
-      <p:sp>
-        <p:nvSpPr>
-          <p:cNvPr id="3" name="Content Placeholder 2">
-            <a:extLst>
-              <a:ext uri="{FF2B5EF4-FFF2-40B4-BE49-F238E27FC236}">
-                <a16:creationId xmlns:a16="http://schemas.microsoft.com/office/drawing/2014/main" id="{26D1A9CF-44F5-1E48-B6DF-158CBBEE8D84}"/>
-              </a:ext>
-            </a:extLst>
-          </p:cNvPr>
-          <p:cNvSpPr>
-            <a:spLocks noGrp="1"/>
-          </p:cNvSpPr>
-          <p:nvPr>
-            <p:ph idx="1"/>
-          </p:nvPr>
-        </p:nvSpPr>
-        <p:spPr/>
-        <p:txBody>
-          <a:bodyPr/>
-          <a:lstStyle/>
-          <a:p>
-            <a:pPr marL="0" indent="0">
-              <a:lnSpc>
-                <a:spcPct val="150000"/>
-              </a:lnSpc>
-              <a:buNone/>
-            </a:pPr>
-            <a:r>
-              <a:rPr lang="ro-RO" dirty="0"/>
-              <a:t>	Când inițiatorul ajunge la pasul final, îi sunt afișate metodele de plată printre care se află și cea care folosește tehnologia NFC pentru a plăti cu telefonul direct la POS fiind simulată o plată cu cardul.</a:t>
-            </a:r>
-          </a:p>
-          <a:p>
-            <a:endParaRPr lang="ro-RO" dirty="0"/>
+        <p:spPr>
+          <a:xfrm>
+            <a:off x="799254" y="2976880"/>
+            <a:ext cx="8596668" cy="1320800"/>
+          </a:xfrm>
+        </p:spPr>
+        <p:txBody>
+          <a:bodyPr>
+            <a:normAutofit/>
+          </a:bodyPr>
+          <a:lstStyle/>
+          <a:p>
+            <a:r>
+              <a:rPr lang="ro-RO" sz="4400" dirty="0"/>
+              <a:t>2</a:t>
+            </a:r>
+            <a:r>
+              <a:rPr lang="en-US" sz="4400" dirty="0"/>
+              <a:t>) </a:t>
+            </a:r>
+            <a:r>
+              <a:rPr lang="ro-RO" sz="4400" dirty="0"/>
+              <a:t>Managementul plăților</a:t>
+            </a:r>
           </a:p>
         </p:txBody>
       </p:sp>
@@ -6892,7 +7224,7 @@
           <p:cNvPr id="4" name="Slide Number Placeholder 3">
             <a:extLst>
               <a:ext uri="{FF2B5EF4-FFF2-40B4-BE49-F238E27FC236}">
-                <a16:creationId xmlns:a16="http://schemas.microsoft.com/office/drawing/2014/main" id="{497A04AF-5565-8843-992B-35C7F5548C2E}"/>
+                <a16:creationId xmlns:a16="http://schemas.microsoft.com/office/drawing/2014/main" id="{1C0A22D6-0853-4D21-A0C6-43ED29140C7A}"/>
               </a:ext>
             </a:extLst>
           </p:cNvPr>
@@ -6919,7 +7251,7 @@
     </p:spTree>
     <p:extLst>
       <p:ext uri="{BB962C8B-B14F-4D97-AF65-F5344CB8AC3E}">
-        <p14:creationId xmlns:p14="http://schemas.microsoft.com/office/powerpoint/2010/main" val="951114610"/>
+        <p14:creationId xmlns:p14="http://schemas.microsoft.com/office/powerpoint/2010/main" val="2553336098"/>
       </p:ext>
     </p:extLst>
   </p:cSld>
@@ -6951,7 +7283,7 @@
           <p:cNvPr id="2" name="Title 1">
             <a:extLst>
               <a:ext uri="{FF2B5EF4-FFF2-40B4-BE49-F238E27FC236}">
-                <a16:creationId xmlns:a16="http://schemas.microsoft.com/office/drawing/2014/main" id="{B8EECCF4-5166-9B4F-88F7-144B5E9AF31B}"/>
+                <a16:creationId xmlns:a16="http://schemas.microsoft.com/office/drawing/2014/main" id="{DB55D305-905E-ED45-B941-D78E5D0D9701}"/>
               </a:ext>
             </a:extLst>
           </p:cNvPr>
@@ -6971,7 +7303,7 @@
           <a:p>
             <a:r>
               <a:rPr lang="ro-RO" sz="3000" dirty="0"/>
-              <a:t>Concluzii</a:t>
+              <a:t>2) Managementul plăților</a:t>
             </a:r>
           </a:p>
         </p:txBody>
@@ -6981,7 +7313,7 @@
           <p:cNvPr id="3" name="Content Placeholder 2">
             <a:extLst>
               <a:ext uri="{FF2B5EF4-FFF2-40B4-BE49-F238E27FC236}">
-                <a16:creationId xmlns:a16="http://schemas.microsoft.com/office/drawing/2014/main" id="{0BC8C392-B2BF-7F45-85FB-810CBF587242}"/>
+                <a16:creationId xmlns:a16="http://schemas.microsoft.com/office/drawing/2014/main" id="{86FB4973-4406-0641-A3A6-10E74B5143F1}"/>
               </a:ext>
             </a:extLst>
           </p:cNvPr>
@@ -6994,7 +7326,9 @@
         </p:nvSpPr>
         <p:spPr/>
         <p:txBody>
-          <a:bodyPr/>
+          <a:bodyPr>
+            <a:normAutofit/>
+          </a:bodyPr>
           <a:lstStyle/>
           <a:p>
             <a:pPr marL="0" indent="0">
@@ -7004,32 +7338,40 @@
               <a:buNone/>
             </a:pPr>
             <a:r>
-              <a:rPr lang="ro-RO" dirty="0"/>
-              <a:t>	Cu acest proiect am reușit să realizez o aplicație mobilă pe platforma Android care să implementeze un sistem complet. Recunoașterea datelor de pe bonuri are loc folosind Google Vision și un sistem de asociere între numele de produse și prețuri. Managementul facturilor și plaților are loc în cadrul paginilor </a:t>
-            </a:r>
-            <a:r>
-              <a:rPr lang="ro-RO" dirty="0" err="1"/>
+              <a:rPr lang="ro-RO" sz="1600" dirty="0"/>
+              <a:t>	Acest lucru poate fi realizat prin accesarea a două pagini din aplicație, pagina </a:t>
+            </a:r>
+            <a:r>
+              <a:rPr lang="ro-RO" sz="1600" dirty="0" err="1"/>
               <a:t>Bills</a:t>
             </a:r>
             <a:r>
-              <a:rPr lang="ro-RO" dirty="0"/>
-              <a:t> și </a:t>
-            </a:r>
-            <a:r>
-              <a:rPr lang="ro-RO" dirty="0" err="1"/>
+              <a:rPr lang="ro-RO" sz="1600" dirty="0"/>
+              <a:t> și pagina </a:t>
+            </a:r>
+            <a:r>
+              <a:rPr lang="ro-RO" sz="1600" dirty="0" err="1"/>
               <a:t>Payments</a:t>
             </a:r>
             <a:r>
-              <a:rPr lang="ro-RO" dirty="0"/>
-              <a:t>. Realizare a plăților are loc în cadrul aplicației folosind Google </a:t>
-            </a:r>
-            <a:r>
-              <a:rPr lang="ro-RO" dirty="0" err="1"/>
-              <a:t>Pay</a:t>
-            </a:r>
-            <a:r>
-              <a:rPr lang="ro-RO" dirty="0"/>
-              <a:t>, odată către inițiator și odată folosind tehnologia NFC pentru a simula plata cu cardul. Astfel consider că problema împărțirii notelor de plată când grupul de persoane participante este de cel puțin 4 persoane a fost rezolvată.</a:t>
+              <a:rPr lang="ro-RO" sz="1600" dirty="0"/>
+              <a:t>. În pagina </a:t>
+            </a:r>
+            <a:r>
+              <a:rPr lang="ro-RO" sz="1600" dirty="0" err="1"/>
+              <a:t>Bills</a:t>
+            </a:r>
+            <a:r>
+              <a:rPr lang="ro-RO" sz="1600" dirty="0"/>
+              <a:t>, utilizatorul poate vizualiza facturile inițiate de el, împreună cu modul în care au fost selectate produsele de către cei care s-au alăturat plății. În pagina </a:t>
+            </a:r>
+            <a:r>
+              <a:rPr lang="ro-RO" sz="1600" dirty="0" err="1"/>
+              <a:t>Payments</a:t>
+            </a:r>
+            <a:r>
+              <a:rPr lang="ro-RO" sz="1600" dirty="0"/>
+              <a:t> pot fi vizualizatele selecțiile de produse făcute în facturi la care utilizatorul s-a alăturat.</a:t>
             </a:r>
           </a:p>
         </p:txBody>
@@ -7039,7 +7381,7 @@
           <p:cNvPr id="4" name="Slide Number Placeholder 3">
             <a:extLst>
               <a:ext uri="{FF2B5EF4-FFF2-40B4-BE49-F238E27FC236}">
-                <a16:creationId xmlns:a16="http://schemas.microsoft.com/office/drawing/2014/main" id="{8369043C-07A9-B24C-BC52-820BCD824441}"/>
+                <a16:creationId xmlns:a16="http://schemas.microsoft.com/office/drawing/2014/main" id="{C7ED6584-0EFD-3D4A-A23D-C457DD8C23FB}"/>
               </a:ext>
             </a:extLst>
           </p:cNvPr>
@@ -7066,7 +7408,7 @@
     </p:spTree>
     <p:extLst>
       <p:ext uri="{BB962C8B-B14F-4D97-AF65-F5344CB8AC3E}">
-        <p14:creationId xmlns:p14="http://schemas.microsoft.com/office/powerpoint/2010/main" val="1968162716"/>
+        <p14:creationId xmlns:p14="http://schemas.microsoft.com/office/powerpoint/2010/main" val="121051695"/>
       </p:ext>
     </p:extLst>
   </p:cSld>
@@ -7095,111 +7437,10 @@
       </p:grpSpPr>
       <p:sp>
         <p:nvSpPr>
-          <p:cNvPr id="2" name="Title 1">
-            <a:extLst>
-              <a:ext uri="{FF2B5EF4-FFF2-40B4-BE49-F238E27FC236}">
-                <a16:creationId xmlns:a16="http://schemas.microsoft.com/office/drawing/2014/main" id="{BA148093-6499-9F47-954E-82FCD41AA259}"/>
-              </a:ext>
-            </a:extLst>
-          </p:cNvPr>
-          <p:cNvSpPr>
-            <a:spLocks noGrp="1"/>
-          </p:cNvSpPr>
-          <p:nvPr>
-            <p:ph type="title"/>
-          </p:nvPr>
-        </p:nvSpPr>
-        <p:spPr/>
-        <p:txBody>
-          <a:bodyPr>
-            <a:normAutofit/>
-          </a:bodyPr>
-          <a:lstStyle/>
-          <a:p>
-            <a:r>
-              <a:rPr lang="ro-RO" sz="3000" dirty="0"/>
-              <a:t>Demo</a:t>
-            </a:r>
-          </a:p>
-        </p:txBody>
-      </p:sp>
-      <p:sp>
-        <p:nvSpPr>
-          <p:cNvPr id="3" name="Content Placeholder 2">
-            <a:extLst>
-              <a:ext uri="{FF2B5EF4-FFF2-40B4-BE49-F238E27FC236}">
-                <a16:creationId xmlns:a16="http://schemas.microsoft.com/office/drawing/2014/main" id="{11A8D4D3-D213-9444-B436-4595678A74A3}"/>
-              </a:ext>
-            </a:extLst>
-          </p:cNvPr>
-          <p:cNvSpPr>
-            <a:spLocks noGrp="1"/>
-          </p:cNvSpPr>
-          <p:nvPr>
-            <p:ph idx="1"/>
-          </p:nvPr>
-        </p:nvSpPr>
-        <p:spPr/>
-        <p:txBody>
-          <a:bodyPr/>
-          <a:lstStyle/>
-          <a:p>
-            <a:pPr marL="0" indent="0">
-              <a:buNone/>
-            </a:pPr>
-            <a:r>
-              <a:rPr lang="ro-RO" dirty="0"/>
-              <a:t>În acest demo vă voi prezenta următoarele funcționalități:</a:t>
-            </a:r>
-          </a:p>
-          <a:p>
-            <a:pPr>
-              <a:buFont typeface="+mj-lt"/>
-              <a:buAutoNum type="arabicPeriod"/>
-            </a:pPr>
-            <a:r>
-              <a:rPr lang="ro-RO" dirty="0"/>
-              <a:t>Cum se adaugă o factură noua.</a:t>
-            </a:r>
-          </a:p>
-          <a:p>
-            <a:pPr>
-              <a:buFont typeface="+mj-lt"/>
-              <a:buAutoNum type="arabicPeriod"/>
-            </a:pPr>
-            <a:r>
-              <a:rPr lang="ro-RO" dirty="0"/>
-              <a:t>Cum se adaugă o persoană la plată.</a:t>
-            </a:r>
-          </a:p>
-          <a:p>
-            <a:pPr>
-              <a:buFont typeface="+mj-lt"/>
-              <a:buAutoNum type="arabicPeriod"/>
-            </a:pPr>
-            <a:r>
-              <a:rPr lang="ro-RO" dirty="0"/>
-              <a:t>Cum se selectează produsele.</a:t>
-            </a:r>
-          </a:p>
-          <a:p>
-            <a:pPr>
-              <a:buFont typeface="+mj-lt"/>
-              <a:buAutoNum type="arabicPeriod"/>
-            </a:pPr>
-            <a:r>
-              <a:rPr lang="ro-RO" dirty="0"/>
-              <a:t>Cum se realizează plata.</a:t>
-            </a:r>
-          </a:p>
-        </p:txBody>
-      </p:sp>
-      <p:sp>
-        <p:nvSpPr>
           <p:cNvPr id="4" name="Slide Number Placeholder 3">
             <a:extLst>
               <a:ext uri="{FF2B5EF4-FFF2-40B4-BE49-F238E27FC236}">
-                <a16:creationId xmlns:a16="http://schemas.microsoft.com/office/drawing/2014/main" id="{CAF15BDC-C60D-EA4B-99E8-A16465AC6982}"/>
+                <a16:creationId xmlns:a16="http://schemas.microsoft.com/office/drawing/2014/main" id="{1B8CC913-A703-4542-884D-A75934DCE6D1}"/>
               </a:ext>
             </a:extLst>
           </p:cNvPr>
@@ -7223,10 +7464,1215 @@
           </a:p>
         </p:txBody>
       </p:sp>
+      <p:sp>
+        <p:nvSpPr>
+          <p:cNvPr id="5" name="Title 1">
+            <a:extLst>
+              <a:ext uri="{FF2B5EF4-FFF2-40B4-BE49-F238E27FC236}">
+                <a16:creationId xmlns:a16="http://schemas.microsoft.com/office/drawing/2014/main" id="{D9082BDE-BD0E-4931-9356-386861F20E1E}"/>
+              </a:ext>
+            </a:extLst>
+          </p:cNvPr>
+          <p:cNvSpPr txBox="1">
+            <a:spLocks/>
+          </p:cNvSpPr>
+          <p:nvPr/>
+        </p:nvSpPr>
+        <p:spPr>
+          <a:xfrm>
+            <a:off x="799254" y="2976880"/>
+            <a:ext cx="8596668" cy="1320800"/>
+          </a:xfrm>
+          <a:prstGeom prst="rect">
+            <a:avLst/>
+          </a:prstGeom>
+        </p:spPr>
+        <p:txBody>
+          <a:bodyPr vert="horz" lIns="91440" tIns="45720" rIns="91440" bIns="45720" rtlCol="0" anchor="t">
+            <a:normAutofit/>
+          </a:bodyPr>
+          <a:lstStyle>
+            <a:lvl1pPr algn="l" defTabSz="457200" rtl="0" eaLnBrk="1" latinLnBrk="0" hangingPunct="1">
+              <a:spcBef>
+                <a:spcPct val="0"/>
+              </a:spcBef>
+              <a:buNone/>
+              <a:defRPr sz="3600" kern="1200">
+                <a:solidFill>
+                  <a:schemeClr val="accent1"/>
+                </a:solidFill>
+                <a:latin typeface="+mj-lt"/>
+                <a:ea typeface="+mj-ea"/>
+                <a:cs typeface="+mj-cs"/>
+              </a:defRPr>
+            </a:lvl1pPr>
+            <a:lvl2pPr eaLnBrk="1" hangingPunct="1">
+              <a:defRPr>
+                <a:solidFill>
+                  <a:schemeClr val="tx2"/>
+                </a:solidFill>
+              </a:defRPr>
+            </a:lvl2pPr>
+            <a:lvl3pPr eaLnBrk="1" hangingPunct="1">
+              <a:defRPr>
+                <a:solidFill>
+                  <a:schemeClr val="tx2"/>
+                </a:solidFill>
+              </a:defRPr>
+            </a:lvl3pPr>
+            <a:lvl4pPr eaLnBrk="1" hangingPunct="1">
+              <a:defRPr>
+                <a:solidFill>
+                  <a:schemeClr val="tx2"/>
+                </a:solidFill>
+              </a:defRPr>
+            </a:lvl4pPr>
+            <a:lvl5pPr eaLnBrk="1" hangingPunct="1">
+              <a:defRPr>
+                <a:solidFill>
+                  <a:schemeClr val="tx2"/>
+                </a:solidFill>
+              </a:defRPr>
+            </a:lvl5pPr>
+            <a:lvl6pPr eaLnBrk="1" hangingPunct="1">
+              <a:defRPr>
+                <a:solidFill>
+                  <a:schemeClr val="tx2"/>
+                </a:solidFill>
+              </a:defRPr>
+            </a:lvl6pPr>
+            <a:lvl7pPr eaLnBrk="1" hangingPunct="1">
+              <a:defRPr>
+                <a:solidFill>
+                  <a:schemeClr val="tx2"/>
+                </a:solidFill>
+              </a:defRPr>
+            </a:lvl7pPr>
+            <a:lvl8pPr eaLnBrk="1" hangingPunct="1">
+              <a:defRPr>
+                <a:solidFill>
+                  <a:schemeClr val="tx2"/>
+                </a:solidFill>
+              </a:defRPr>
+            </a:lvl8pPr>
+            <a:lvl9pPr eaLnBrk="1" hangingPunct="1">
+              <a:defRPr>
+                <a:solidFill>
+                  <a:schemeClr val="tx2"/>
+                </a:solidFill>
+              </a:defRPr>
+            </a:lvl9pPr>
+          </a:lstStyle>
+          <a:p>
+            <a:r>
+              <a:rPr lang="en-US" sz="4400" dirty="0"/>
+              <a:t>3) </a:t>
+            </a:r>
+            <a:r>
+              <a:rPr lang="en-US" sz="4400" dirty="0" err="1"/>
+              <a:t>Realizarea</a:t>
+            </a:r>
+            <a:r>
+              <a:rPr lang="en-US" sz="4400" dirty="0"/>
+              <a:t> pl</a:t>
+            </a:r>
+            <a:r>
+              <a:rPr lang="ro-RO" sz="4400" dirty="0" err="1"/>
+              <a:t>ăților</a:t>
+            </a:r>
+            <a:endParaRPr lang="ro-RO" sz="4400" dirty="0"/>
+          </a:p>
+        </p:txBody>
+      </p:sp>
     </p:spTree>
     <p:extLst>
       <p:ext uri="{BB962C8B-B14F-4D97-AF65-F5344CB8AC3E}">
-        <p14:creationId xmlns:p14="http://schemas.microsoft.com/office/powerpoint/2010/main" val="1989326969"/>
+        <p14:creationId xmlns:p14="http://schemas.microsoft.com/office/powerpoint/2010/main" val="1614918401"/>
+      </p:ext>
+    </p:extLst>
+  </p:cSld>
+  <p:clrMapOvr>
+    <a:masterClrMapping/>
+  </p:clrMapOvr>
+</p:sld>
+</file>
+
+<file path=ppt/slides/slide15.xml><?xml version="1.0" encoding="utf-8"?>
+<p:sld xmlns:a="http://schemas.openxmlformats.org/drawingml/2006/main" xmlns:r="http://schemas.openxmlformats.org/officeDocument/2006/relationships" xmlns:p="http://schemas.openxmlformats.org/presentationml/2006/main">
+  <p:cSld>
+    <p:spTree>
+      <p:nvGrpSpPr>
+        <p:cNvPr id="1" name=""/>
+        <p:cNvGrpSpPr/>
+        <p:nvPr/>
+      </p:nvGrpSpPr>
+      <p:grpSpPr>
+        <a:xfrm>
+          <a:off x="0" y="0"/>
+          <a:ext cx="0" cy="0"/>
+          <a:chOff x="0" y="0"/>
+          <a:chExt cx="0" cy="0"/>
+        </a:xfrm>
+      </p:grpSpPr>
+      <p:sp>
+        <p:nvSpPr>
+          <p:cNvPr id="2" name="Title 1">
+            <a:extLst>
+              <a:ext uri="{FF2B5EF4-FFF2-40B4-BE49-F238E27FC236}">
+                <a16:creationId xmlns:a16="http://schemas.microsoft.com/office/drawing/2014/main" id="{18CA20DE-D730-3F45-90C4-FC3CD76C2E44}"/>
+              </a:ext>
+            </a:extLst>
+          </p:cNvPr>
+          <p:cNvSpPr>
+            <a:spLocks noGrp="1"/>
+          </p:cNvSpPr>
+          <p:nvPr>
+            <p:ph type="title"/>
+          </p:nvPr>
+        </p:nvSpPr>
+        <p:spPr/>
+        <p:txBody>
+          <a:bodyPr>
+            <a:normAutofit/>
+          </a:bodyPr>
+          <a:lstStyle/>
+          <a:p>
+            <a:r>
+              <a:rPr lang="ro-RO" sz="3000" dirty="0"/>
+              <a:t>3) Realizarea plăților</a:t>
+            </a:r>
+          </a:p>
+        </p:txBody>
+      </p:sp>
+      <p:sp>
+        <p:nvSpPr>
+          <p:cNvPr id="3" name="Content Placeholder 2">
+            <a:extLst>
+              <a:ext uri="{FF2B5EF4-FFF2-40B4-BE49-F238E27FC236}">
+                <a16:creationId xmlns:a16="http://schemas.microsoft.com/office/drawing/2014/main" id="{333A3F6E-86E5-964A-AC5A-6718444AAEF3}"/>
+              </a:ext>
+            </a:extLst>
+          </p:cNvPr>
+          <p:cNvSpPr>
+            <a:spLocks noGrp="1"/>
+          </p:cNvSpPr>
+          <p:nvPr>
+            <p:ph idx="1"/>
+          </p:nvPr>
+        </p:nvSpPr>
+        <p:spPr/>
+        <p:txBody>
+          <a:bodyPr/>
+          <a:lstStyle/>
+          <a:p>
+            <a:pPr marL="0" indent="0">
+              <a:lnSpc>
+                <a:spcPct val="150000"/>
+              </a:lnSpc>
+              <a:buNone/>
+            </a:pPr>
+            <a:r>
+              <a:rPr lang="ro-RO" dirty="0"/>
+              <a:t>	Pentru metoda de plată am optat pentru Google </a:t>
+            </a:r>
+            <a:r>
+              <a:rPr lang="ro-RO" dirty="0" err="1"/>
+              <a:t>Pay</a:t>
+            </a:r>
+            <a:r>
+              <a:rPr lang="ro-RO" dirty="0"/>
+              <a:t> fiind cea mai potrivită metodă pentru aplicațiile Android. Ea este folosită sub două forme:</a:t>
+            </a:r>
+          </a:p>
+          <a:p>
+            <a:pPr>
+              <a:lnSpc>
+                <a:spcPct val="150000"/>
+              </a:lnSpc>
+            </a:pPr>
+            <a:r>
+              <a:rPr lang="ro-RO" dirty="0"/>
+              <a:t>Folosind transferul către inițiator.</a:t>
+            </a:r>
+          </a:p>
+          <a:p>
+            <a:pPr>
+              <a:lnSpc>
+                <a:spcPct val="150000"/>
+              </a:lnSpc>
+            </a:pPr>
+            <a:r>
+              <a:rPr lang="ro-RO" dirty="0"/>
+              <a:t>Folosind plata la POS. </a:t>
+            </a:r>
+          </a:p>
+        </p:txBody>
+      </p:sp>
+      <p:sp>
+        <p:nvSpPr>
+          <p:cNvPr id="4" name="Slide Number Placeholder 3">
+            <a:extLst>
+              <a:ext uri="{FF2B5EF4-FFF2-40B4-BE49-F238E27FC236}">
+                <a16:creationId xmlns:a16="http://schemas.microsoft.com/office/drawing/2014/main" id="{C2F45956-2024-9348-8B91-A64A0DC5D265}"/>
+              </a:ext>
+            </a:extLst>
+          </p:cNvPr>
+          <p:cNvSpPr>
+            <a:spLocks noGrp="1"/>
+          </p:cNvSpPr>
+          <p:nvPr>
+            <p:ph type="sldNum" sz="quarter" idx="12"/>
+          </p:nvPr>
+        </p:nvSpPr>
+        <p:spPr/>
+        <p:txBody>
+          <a:bodyPr/>
+          <a:lstStyle/>
+          <a:p>
+            <a:fld id="{BABCF458-AFE6-754E-9B16-FD8D831A10CC}" type="slidenum">
+              <a:rPr lang="en-US" smtClean="0"/>
+              <a:t>15</a:t>
+            </a:fld>
+            <a:endParaRPr lang="en-US"/>
+          </a:p>
+        </p:txBody>
+      </p:sp>
+    </p:spTree>
+    <p:extLst>
+      <p:ext uri="{BB962C8B-B14F-4D97-AF65-F5344CB8AC3E}">
+        <p14:creationId xmlns:p14="http://schemas.microsoft.com/office/powerpoint/2010/main" val="2624635266"/>
+      </p:ext>
+    </p:extLst>
+  </p:cSld>
+  <p:clrMapOvr>
+    <a:masterClrMapping/>
+  </p:clrMapOvr>
+</p:sld>
+</file>
+
+<file path=ppt/slides/slide16.xml><?xml version="1.0" encoding="utf-8"?>
+<p:sld xmlns:a="http://schemas.openxmlformats.org/drawingml/2006/main" xmlns:r="http://schemas.openxmlformats.org/officeDocument/2006/relationships" xmlns:p="http://schemas.openxmlformats.org/presentationml/2006/main">
+  <p:cSld>
+    <p:spTree>
+      <p:nvGrpSpPr>
+        <p:cNvPr id="1" name=""/>
+        <p:cNvGrpSpPr/>
+        <p:nvPr/>
+      </p:nvGrpSpPr>
+      <p:grpSpPr>
+        <a:xfrm>
+          <a:off x="0" y="0"/>
+          <a:ext cx="0" cy="0"/>
+          <a:chOff x="0" y="0"/>
+          <a:chExt cx="0" cy="0"/>
+        </a:xfrm>
+      </p:grpSpPr>
+      <p:sp>
+        <p:nvSpPr>
+          <p:cNvPr id="2" name="Title 1">
+            <a:extLst>
+              <a:ext uri="{FF2B5EF4-FFF2-40B4-BE49-F238E27FC236}">
+                <a16:creationId xmlns:a16="http://schemas.microsoft.com/office/drawing/2014/main" id="{12F33159-A9E3-E34A-B6F3-48C0C3E7025B}"/>
+              </a:ext>
+            </a:extLst>
+          </p:cNvPr>
+          <p:cNvSpPr>
+            <a:spLocks noGrp="1"/>
+          </p:cNvSpPr>
+          <p:nvPr>
+            <p:ph type="title"/>
+          </p:nvPr>
+        </p:nvSpPr>
+        <p:spPr/>
+        <p:txBody>
+          <a:bodyPr>
+            <a:normAutofit/>
+          </a:bodyPr>
+          <a:lstStyle/>
+          <a:p>
+            <a:r>
+              <a:rPr lang="ro-RO" sz="3000" dirty="0"/>
+              <a:t>3) Realizarea plăților </a:t>
+            </a:r>
+            <a:r>
+              <a:rPr lang="ro-RO" sz="2400" dirty="0"/>
+              <a:t>–</a:t>
+            </a:r>
+            <a:r>
+              <a:rPr lang="ro-RO" sz="3000" dirty="0"/>
+              <a:t> </a:t>
+            </a:r>
+            <a:r>
+              <a:rPr lang="ro-RO" sz="2400" dirty="0"/>
+              <a:t>transfer către inițiator</a:t>
+            </a:r>
+            <a:endParaRPr lang="ro-RO" sz="3000" dirty="0"/>
+          </a:p>
+        </p:txBody>
+      </p:sp>
+      <p:sp>
+        <p:nvSpPr>
+          <p:cNvPr id="3" name="Content Placeholder 2">
+            <a:extLst>
+              <a:ext uri="{FF2B5EF4-FFF2-40B4-BE49-F238E27FC236}">
+                <a16:creationId xmlns:a16="http://schemas.microsoft.com/office/drawing/2014/main" id="{34217808-C229-E443-937C-8B0F53A33282}"/>
+              </a:ext>
+            </a:extLst>
+          </p:cNvPr>
+          <p:cNvSpPr>
+            <a:spLocks noGrp="1"/>
+          </p:cNvSpPr>
+          <p:nvPr>
+            <p:ph idx="1"/>
+          </p:nvPr>
+        </p:nvSpPr>
+        <p:spPr>
+          <a:xfrm>
+            <a:off x="4378960" y="2104393"/>
+            <a:ext cx="4895042" cy="2936556"/>
+          </a:xfrm>
+        </p:spPr>
+        <p:txBody>
+          <a:bodyPr/>
+          <a:lstStyle/>
+          <a:p>
+            <a:pPr marL="0" indent="0" algn="just">
+              <a:lnSpc>
+                <a:spcPct val="150000"/>
+              </a:lnSpc>
+              <a:buNone/>
+            </a:pPr>
+            <a:r>
+              <a:rPr lang="ro-RO" dirty="0"/>
+              <a:t>	Utilizatorii care s-au alăturat plății pentru a realiza parte lor de plată către inițiatorul facturii, după selectarea produselor consumate de ei și sunt de acord cu totalul afișat vor putea folosi butonul de Google </a:t>
+            </a:r>
+            <a:r>
+              <a:rPr lang="ro-RO" dirty="0" err="1"/>
+              <a:t>Pay</a:t>
+            </a:r>
+            <a:r>
+              <a:rPr lang="ro-RO" dirty="0"/>
+              <a:t> și vor transfera totalul lor de plată către inițiator.</a:t>
+            </a:r>
+          </a:p>
+        </p:txBody>
+      </p:sp>
+      <p:sp>
+        <p:nvSpPr>
+          <p:cNvPr id="4" name="Slide Number Placeholder 3">
+            <a:extLst>
+              <a:ext uri="{FF2B5EF4-FFF2-40B4-BE49-F238E27FC236}">
+                <a16:creationId xmlns:a16="http://schemas.microsoft.com/office/drawing/2014/main" id="{3A345FC1-C4CB-1844-ACFF-3D10EF8280E1}"/>
+              </a:ext>
+            </a:extLst>
+          </p:cNvPr>
+          <p:cNvSpPr>
+            <a:spLocks noGrp="1"/>
+          </p:cNvSpPr>
+          <p:nvPr>
+            <p:ph type="sldNum" sz="quarter" idx="12"/>
+          </p:nvPr>
+        </p:nvSpPr>
+        <p:spPr/>
+        <p:txBody>
+          <a:bodyPr/>
+          <a:lstStyle/>
+          <a:p>
+            <a:fld id="{BABCF458-AFE6-754E-9B16-FD8D831A10CC}" type="slidenum">
+              <a:rPr lang="en-US" smtClean="0"/>
+              <a:t>16</a:t>
+            </a:fld>
+            <a:endParaRPr lang="en-US"/>
+          </a:p>
+        </p:txBody>
+      </p:sp>
+      <p:pic>
+        <p:nvPicPr>
+          <p:cNvPr id="8" name="Picture 7">
+            <a:extLst>
+              <a:ext uri="{FF2B5EF4-FFF2-40B4-BE49-F238E27FC236}">
+                <a16:creationId xmlns:a16="http://schemas.microsoft.com/office/drawing/2014/main" id="{945220DA-C324-4539-B590-3D6523151C16}"/>
+              </a:ext>
+            </a:extLst>
+          </p:cNvPr>
+          <p:cNvPicPr>
+            <a:picLocks noChangeAspect="1"/>
+          </p:cNvPicPr>
+          <p:nvPr/>
+        </p:nvPicPr>
+        <p:blipFill>
+          <a:blip r:embed="rId2"/>
+          <a:stretch>
+            <a:fillRect/>
+          </a:stretch>
+        </p:blipFill>
+        <p:spPr>
+          <a:xfrm>
+            <a:off x="530399" y="2377472"/>
+            <a:ext cx="3604722" cy="2390399"/>
+          </a:xfrm>
+          <a:prstGeom prst="rect">
+            <a:avLst/>
+          </a:prstGeom>
+          <a:ln>
+            <a:noFill/>
+          </a:ln>
+          <a:effectLst>
+            <a:outerShdw blurRad="292100" dist="139700" dir="2700000" algn="tl" rotWithShape="0">
+              <a:srgbClr val="333333">
+                <a:alpha val="65000"/>
+              </a:srgbClr>
+            </a:outerShdw>
+          </a:effectLst>
+        </p:spPr>
+      </p:pic>
+    </p:spTree>
+    <p:extLst>
+      <p:ext uri="{BB962C8B-B14F-4D97-AF65-F5344CB8AC3E}">
+        <p14:creationId xmlns:p14="http://schemas.microsoft.com/office/powerpoint/2010/main" val="1661047212"/>
+      </p:ext>
+    </p:extLst>
+  </p:cSld>
+  <p:clrMapOvr>
+    <a:masterClrMapping/>
+  </p:clrMapOvr>
+</p:sld>
+</file>
+
+<file path=ppt/slides/slide17.xml><?xml version="1.0" encoding="utf-8"?>
+<p:sld xmlns:a="http://schemas.openxmlformats.org/drawingml/2006/main" xmlns:r="http://schemas.openxmlformats.org/officeDocument/2006/relationships" xmlns:p="http://schemas.openxmlformats.org/presentationml/2006/main">
+  <p:cSld>
+    <p:spTree>
+      <p:nvGrpSpPr>
+        <p:cNvPr id="1" name=""/>
+        <p:cNvGrpSpPr/>
+        <p:nvPr/>
+      </p:nvGrpSpPr>
+      <p:grpSpPr>
+        <a:xfrm>
+          <a:off x="0" y="0"/>
+          <a:ext cx="0" cy="0"/>
+          <a:chOff x="0" y="0"/>
+          <a:chExt cx="0" cy="0"/>
+        </a:xfrm>
+      </p:grpSpPr>
+      <p:sp>
+        <p:nvSpPr>
+          <p:cNvPr id="2" name="Title 1">
+            <a:extLst>
+              <a:ext uri="{FF2B5EF4-FFF2-40B4-BE49-F238E27FC236}">
+                <a16:creationId xmlns:a16="http://schemas.microsoft.com/office/drawing/2014/main" id="{5A0A107F-7091-804C-B7E8-885C61117A32}"/>
+              </a:ext>
+            </a:extLst>
+          </p:cNvPr>
+          <p:cNvSpPr>
+            <a:spLocks noGrp="1"/>
+          </p:cNvSpPr>
+          <p:nvPr>
+            <p:ph type="title"/>
+          </p:nvPr>
+        </p:nvSpPr>
+        <p:spPr/>
+        <p:txBody>
+          <a:bodyPr/>
+          <a:lstStyle/>
+          <a:p>
+            <a:r>
+              <a:rPr lang="ro-RO" sz="3000" dirty="0"/>
+              <a:t>3) Realizarea plăților </a:t>
+            </a:r>
+            <a:r>
+              <a:rPr lang="ro-RO" sz="2400" dirty="0"/>
+              <a:t>– plata la POS</a:t>
+            </a:r>
+          </a:p>
+        </p:txBody>
+      </p:sp>
+      <p:sp>
+        <p:nvSpPr>
+          <p:cNvPr id="3" name="Content Placeholder 2">
+            <a:extLst>
+              <a:ext uri="{FF2B5EF4-FFF2-40B4-BE49-F238E27FC236}">
+                <a16:creationId xmlns:a16="http://schemas.microsoft.com/office/drawing/2014/main" id="{26D1A9CF-44F5-1E48-B6DF-158CBBEE8D84}"/>
+              </a:ext>
+            </a:extLst>
+          </p:cNvPr>
+          <p:cNvSpPr>
+            <a:spLocks noGrp="1"/>
+          </p:cNvSpPr>
+          <p:nvPr>
+            <p:ph idx="1"/>
+          </p:nvPr>
+        </p:nvSpPr>
+        <p:spPr>
+          <a:xfrm>
+            <a:off x="4785360" y="2232678"/>
+            <a:ext cx="4305762" cy="2665411"/>
+          </a:xfrm>
+        </p:spPr>
+        <p:txBody>
+          <a:bodyPr>
+            <a:normAutofit/>
+          </a:bodyPr>
+          <a:lstStyle/>
+          <a:p>
+            <a:pPr marL="0" indent="0" algn="just">
+              <a:lnSpc>
+                <a:spcPct val="150000"/>
+              </a:lnSpc>
+              <a:buNone/>
+            </a:pPr>
+            <a:r>
+              <a:rPr lang="ro-RO" dirty="0"/>
+              <a:t>	Când inițiatorul ajunge la pasul final, îi sunt afișate metodele de plată printre care se află și cea care folosește tehnologia NFC pentru a plăti cu telefonul direct la POS fiind simulată o plată cu cardul.</a:t>
+            </a:r>
+          </a:p>
+          <a:p>
+            <a:endParaRPr lang="ro-RO" dirty="0"/>
+          </a:p>
+        </p:txBody>
+      </p:sp>
+      <p:sp>
+        <p:nvSpPr>
+          <p:cNvPr id="4" name="Slide Number Placeholder 3">
+            <a:extLst>
+              <a:ext uri="{FF2B5EF4-FFF2-40B4-BE49-F238E27FC236}">
+                <a16:creationId xmlns:a16="http://schemas.microsoft.com/office/drawing/2014/main" id="{497A04AF-5565-8843-992B-35C7F5548C2E}"/>
+              </a:ext>
+            </a:extLst>
+          </p:cNvPr>
+          <p:cNvSpPr>
+            <a:spLocks noGrp="1"/>
+          </p:cNvSpPr>
+          <p:nvPr>
+            <p:ph type="sldNum" sz="quarter" idx="12"/>
+          </p:nvPr>
+        </p:nvSpPr>
+        <p:spPr/>
+        <p:txBody>
+          <a:bodyPr/>
+          <a:lstStyle/>
+          <a:p>
+            <a:fld id="{BABCF458-AFE6-754E-9B16-FD8D831A10CC}" type="slidenum">
+              <a:rPr lang="en-US" smtClean="0"/>
+              <a:t>17</a:t>
+            </a:fld>
+            <a:endParaRPr lang="en-US"/>
+          </a:p>
+        </p:txBody>
+      </p:sp>
+      <p:pic>
+        <p:nvPicPr>
+          <p:cNvPr id="5" name="Picture 4">
+            <a:extLst>
+              <a:ext uri="{FF2B5EF4-FFF2-40B4-BE49-F238E27FC236}">
+                <a16:creationId xmlns:a16="http://schemas.microsoft.com/office/drawing/2014/main" id="{F089FA23-3FAF-4FC8-A94B-1CDCC9D022BB}"/>
+              </a:ext>
+            </a:extLst>
+          </p:cNvPr>
+          <p:cNvPicPr>
+            <a:picLocks noChangeAspect="1"/>
+          </p:cNvPicPr>
+          <p:nvPr/>
+        </p:nvPicPr>
+        <p:blipFill>
+          <a:blip r:embed="rId3"/>
+          <a:stretch>
+            <a:fillRect/>
+          </a:stretch>
+        </p:blipFill>
+        <p:spPr>
+          <a:xfrm>
+            <a:off x="898545" y="2160589"/>
+            <a:ext cx="3586711" cy="2809591"/>
+          </a:xfrm>
+          <a:prstGeom prst="rect">
+            <a:avLst/>
+          </a:prstGeom>
+          <a:ln>
+            <a:noFill/>
+          </a:ln>
+          <a:effectLst>
+            <a:outerShdw blurRad="292100" dist="139700" dir="2700000" algn="tl" rotWithShape="0">
+              <a:srgbClr val="333333">
+                <a:alpha val="65000"/>
+              </a:srgbClr>
+            </a:outerShdw>
+          </a:effectLst>
+        </p:spPr>
+      </p:pic>
+    </p:spTree>
+    <p:extLst>
+      <p:ext uri="{BB962C8B-B14F-4D97-AF65-F5344CB8AC3E}">
+        <p14:creationId xmlns:p14="http://schemas.microsoft.com/office/powerpoint/2010/main" val="951114610"/>
+      </p:ext>
+    </p:extLst>
+  </p:cSld>
+  <p:clrMapOvr>
+    <a:masterClrMapping/>
+  </p:clrMapOvr>
+</p:sld>
+</file>
+
+<file path=ppt/slides/slide18.xml><?xml version="1.0" encoding="utf-8"?>
+<p:sld xmlns:a="http://schemas.openxmlformats.org/drawingml/2006/main" xmlns:r="http://schemas.openxmlformats.org/officeDocument/2006/relationships" xmlns:p="http://schemas.openxmlformats.org/presentationml/2006/main">
+  <p:cSld>
+    <p:spTree>
+      <p:nvGrpSpPr>
+        <p:cNvPr id="1" name=""/>
+        <p:cNvGrpSpPr/>
+        <p:nvPr/>
+      </p:nvGrpSpPr>
+      <p:grpSpPr>
+        <a:xfrm>
+          <a:off x="0" y="0"/>
+          <a:ext cx="0" cy="0"/>
+          <a:chOff x="0" y="0"/>
+          <a:chExt cx="0" cy="0"/>
+        </a:xfrm>
+      </p:grpSpPr>
+      <p:sp>
+        <p:nvSpPr>
+          <p:cNvPr id="4" name="Slide Number Placeholder 3">
+            <a:extLst>
+              <a:ext uri="{FF2B5EF4-FFF2-40B4-BE49-F238E27FC236}">
+                <a16:creationId xmlns:a16="http://schemas.microsoft.com/office/drawing/2014/main" id="{16087B16-A27C-41FC-B812-432FFD1E5A17}"/>
+              </a:ext>
+            </a:extLst>
+          </p:cNvPr>
+          <p:cNvSpPr>
+            <a:spLocks noGrp="1"/>
+          </p:cNvSpPr>
+          <p:nvPr>
+            <p:ph type="sldNum" sz="quarter" idx="12"/>
+          </p:nvPr>
+        </p:nvSpPr>
+        <p:spPr/>
+        <p:txBody>
+          <a:bodyPr/>
+          <a:lstStyle/>
+          <a:p>
+            <a:fld id="{BABCF458-AFE6-754E-9B16-FD8D831A10CC}" type="slidenum">
+              <a:rPr lang="en-US" smtClean="0"/>
+              <a:t>18</a:t>
+            </a:fld>
+            <a:endParaRPr lang="en-US"/>
+          </a:p>
+        </p:txBody>
+      </p:sp>
+      <p:sp>
+        <p:nvSpPr>
+          <p:cNvPr id="5" name="Title 1">
+            <a:extLst>
+              <a:ext uri="{FF2B5EF4-FFF2-40B4-BE49-F238E27FC236}">
+                <a16:creationId xmlns:a16="http://schemas.microsoft.com/office/drawing/2014/main" id="{E321FA75-8CAB-4231-9DAC-97012551C0E6}"/>
+              </a:ext>
+            </a:extLst>
+          </p:cNvPr>
+          <p:cNvSpPr>
+            <a:spLocks noGrp="1"/>
+          </p:cNvSpPr>
+          <p:nvPr>
+            <p:ph type="title"/>
+          </p:nvPr>
+        </p:nvSpPr>
+        <p:spPr>
+          <a:xfrm>
+            <a:off x="799254" y="2976880"/>
+            <a:ext cx="8596668" cy="1320800"/>
+          </a:xfrm>
+        </p:spPr>
+        <p:txBody>
+          <a:bodyPr>
+            <a:normAutofit/>
+          </a:bodyPr>
+          <a:lstStyle/>
+          <a:p>
+            <a:r>
+              <a:rPr lang="ro-RO" sz="4400" dirty="0"/>
+              <a:t>Ar</a:t>
+            </a:r>
+            <a:r>
+              <a:rPr lang="en-US" sz="4400" dirty="0"/>
+              <a:t>h</a:t>
+            </a:r>
+            <a:r>
+              <a:rPr lang="ro-RO" sz="4400" dirty="0" err="1"/>
+              <a:t>itetura</a:t>
+            </a:r>
+            <a:r>
+              <a:rPr lang="ro-RO" sz="4400" dirty="0"/>
+              <a:t> </a:t>
+            </a:r>
+            <a:r>
+              <a:rPr lang="ro-RO" sz="4400" dirty="0" err="1"/>
+              <a:t>apli</a:t>
+            </a:r>
+            <a:r>
+              <a:rPr lang="en-US" sz="4400" dirty="0"/>
+              <a:t>c</a:t>
+            </a:r>
+            <a:r>
+              <a:rPr lang="ro-RO" sz="4400" dirty="0" err="1"/>
+              <a:t>ației</a:t>
+            </a:r>
+            <a:endParaRPr lang="ro-RO" sz="4400" dirty="0"/>
+          </a:p>
+        </p:txBody>
+      </p:sp>
+    </p:spTree>
+    <p:extLst>
+      <p:ext uri="{BB962C8B-B14F-4D97-AF65-F5344CB8AC3E}">
+        <p14:creationId xmlns:p14="http://schemas.microsoft.com/office/powerpoint/2010/main" val="3652871788"/>
+      </p:ext>
+    </p:extLst>
+  </p:cSld>
+  <p:clrMapOvr>
+    <a:masterClrMapping/>
+  </p:clrMapOvr>
+</p:sld>
+</file>
+
+<file path=ppt/slides/slide19.xml><?xml version="1.0" encoding="utf-8"?>
+<p:sld xmlns:a="http://schemas.openxmlformats.org/drawingml/2006/main" xmlns:r="http://schemas.openxmlformats.org/officeDocument/2006/relationships" xmlns:p="http://schemas.openxmlformats.org/presentationml/2006/main">
+  <p:cSld>
+    <p:spTree>
+      <p:nvGrpSpPr>
+        <p:cNvPr id="1" name=""/>
+        <p:cNvGrpSpPr/>
+        <p:nvPr/>
+      </p:nvGrpSpPr>
+      <p:grpSpPr>
+        <a:xfrm>
+          <a:off x="0" y="0"/>
+          <a:ext cx="0" cy="0"/>
+          <a:chOff x="0" y="0"/>
+          <a:chExt cx="0" cy="0"/>
+        </a:xfrm>
+      </p:grpSpPr>
+      <p:sp>
+        <p:nvSpPr>
+          <p:cNvPr id="2" name="Title 1">
+            <a:extLst>
+              <a:ext uri="{FF2B5EF4-FFF2-40B4-BE49-F238E27FC236}">
+                <a16:creationId xmlns:a16="http://schemas.microsoft.com/office/drawing/2014/main" id="{106042BF-E9DC-4A32-ACA6-C39E3F0CD7A9}"/>
+              </a:ext>
+            </a:extLst>
+          </p:cNvPr>
+          <p:cNvSpPr>
+            <a:spLocks noGrp="1"/>
+          </p:cNvSpPr>
+          <p:nvPr>
+            <p:ph type="title"/>
+          </p:nvPr>
+        </p:nvSpPr>
+        <p:spPr/>
+        <p:txBody>
+          <a:bodyPr/>
+          <a:lstStyle/>
+          <a:p>
+            <a:r>
+              <a:rPr lang="ro-RO" dirty="0"/>
+              <a:t>Arhitectura aplicației</a:t>
+            </a:r>
+          </a:p>
+        </p:txBody>
+      </p:sp>
+      <p:sp>
+        <p:nvSpPr>
+          <p:cNvPr id="4" name="Slide Number Placeholder 3">
+            <a:extLst>
+              <a:ext uri="{FF2B5EF4-FFF2-40B4-BE49-F238E27FC236}">
+                <a16:creationId xmlns:a16="http://schemas.microsoft.com/office/drawing/2014/main" id="{2EAC411F-D2DA-400B-B43D-97DD3DBBB81E}"/>
+              </a:ext>
+            </a:extLst>
+          </p:cNvPr>
+          <p:cNvSpPr>
+            <a:spLocks noGrp="1"/>
+          </p:cNvSpPr>
+          <p:nvPr>
+            <p:ph type="sldNum" sz="quarter" idx="12"/>
+          </p:nvPr>
+        </p:nvSpPr>
+        <p:spPr/>
+        <p:txBody>
+          <a:bodyPr/>
+          <a:lstStyle/>
+          <a:p>
+            <a:fld id="{BABCF458-AFE6-754E-9B16-FD8D831A10CC}" type="slidenum">
+              <a:rPr lang="en-US" smtClean="0"/>
+              <a:t>19</a:t>
+            </a:fld>
+            <a:endParaRPr lang="en-US"/>
+          </a:p>
+        </p:txBody>
+      </p:sp>
+      <p:sp>
+        <p:nvSpPr>
+          <p:cNvPr id="5" name="Content Placeholder 2">
+            <a:extLst>
+              <a:ext uri="{FF2B5EF4-FFF2-40B4-BE49-F238E27FC236}">
+                <a16:creationId xmlns:a16="http://schemas.microsoft.com/office/drawing/2014/main" id="{97701C3A-8E46-48EE-A954-EF86D5AD90F9}"/>
+              </a:ext>
+            </a:extLst>
+          </p:cNvPr>
+          <p:cNvSpPr txBox="1">
+            <a:spLocks noGrp="1"/>
+          </p:cNvSpPr>
+          <p:nvPr>
+            <p:ph idx="1"/>
+          </p:nvPr>
+        </p:nvSpPr>
+        <p:spPr>
+          <a:xfrm>
+            <a:off x="677863" y="2160588"/>
+            <a:ext cx="8596312" cy="3881437"/>
+          </a:xfrm>
+          <a:prstGeom prst="rect">
+            <a:avLst/>
+          </a:prstGeom>
+        </p:spPr>
+        <p:txBody>
+          <a:bodyPr vert="horz" lIns="91440" tIns="45720" rIns="91440" bIns="45720" rtlCol="0">
+            <a:normAutofit/>
+          </a:bodyPr>
+          <a:lstStyle>
+            <a:lvl1pPr marL="342900" indent="-342900" algn="l" defTabSz="457200" rtl="0" eaLnBrk="1" latinLnBrk="0" hangingPunct="1">
+              <a:spcBef>
+                <a:spcPts val="1000"/>
+              </a:spcBef>
+              <a:spcAft>
+                <a:spcPts val="0"/>
+              </a:spcAft>
+              <a:buClr>
+                <a:schemeClr val="accent1"/>
+              </a:buClr>
+              <a:buSzPct val="80000"/>
+              <a:buFont typeface="Wingdings 3" charset="2"/>
+              <a:buChar char=""/>
+              <a:defRPr sz="1800" kern="1200">
+                <a:solidFill>
+                  <a:schemeClr val="tx1">
+                    <a:lumMod val="75000"/>
+                    <a:lumOff val="25000"/>
+                  </a:schemeClr>
+                </a:solidFill>
+                <a:latin typeface="+mn-lt"/>
+                <a:ea typeface="+mn-ea"/>
+                <a:cs typeface="+mn-cs"/>
+              </a:defRPr>
+            </a:lvl1pPr>
+            <a:lvl2pPr marL="742950" indent="-285750" algn="l" defTabSz="457200" rtl="0" eaLnBrk="1" latinLnBrk="0" hangingPunct="1">
+              <a:spcBef>
+                <a:spcPts val="1000"/>
+              </a:spcBef>
+              <a:spcAft>
+                <a:spcPts val="0"/>
+              </a:spcAft>
+              <a:buClr>
+                <a:schemeClr val="accent1"/>
+              </a:buClr>
+              <a:buSzPct val="80000"/>
+              <a:buFont typeface="Wingdings 3" charset="2"/>
+              <a:buChar char=""/>
+              <a:defRPr sz="1600" kern="1200">
+                <a:solidFill>
+                  <a:schemeClr val="tx1">
+                    <a:lumMod val="75000"/>
+                    <a:lumOff val="25000"/>
+                  </a:schemeClr>
+                </a:solidFill>
+                <a:latin typeface="+mn-lt"/>
+                <a:ea typeface="+mn-ea"/>
+                <a:cs typeface="+mn-cs"/>
+              </a:defRPr>
+            </a:lvl2pPr>
+            <a:lvl3pPr marL="1143000" indent="-228600" algn="l" defTabSz="457200" rtl="0" eaLnBrk="1" latinLnBrk="0" hangingPunct="1">
+              <a:spcBef>
+                <a:spcPts val="1000"/>
+              </a:spcBef>
+              <a:spcAft>
+                <a:spcPts val="0"/>
+              </a:spcAft>
+              <a:buClr>
+                <a:schemeClr val="accent1"/>
+              </a:buClr>
+              <a:buSzPct val="80000"/>
+              <a:buFont typeface="Wingdings 3" charset="2"/>
+              <a:buChar char=""/>
+              <a:defRPr sz="1400" kern="1200">
+                <a:solidFill>
+                  <a:schemeClr val="tx1">
+                    <a:lumMod val="75000"/>
+                    <a:lumOff val="25000"/>
+                  </a:schemeClr>
+                </a:solidFill>
+                <a:latin typeface="+mn-lt"/>
+                <a:ea typeface="+mn-ea"/>
+                <a:cs typeface="+mn-cs"/>
+              </a:defRPr>
+            </a:lvl3pPr>
+            <a:lvl4pPr marL="1600200" indent="-228600" algn="l" defTabSz="457200" rtl="0" eaLnBrk="1" latinLnBrk="0" hangingPunct="1">
+              <a:spcBef>
+                <a:spcPts val="1000"/>
+              </a:spcBef>
+              <a:spcAft>
+                <a:spcPts val="0"/>
+              </a:spcAft>
+              <a:buClr>
+                <a:schemeClr val="accent1"/>
+              </a:buClr>
+              <a:buSzPct val="80000"/>
+              <a:buFont typeface="Wingdings 3" charset="2"/>
+              <a:buChar char=""/>
+              <a:defRPr sz="1200" kern="1200">
+                <a:solidFill>
+                  <a:schemeClr val="tx1">
+                    <a:lumMod val="75000"/>
+                    <a:lumOff val="25000"/>
+                  </a:schemeClr>
+                </a:solidFill>
+                <a:latin typeface="+mn-lt"/>
+                <a:ea typeface="+mn-ea"/>
+                <a:cs typeface="+mn-cs"/>
+              </a:defRPr>
+            </a:lvl4pPr>
+            <a:lvl5pPr marL="2057400" indent="-228600" algn="l" defTabSz="457200" rtl="0" eaLnBrk="1" latinLnBrk="0" hangingPunct="1">
+              <a:spcBef>
+                <a:spcPts val="1000"/>
+              </a:spcBef>
+              <a:spcAft>
+                <a:spcPts val="0"/>
+              </a:spcAft>
+              <a:buClr>
+                <a:schemeClr val="accent1"/>
+              </a:buClr>
+              <a:buSzPct val="80000"/>
+              <a:buFont typeface="Wingdings 3" charset="2"/>
+              <a:buChar char=""/>
+              <a:defRPr sz="1200" kern="1200">
+                <a:solidFill>
+                  <a:schemeClr val="tx1">
+                    <a:lumMod val="75000"/>
+                    <a:lumOff val="25000"/>
+                  </a:schemeClr>
+                </a:solidFill>
+                <a:latin typeface="+mn-lt"/>
+                <a:ea typeface="+mn-ea"/>
+                <a:cs typeface="+mn-cs"/>
+              </a:defRPr>
+            </a:lvl5pPr>
+            <a:lvl6pPr marL="2514600" indent="-228600" algn="l" defTabSz="457200" rtl="0" eaLnBrk="1" latinLnBrk="0" hangingPunct="1">
+              <a:spcBef>
+                <a:spcPts val="1000"/>
+              </a:spcBef>
+              <a:spcAft>
+                <a:spcPts val="0"/>
+              </a:spcAft>
+              <a:buClr>
+                <a:schemeClr val="accent1"/>
+              </a:buClr>
+              <a:buSzPct val="80000"/>
+              <a:buFont typeface="Wingdings 3" charset="2"/>
+              <a:buChar char=""/>
+              <a:defRPr sz="1200" kern="1200">
+                <a:solidFill>
+                  <a:schemeClr val="tx1">
+                    <a:lumMod val="75000"/>
+                    <a:lumOff val="25000"/>
+                  </a:schemeClr>
+                </a:solidFill>
+                <a:latin typeface="+mn-lt"/>
+                <a:ea typeface="+mn-ea"/>
+                <a:cs typeface="+mn-cs"/>
+              </a:defRPr>
+            </a:lvl6pPr>
+            <a:lvl7pPr marL="2971800" indent="-228600" algn="l" defTabSz="457200" rtl="0" eaLnBrk="1" latinLnBrk="0" hangingPunct="1">
+              <a:spcBef>
+                <a:spcPts val="1000"/>
+              </a:spcBef>
+              <a:spcAft>
+                <a:spcPts val="0"/>
+              </a:spcAft>
+              <a:buClr>
+                <a:schemeClr val="accent1"/>
+              </a:buClr>
+              <a:buSzPct val="80000"/>
+              <a:buFont typeface="Wingdings 3" charset="2"/>
+              <a:buChar char=""/>
+              <a:defRPr sz="1200" kern="1200">
+                <a:solidFill>
+                  <a:schemeClr val="tx1">
+                    <a:lumMod val="75000"/>
+                    <a:lumOff val="25000"/>
+                  </a:schemeClr>
+                </a:solidFill>
+                <a:latin typeface="+mn-lt"/>
+                <a:ea typeface="+mn-ea"/>
+                <a:cs typeface="+mn-cs"/>
+              </a:defRPr>
+            </a:lvl7pPr>
+            <a:lvl8pPr marL="3429000" indent="-228600" algn="l" defTabSz="457200" rtl="0" eaLnBrk="1" latinLnBrk="0" hangingPunct="1">
+              <a:spcBef>
+                <a:spcPts val="1000"/>
+              </a:spcBef>
+              <a:spcAft>
+                <a:spcPts val="0"/>
+              </a:spcAft>
+              <a:buClr>
+                <a:schemeClr val="accent1"/>
+              </a:buClr>
+              <a:buSzPct val="80000"/>
+              <a:buFont typeface="Wingdings 3" charset="2"/>
+              <a:buChar char=""/>
+              <a:defRPr sz="1200" kern="1200">
+                <a:solidFill>
+                  <a:schemeClr val="tx1">
+                    <a:lumMod val="75000"/>
+                    <a:lumOff val="25000"/>
+                  </a:schemeClr>
+                </a:solidFill>
+                <a:latin typeface="+mn-lt"/>
+                <a:ea typeface="+mn-ea"/>
+                <a:cs typeface="+mn-cs"/>
+              </a:defRPr>
+            </a:lvl8pPr>
+            <a:lvl9pPr marL="3886200" indent="-228600" algn="l" defTabSz="457200" rtl="0" eaLnBrk="1" latinLnBrk="0" hangingPunct="1">
+              <a:spcBef>
+                <a:spcPts val="1000"/>
+              </a:spcBef>
+              <a:spcAft>
+                <a:spcPts val="0"/>
+              </a:spcAft>
+              <a:buClr>
+                <a:schemeClr val="accent1"/>
+              </a:buClr>
+              <a:buSzPct val="80000"/>
+              <a:buFont typeface="Wingdings 3" charset="2"/>
+              <a:buChar char=""/>
+              <a:defRPr sz="1200" kern="1200">
+                <a:solidFill>
+                  <a:schemeClr val="tx1">
+                    <a:lumMod val="75000"/>
+                    <a:lumOff val="25000"/>
+                  </a:schemeClr>
+                </a:solidFill>
+                <a:latin typeface="+mn-lt"/>
+                <a:ea typeface="+mn-ea"/>
+                <a:cs typeface="+mn-cs"/>
+              </a:defRPr>
+            </a:lvl9pPr>
+          </a:lstStyle>
+          <a:p>
+            <a:pPr marL="0" indent="0" algn="just">
+              <a:lnSpc>
+                <a:spcPct val="150000"/>
+              </a:lnSpc>
+              <a:buFont typeface="Wingdings 3" charset="2"/>
+              <a:buNone/>
+            </a:pPr>
+            <a:r>
+              <a:rPr lang="en-US" dirty="0"/>
+              <a:t>P</a:t>
+            </a:r>
+            <a:r>
+              <a:rPr lang="ro-RO" dirty="0" err="1"/>
+              <a:t>roiectul</a:t>
+            </a:r>
+            <a:r>
+              <a:rPr lang="ro-RO" dirty="0"/>
+              <a:t> </a:t>
+            </a:r>
+            <a:r>
+              <a:rPr lang="ro-RO" dirty="0" err="1"/>
+              <a:t>urmăreste</a:t>
+            </a:r>
+            <a:r>
+              <a:rPr lang="ro-RO" dirty="0"/>
+              <a:t> următoare arhitectură</a:t>
+            </a:r>
+            <a:r>
+              <a:rPr lang="en-US" dirty="0"/>
+              <a:t>:</a:t>
+            </a:r>
+          </a:p>
+          <a:p>
+            <a:pPr algn="just">
+              <a:lnSpc>
+                <a:spcPct val="150000"/>
+              </a:lnSpc>
+            </a:pPr>
+            <a:r>
+              <a:rPr lang="ro-RO" dirty="0"/>
+              <a:t>Mobile Bill </a:t>
+            </a:r>
+            <a:r>
+              <a:rPr lang="ro-RO" dirty="0" err="1"/>
+              <a:t>Splitter</a:t>
+            </a:r>
+            <a:r>
+              <a:rPr lang="ro-RO" dirty="0"/>
+              <a:t> – aplicația android care realizează interacțiunea cu utilizatorul</a:t>
+            </a:r>
+          </a:p>
+          <a:p>
+            <a:pPr algn="just">
+              <a:lnSpc>
+                <a:spcPct val="150000"/>
+              </a:lnSpc>
+            </a:pPr>
+            <a:r>
+              <a:rPr lang="ro-RO" dirty="0"/>
+              <a:t>Mobile Bill </a:t>
+            </a:r>
+            <a:r>
+              <a:rPr lang="ro-RO" dirty="0" err="1"/>
+              <a:t>Splitter</a:t>
+            </a:r>
+            <a:r>
+              <a:rPr lang="ro-RO" dirty="0"/>
+              <a:t> API – serverul REST care expune un API pentru realizarea de operații CRUD asupra obiectelor din baza de date</a:t>
+            </a:r>
+          </a:p>
+          <a:p>
+            <a:pPr algn="just">
+              <a:lnSpc>
+                <a:spcPct val="150000"/>
+              </a:lnSpc>
+            </a:pPr>
+            <a:r>
+              <a:rPr lang="ro-RO" dirty="0"/>
+              <a:t>Google Vision API – folosit pentru obținerea textului din imaginile cu bonuri</a:t>
+            </a:r>
+          </a:p>
+          <a:p>
+            <a:pPr algn="just">
+              <a:lnSpc>
+                <a:spcPct val="150000"/>
+              </a:lnSpc>
+            </a:pPr>
+            <a:r>
+              <a:rPr lang="ro-RO" dirty="0"/>
+              <a:t>Google </a:t>
+            </a:r>
+            <a:r>
+              <a:rPr lang="ro-RO" dirty="0" err="1"/>
+              <a:t>Pay</a:t>
+            </a:r>
+            <a:r>
+              <a:rPr lang="ro-RO" dirty="0"/>
+              <a:t> API – pentru realizarea plăților intre utilizatori și către localuri</a:t>
+            </a:r>
+          </a:p>
+          <a:p>
+            <a:endParaRPr lang="ro-RO" dirty="0"/>
+          </a:p>
+        </p:txBody>
+      </p:sp>
+    </p:spTree>
+    <p:extLst>
+      <p:ext uri="{BB962C8B-B14F-4D97-AF65-F5344CB8AC3E}">
+        <p14:creationId xmlns:p14="http://schemas.microsoft.com/office/powerpoint/2010/main" val="2199623619"/>
       </p:ext>
     </p:extLst>
   </p:cSld>
@@ -7301,7 +8747,9 @@
         </p:nvSpPr>
         <p:spPr/>
         <p:txBody>
-          <a:bodyPr/>
+          <a:bodyPr>
+            <a:normAutofit fontScale="92500" lnSpcReduction="10000"/>
+          </a:bodyPr>
           <a:lstStyle/>
           <a:p>
             <a:pPr>
@@ -7333,7 +8781,15 @@
             </a:pPr>
             <a:r>
               <a:rPr lang="ro-RO" dirty="0"/>
-              <a:t>Extragere datelor</a:t>
+              <a:t>Extragere</a:t>
+            </a:r>
+            <a:r>
+              <a:rPr lang="en-US" dirty="0"/>
+              <a:t>a</a:t>
+            </a:r>
+            <a:r>
+              <a:rPr lang="ro-RO" dirty="0"/>
+              <a:t> datelor</a:t>
             </a:r>
           </a:p>
           <a:p>
@@ -7356,6 +8812,26 @@
             <a:r>
               <a:rPr lang="ro-RO" dirty="0"/>
               <a:t>Realizarea plăților</a:t>
+            </a:r>
+            <a:endParaRPr lang="en-US" dirty="0"/>
+          </a:p>
+          <a:p>
+            <a:pPr>
+              <a:lnSpc>
+                <a:spcPct val="150000"/>
+              </a:lnSpc>
+            </a:pPr>
+            <a:r>
+              <a:rPr lang="ro-RO" dirty="0"/>
+              <a:t>Arhitectura</a:t>
+            </a:r>
+            <a:r>
+              <a:rPr lang="en-US" dirty="0"/>
+              <a:t> </a:t>
+            </a:r>
+            <a:r>
+              <a:rPr lang="ro-RO" dirty="0"/>
+              <a:t>proiectului</a:t>
             </a:r>
           </a:p>
           <a:p>
@@ -7415,6 +8891,524 @@
     <p:extLst>
       <p:ext uri="{BB962C8B-B14F-4D97-AF65-F5344CB8AC3E}">
         <p14:creationId xmlns:p14="http://schemas.microsoft.com/office/powerpoint/2010/main" val="954932266"/>
+      </p:ext>
+    </p:extLst>
+  </p:cSld>
+  <p:clrMapOvr>
+    <a:masterClrMapping/>
+  </p:clrMapOvr>
+</p:sld>
+</file>
+
+<file path=ppt/slides/slide20.xml><?xml version="1.0" encoding="utf-8"?>
+<p:sld xmlns:a="http://schemas.openxmlformats.org/drawingml/2006/main" xmlns:r="http://schemas.openxmlformats.org/officeDocument/2006/relationships" xmlns:p="http://schemas.openxmlformats.org/presentationml/2006/main">
+  <p:cSld>
+    <p:spTree>
+      <p:nvGrpSpPr>
+        <p:cNvPr id="1" name=""/>
+        <p:cNvGrpSpPr/>
+        <p:nvPr/>
+      </p:nvGrpSpPr>
+      <p:grpSpPr>
+        <a:xfrm>
+          <a:off x="0" y="0"/>
+          <a:ext cx="0" cy="0"/>
+          <a:chOff x="0" y="0"/>
+          <a:chExt cx="0" cy="0"/>
+        </a:xfrm>
+      </p:grpSpPr>
+      <p:sp>
+        <p:nvSpPr>
+          <p:cNvPr id="2" name="Title 1">
+            <a:extLst>
+              <a:ext uri="{FF2B5EF4-FFF2-40B4-BE49-F238E27FC236}">
+                <a16:creationId xmlns:a16="http://schemas.microsoft.com/office/drawing/2014/main" id="{19BD777D-507A-4787-B6D1-84F74A5D4136}"/>
+              </a:ext>
+            </a:extLst>
+          </p:cNvPr>
+          <p:cNvSpPr>
+            <a:spLocks noGrp="1"/>
+          </p:cNvSpPr>
+          <p:nvPr>
+            <p:ph type="title"/>
+          </p:nvPr>
+        </p:nvSpPr>
+        <p:spPr/>
+        <p:txBody>
+          <a:bodyPr/>
+          <a:lstStyle/>
+          <a:p>
+            <a:r>
+              <a:rPr lang="ro-RO" dirty="0"/>
+              <a:t>Arhitectura aplicației </a:t>
+            </a:r>
+            <a:r>
+              <a:rPr lang="ro-RO" sz="2400" dirty="0"/>
+              <a:t>– diagramă master</a:t>
+            </a:r>
+            <a:endParaRPr lang="ro-RO" dirty="0"/>
+          </a:p>
+        </p:txBody>
+      </p:sp>
+      <p:pic>
+        <p:nvPicPr>
+          <p:cNvPr id="6" name="Content Placeholder 5">
+            <a:extLst>
+              <a:ext uri="{FF2B5EF4-FFF2-40B4-BE49-F238E27FC236}">
+                <a16:creationId xmlns:a16="http://schemas.microsoft.com/office/drawing/2014/main" id="{AA5DCEF9-30D4-49B6-8C47-689C575016E1}"/>
+              </a:ext>
+            </a:extLst>
+          </p:cNvPr>
+          <p:cNvPicPr>
+            <a:picLocks noGrp="1" noChangeAspect="1"/>
+          </p:cNvPicPr>
+          <p:nvPr>
+            <p:ph idx="1"/>
+          </p:nvPr>
+        </p:nvPicPr>
+        <p:blipFill>
+          <a:blip r:embed="rId2"/>
+          <a:stretch>
+            <a:fillRect/>
+          </a:stretch>
+        </p:blipFill>
+        <p:spPr>
+          <a:xfrm>
+            <a:off x="1327593" y="2136747"/>
+            <a:ext cx="7296150" cy="3009900"/>
+          </a:xfrm>
+          <a:prstGeom prst="rect">
+            <a:avLst/>
+          </a:prstGeom>
+          <a:ln>
+            <a:noFill/>
+          </a:ln>
+          <a:effectLst>
+            <a:outerShdw blurRad="292100" dist="139700" dir="2700000" algn="tl" rotWithShape="0">
+              <a:srgbClr val="333333">
+                <a:alpha val="65000"/>
+              </a:srgbClr>
+            </a:outerShdw>
+          </a:effectLst>
+        </p:spPr>
+      </p:pic>
+      <p:sp>
+        <p:nvSpPr>
+          <p:cNvPr id="4" name="Slide Number Placeholder 3">
+            <a:extLst>
+              <a:ext uri="{FF2B5EF4-FFF2-40B4-BE49-F238E27FC236}">
+                <a16:creationId xmlns:a16="http://schemas.microsoft.com/office/drawing/2014/main" id="{BDC71759-31EC-433A-83DD-70E77D585102}"/>
+              </a:ext>
+            </a:extLst>
+          </p:cNvPr>
+          <p:cNvSpPr>
+            <a:spLocks noGrp="1"/>
+          </p:cNvSpPr>
+          <p:nvPr>
+            <p:ph type="sldNum" sz="quarter" idx="12"/>
+          </p:nvPr>
+        </p:nvSpPr>
+        <p:spPr/>
+        <p:txBody>
+          <a:bodyPr/>
+          <a:lstStyle/>
+          <a:p>
+            <a:fld id="{BABCF458-AFE6-754E-9B16-FD8D831A10CC}" type="slidenum">
+              <a:rPr lang="en-US" smtClean="0"/>
+              <a:t>20</a:t>
+            </a:fld>
+            <a:endParaRPr lang="en-US"/>
+          </a:p>
+        </p:txBody>
+      </p:sp>
+    </p:spTree>
+    <p:extLst>
+      <p:ext uri="{BB962C8B-B14F-4D97-AF65-F5344CB8AC3E}">
+        <p14:creationId xmlns:p14="http://schemas.microsoft.com/office/powerpoint/2010/main" val="2799092581"/>
+      </p:ext>
+    </p:extLst>
+  </p:cSld>
+  <p:clrMapOvr>
+    <a:masterClrMapping/>
+  </p:clrMapOvr>
+</p:sld>
+</file>
+
+<file path=ppt/slides/slide21.xml><?xml version="1.0" encoding="utf-8"?>
+<p:sld xmlns:a="http://schemas.openxmlformats.org/drawingml/2006/main" xmlns:r="http://schemas.openxmlformats.org/officeDocument/2006/relationships" xmlns:p="http://schemas.openxmlformats.org/presentationml/2006/main">
+  <p:cSld>
+    <p:spTree>
+      <p:nvGrpSpPr>
+        <p:cNvPr id="1" name=""/>
+        <p:cNvGrpSpPr/>
+        <p:nvPr/>
+      </p:nvGrpSpPr>
+      <p:grpSpPr>
+        <a:xfrm>
+          <a:off x="0" y="0"/>
+          <a:ext cx="0" cy="0"/>
+          <a:chOff x="0" y="0"/>
+          <a:chExt cx="0" cy="0"/>
+        </a:xfrm>
+      </p:grpSpPr>
+      <p:sp>
+        <p:nvSpPr>
+          <p:cNvPr id="2" name="Title 1">
+            <a:extLst>
+              <a:ext uri="{FF2B5EF4-FFF2-40B4-BE49-F238E27FC236}">
+                <a16:creationId xmlns:a16="http://schemas.microsoft.com/office/drawing/2014/main" id="{B8EECCF4-5166-9B4F-88F7-144B5E9AF31B}"/>
+              </a:ext>
+            </a:extLst>
+          </p:cNvPr>
+          <p:cNvSpPr>
+            <a:spLocks noGrp="1"/>
+          </p:cNvSpPr>
+          <p:nvPr>
+            <p:ph type="title"/>
+          </p:nvPr>
+        </p:nvSpPr>
+        <p:spPr/>
+        <p:txBody>
+          <a:bodyPr>
+            <a:normAutofit/>
+          </a:bodyPr>
+          <a:lstStyle/>
+          <a:p>
+            <a:r>
+              <a:rPr lang="ro-RO" sz="3000" dirty="0"/>
+              <a:t>Concluzii</a:t>
+            </a:r>
+          </a:p>
+        </p:txBody>
+      </p:sp>
+      <p:sp>
+        <p:nvSpPr>
+          <p:cNvPr id="3" name="Content Placeholder 2">
+            <a:extLst>
+              <a:ext uri="{FF2B5EF4-FFF2-40B4-BE49-F238E27FC236}">
+                <a16:creationId xmlns:a16="http://schemas.microsoft.com/office/drawing/2014/main" id="{0BC8C392-B2BF-7F45-85FB-810CBF587242}"/>
+              </a:ext>
+            </a:extLst>
+          </p:cNvPr>
+          <p:cNvSpPr>
+            <a:spLocks noGrp="1"/>
+          </p:cNvSpPr>
+          <p:nvPr>
+            <p:ph idx="1"/>
+          </p:nvPr>
+        </p:nvSpPr>
+        <p:spPr>
+          <a:xfrm>
+            <a:off x="677334" y="1712133"/>
+            <a:ext cx="9055946" cy="4129867"/>
+          </a:xfrm>
+        </p:spPr>
+        <p:txBody>
+          <a:bodyPr>
+            <a:normAutofit/>
+          </a:bodyPr>
+          <a:lstStyle/>
+          <a:p>
+            <a:pPr marL="0" indent="0">
+              <a:lnSpc>
+                <a:spcPct val="150000"/>
+              </a:lnSpc>
+              <a:buNone/>
+            </a:pPr>
+            <a:r>
+              <a:rPr lang="ro-RO" sz="1600" dirty="0"/>
+              <a:t>	Cu acest proiect am reușit să realizez o aplicație mobilă pe platforma Android care să implementeze un </a:t>
+            </a:r>
+            <a:r>
+              <a:rPr lang="ro-RO" sz="1600" dirty="0" err="1"/>
+              <a:t>workflow</a:t>
+            </a:r>
+            <a:r>
+              <a:rPr lang="ro-RO" sz="1600" dirty="0"/>
+              <a:t> complet pentru problema plații notelor de plată</a:t>
+            </a:r>
+            <a:r>
+              <a:rPr lang="en-US" sz="1600" dirty="0"/>
+              <a:t>:</a:t>
+            </a:r>
+            <a:endParaRPr lang="ro-RO" sz="1600" dirty="0"/>
+          </a:p>
+          <a:p>
+            <a:pPr>
+              <a:lnSpc>
+                <a:spcPct val="150000"/>
+              </a:lnSpc>
+            </a:pPr>
+            <a:r>
+              <a:rPr lang="ro-RO" sz="1600" dirty="0"/>
+              <a:t>Recunoașterea datelor de pe bonuri are loc folosind Google Vision și un sistem de asociere între numele de produse și prețuri.</a:t>
+            </a:r>
+          </a:p>
+          <a:p>
+            <a:pPr>
+              <a:lnSpc>
+                <a:spcPct val="150000"/>
+              </a:lnSpc>
+            </a:pPr>
+            <a:r>
+              <a:rPr lang="ro-RO" sz="1600" dirty="0"/>
+              <a:t> Managementul facturilor și plaților are loc în cadrul paginilor </a:t>
+            </a:r>
+            <a:r>
+              <a:rPr lang="ro-RO" sz="1600" dirty="0" err="1"/>
+              <a:t>Bills</a:t>
+            </a:r>
+            <a:r>
+              <a:rPr lang="ro-RO" sz="1600" dirty="0"/>
+              <a:t> și </a:t>
+            </a:r>
+            <a:r>
+              <a:rPr lang="ro-RO" sz="1600" dirty="0" err="1"/>
+              <a:t>Payments</a:t>
+            </a:r>
+            <a:r>
+              <a:rPr lang="ro-RO" sz="1600" dirty="0"/>
+              <a:t>. </a:t>
+            </a:r>
+          </a:p>
+          <a:p>
+            <a:pPr>
+              <a:lnSpc>
+                <a:spcPct val="150000"/>
+              </a:lnSpc>
+            </a:pPr>
+            <a:r>
+              <a:rPr lang="ro-RO" sz="1600" dirty="0"/>
+              <a:t>Realizare a plăților are loc în cadrul aplicației folosind Google </a:t>
+            </a:r>
+            <a:r>
+              <a:rPr lang="ro-RO" sz="1600" dirty="0" err="1"/>
+              <a:t>Pay</a:t>
+            </a:r>
+            <a:r>
+              <a:rPr lang="ro-RO" sz="1600" dirty="0"/>
+              <a:t>, odată către inițiator și odată folosind tehnologia NFC pentru a simula plata cu cardul</a:t>
+            </a:r>
+            <a:r>
+              <a:rPr lang="en-US" sz="1600" dirty="0"/>
+              <a:t> c</a:t>
+            </a:r>
+            <a:r>
+              <a:rPr lang="ro-RO" sz="1600" dirty="0" err="1"/>
+              <a:t>ătre</a:t>
+            </a:r>
+            <a:r>
+              <a:rPr lang="ro-RO" sz="1600" dirty="0"/>
+              <a:t> restaurant/local. </a:t>
+            </a:r>
+          </a:p>
+          <a:p>
+            <a:pPr marL="0" indent="0">
+              <a:lnSpc>
+                <a:spcPct val="150000"/>
+              </a:lnSpc>
+              <a:buNone/>
+            </a:pPr>
+            <a:r>
+              <a:rPr lang="ro-RO" sz="1600" dirty="0"/>
+              <a:t>	Astfel consider că problema împărțirii notelor de plată când grupul de persoane participante este de cel puțin 4 persoane a fost rezolvată.</a:t>
+            </a:r>
+          </a:p>
+        </p:txBody>
+      </p:sp>
+      <p:sp>
+        <p:nvSpPr>
+          <p:cNvPr id="4" name="Slide Number Placeholder 3">
+            <a:extLst>
+              <a:ext uri="{FF2B5EF4-FFF2-40B4-BE49-F238E27FC236}">
+                <a16:creationId xmlns:a16="http://schemas.microsoft.com/office/drawing/2014/main" id="{8369043C-07A9-B24C-BC52-820BCD824441}"/>
+              </a:ext>
+            </a:extLst>
+          </p:cNvPr>
+          <p:cNvSpPr>
+            <a:spLocks noGrp="1"/>
+          </p:cNvSpPr>
+          <p:nvPr>
+            <p:ph type="sldNum" sz="quarter" idx="12"/>
+          </p:nvPr>
+        </p:nvSpPr>
+        <p:spPr/>
+        <p:txBody>
+          <a:bodyPr/>
+          <a:lstStyle/>
+          <a:p>
+            <a:fld id="{BABCF458-AFE6-754E-9B16-FD8D831A10CC}" type="slidenum">
+              <a:rPr lang="en-US" smtClean="0"/>
+              <a:t>21</a:t>
+            </a:fld>
+            <a:endParaRPr lang="en-US"/>
+          </a:p>
+        </p:txBody>
+      </p:sp>
+    </p:spTree>
+    <p:extLst>
+      <p:ext uri="{BB962C8B-B14F-4D97-AF65-F5344CB8AC3E}">
+        <p14:creationId xmlns:p14="http://schemas.microsoft.com/office/powerpoint/2010/main" val="1968162716"/>
+      </p:ext>
+    </p:extLst>
+  </p:cSld>
+  <p:clrMapOvr>
+    <a:masterClrMapping/>
+  </p:clrMapOvr>
+</p:sld>
+</file>
+
+<file path=ppt/slides/slide22.xml><?xml version="1.0" encoding="utf-8"?>
+<p:sld xmlns:a="http://schemas.openxmlformats.org/drawingml/2006/main" xmlns:r="http://schemas.openxmlformats.org/officeDocument/2006/relationships" xmlns:p="http://schemas.openxmlformats.org/presentationml/2006/main">
+  <p:cSld>
+    <p:spTree>
+      <p:nvGrpSpPr>
+        <p:cNvPr id="1" name=""/>
+        <p:cNvGrpSpPr/>
+        <p:nvPr/>
+      </p:nvGrpSpPr>
+      <p:grpSpPr>
+        <a:xfrm>
+          <a:off x="0" y="0"/>
+          <a:ext cx="0" cy="0"/>
+          <a:chOff x="0" y="0"/>
+          <a:chExt cx="0" cy="0"/>
+        </a:xfrm>
+      </p:grpSpPr>
+      <p:sp>
+        <p:nvSpPr>
+          <p:cNvPr id="2" name="Title 1">
+            <a:extLst>
+              <a:ext uri="{FF2B5EF4-FFF2-40B4-BE49-F238E27FC236}">
+                <a16:creationId xmlns:a16="http://schemas.microsoft.com/office/drawing/2014/main" id="{BA148093-6499-9F47-954E-82FCD41AA259}"/>
+              </a:ext>
+            </a:extLst>
+          </p:cNvPr>
+          <p:cNvSpPr>
+            <a:spLocks noGrp="1"/>
+          </p:cNvSpPr>
+          <p:nvPr>
+            <p:ph type="title"/>
+          </p:nvPr>
+        </p:nvSpPr>
+        <p:spPr/>
+        <p:txBody>
+          <a:bodyPr>
+            <a:normAutofit/>
+          </a:bodyPr>
+          <a:lstStyle/>
+          <a:p>
+            <a:r>
+              <a:rPr lang="ro-RO" sz="3000" dirty="0"/>
+              <a:t>Demo</a:t>
+            </a:r>
+          </a:p>
+        </p:txBody>
+      </p:sp>
+      <p:sp>
+        <p:nvSpPr>
+          <p:cNvPr id="3" name="Content Placeholder 2">
+            <a:extLst>
+              <a:ext uri="{FF2B5EF4-FFF2-40B4-BE49-F238E27FC236}">
+                <a16:creationId xmlns:a16="http://schemas.microsoft.com/office/drawing/2014/main" id="{11A8D4D3-D213-9444-B436-4595678A74A3}"/>
+              </a:ext>
+            </a:extLst>
+          </p:cNvPr>
+          <p:cNvSpPr>
+            <a:spLocks noGrp="1"/>
+          </p:cNvSpPr>
+          <p:nvPr>
+            <p:ph idx="1"/>
+          </p:nvPr>
+        </p:nvSpPr>
+        <p:spPr/>
+        <p:txBody>
+          <a:bodyPr/>
+          <a:lstStyle/>
+          <a:p>
+            <a:pPr marL="0" indent="0">
+              <a:buNone/>
+            </a:pPr>
+            <a:r>
+              <a:rPr lang="ro-RO" dirty="0"/>
+              <a:t>În acest demo vă voi prezenta următoarele funcționalități:</a:t>
+            </a:r>
+          </a:p>
+          <a:p>
+            <a:pPr>
+              <a:buFont typeface="+mj-lt"/>
+              <a:buAutoNum type="arabicPeriod"/>
+            </a:pPr>
+            <a:r>
+              <a:rPr lang="ro-RO" dirty="0"/>
+              <a:t>Cum se adaugă o factură noua.</a:t>
+            </a:r>
+          </a:p>
+          <a:p>
+            <a:pPr>
+              <a:buFont typeface="+mj-lt"/>
+              <a:buAutoNum type="arabicPeriod"/>
+            </a:pPr>
+            <a:r>
+              <a:rPr lang="ro-RO" dirty="0"/>
+              <a:t>Cum se adaugă o persoană la plată.</a:t>
+            </a:r>
+          </a:p>
+          <a:p>
+            <a:pPr>
+              <a:buFont typeface="+mj-lt"/>
+              <a:buAutoNum type="arabicPeriod"/>
+            </a:pPr>
+            <a:r>
+              <a:rPr lang="ro-RO" dirty="0"/>
+              <a:t>Cum se selectează produsele.</a:t>
+            </a:r>
+          </a:p>
+          <a:p>
+            <a:pPr>
+              <a:buFont typeface="+mj-lt"/>
+              <a:buAutoNum type="arabicPeriod"/>
+            </a:pPr>
+            <a:r>
+              <a:rPr lang="ro-RO" dirty="0"/>
+              <a:t>Cum se realizează plata.</a:t>
+            </a:r>
+          </a:p>
+        </p:txBody>
+      </p:sp>
+      <p:sp>
+        <p:nvSpPr>
+          <p:cNvPr id="4" name="Slide Number Placeholder 3">
+            <a:extLst>
+              <a:ext uri="{FF2B5EF4-FFF2-40B4-BE49-F238E27FC236}">
+                <a16:creationId xmlns:a16="http://schemas.microsoft.com/office/drawing/2014/main" id="{CAF15BDC-C60D-EA4B-99E8-A16465AC6982}"/>
+              </a:ext>
+            </a:extLst>
+          </p:cNvPr>
+          <p:cNvSpPr>
+            <a:spLocks noGrp="1"/>
+          </p:cNvSpPr>
+          <p:nvPr>
+            <p:ph type="sldNum" sz="quarter" idx="12"/>
+          </p:nvPr>
+        </p:nvSpPr>
+        <p:spPr/>
+        <p:txBody>
+          <a:bodyPr/>
+          <a:lstStyle/>
+          <a:p>
+            <a:fld id="{BABCF458-AFE6-754E-9B16-FD8D831A10CC}" type="slidenum">
+              <a:rPr lang="en-US" smtClean="0"/>
+              <a:t>22</a:t>
+            </a:fld>
+            <a:endParaRPr lang="en-US"/>
+          </a:p>
+        </p:txBody>
+      </p:sp>
+    </p:spTree>
+    <p:extLst>
+      <p:ext uri="{BB962C8B-B14F-4D97-AF65-F5344CB8AC3E}">
+        <p14:creationId xmlns:p14="http://schemas.microsoft.com/office/powerpoint/2010/main" val="1989326969"/>
       </p:ext>
     </p:extLst>
   </p:cSld>
@@ -7443,6 +9437,100 @@
       </p:grpSpPr>
       <p:sp>
         <p:nvSpPr>
+          <p:cNvPr id="4" name="Slide Number Placeholder 3">
+            <a:extLst>
+              <a:ext uri="{FF2B5EF4-FFF2-40B4-BE49-F238E27FC236}">
+                <a16:creationId xmlns:a16="http://schemas.microsoft.com/office/drawing/2014/main" id="{D7D52374-859B-4684-8329-E9DD18DB3BA1}"/>
+              </a:ext>
+            </a:extLst>
+          </p:cNvPr>
+          <p:cNvSpPr>
+            <a:spLocks noGrp="1"/>
+          </p:cNvSpPr>
+          <p:nvPr>
+            <p:ph type="sldNum" sz="quarter" idx="12"/>
+          </p:nvPr>
+        </p:nvSpPr>
+        <p:spPr/>
+        <p:txBody>
+          <a:bodyPr/>
+          <a:lstStyle/>
+          <a:p>
+            <a:fld id="{BABCF458-AFE6-754E-9B16-FD8D831A10CC}" type="slidenum">
+              <a:rPr lang="en-US" smtClean="0"/>
+              <a:t>3</a:t>
+            </a:fld>
+            <a:endParaRPr lang="en-US"/>
+          </a:p>
+        </p:txBody>
+      </p:sp>
+      <p:sp>
+        <p:nvSpPr>
+          <p:cNvPr id="5" name="Title 1">
+            <a:extLst>
+              <a:ext uri="{FF2B5EF4-FFF2-40B4-BE49-F238E27FC236}">
+                <a16:creationId xmlns:a16="http://schemas.microsoft.com/office/drawing/2014/main" id="{D6D05551-518A-4621-9EF7-A305B0BE0CE0}"/>
+              </a:ext>
+            </a:extLst>
+          </p:cNvPr>
+          <p:cNvSpPr>
+            <a:spLocks noGrp="1"/>
+          </p:cNvSpPr>
+          <p:nvPr>
+            <p:ph type="title"/>
+          </p:nvPr>
+        </p:nvSpPr>
+        <p:spPr>
+          <a:xfrm>
+            <a:off x="799254" y="2976880"/>
+            <a:ext cx="8596668" cy="1320800"/>
+          </a:xfrm>
+        </p:spPr>
+        <p:txBody>
+          <a:bodyPr>
+            <a:normAutofit/>
+          </a:bodyPr>
+          <a:lstStyle/>
+          <a:p>
+            <a:r>
+              <a:rPr lang="ro-RO" sz="4400" dirty="0"/>
+              <a:t>Prezentarea problemei</a:t>
+            </a:r>
+          </a:p>
+        </p:txBody>
+      </p:sp>
+    </p:spTree>
+    <p:extLst>
+      <p:ext uri="{BB962C8B-B14F-4D97-AF65-F5344CB8AC3E}">
+        <p14:creationId xmlns:p14="http://schemas.microsoft.com/office/powerpoint/2010/main" val="401710817"/>
+      </p:ext>
+    </p:extLst>
+  </p:cSld>
+  <p:clrMapOvr>
+    <a:masterClrMapping/>
+  </p:clrMapOvr>
+</p:sld>
+</file>
+
+<file path=ppt/slides/slide4.xml><?xml version="1.0" encoding="utf-8"?>
+<p:sld xmlns:a="http://schemas.openxmlformats.org/drawingml/2006/main" xmlns:r="http://schemas.openxmlformats.org/officeDocument/2006/relationships" xmlns:p="http://schemas.openxmlformats.org/presentationml/2006/main">
+  <p:cSld>
+    <p:spTree>
+      <p:nvGrpSpPr>
+        <p:cNvPr id="1" name=""/>
+        <p:cNvGrpSpPr/>
+        <p:nvPr/>
+      </p:nvGrpSpPr>
+      <p:grpSpPr>
+        <a:xfrm>
+          <a:off x="0" y="0"/>
+          <a:ext cx="0" cy="0"/>
+          <a:chOff x="0" y="0"/>
+          <a:chExt cx="0" cy="0"/>
+        </a:xfrm>
+      </p:grpSpPr>
+      <p:sp>
+        <p:nvSpPr>
           <p:cNvPr id="2" name="Title 1">
             <a:extLst>
               <a:ext uri="{FF2B5EF4-FFF2-40B4-BE49-F238E27FC236}">
@@ -7507,7 +9595,7 @@
             </a:pPr>
             <a:r>
               <a:rPr lang="ro-RO" sz="1600" dirty="0"/>
-              <a:t>	În contextul ieșirilor la restaurante sau localuri a unor grupuri de cel puțin 4 persoane am observat că se dezvoltă un haos în momentul în care este adusă nota de plată. </a:t>
+              <a:t>	În contextul ieșirilor la restaurante sau localuri a unor grupuri de cel puțin 4 persoane am observat că se formează o tensiune în momentul în care este adusă nota de plată. </a:t>
             </a:r>
           </a:p>
           <a:p>
@@ -7541,7 +9629,7 @@
           <a:p>
             <a:fld id="{BABCF458-AFE6-754E-9B16-FD8D831A10CC}" type="slidenum">
               <a:rPr lang="en-US" smtClean="0"/>
-              <a:t>3</a:t>
+              <a:t>4</a:t>
             </a:fld>
             <a:endParaRPr lang="en-US"/>
           </a:p>
@@ -7634,10 +9722,211 @@
   <p:clrMapOvr>
     <a:masterClrMapping/>
   </p:clrMapOvr>
+  <p:timing>
+    <p:tnLst>
+      <p:par>
+        <p:cTn id="1" dur="indefinite" restart="never" nodeType="tmRoot">
+          <p:childTnLst>
+            <p:seq concurrent="1" nextAc="seek">
+              <p:cTn id="2" dur="indefinite" nodeType="mainSeq">
+                <p:childTnLst>
+                  <p:par>
+                    <p:cTn id="3" fill="hold">
+                      <p:stCondLst>
+                        <p:cond delay="indefinite"/>
+                      </p:stCondLst>
+                      <p:childTnLst>
+                        <p:par>
+                          <p:cTn id="4" fill="hold">
+                            <p:stCondLst>
+                              <p:cond delay="0"/>
+                            </p:stCondLst>
+                            <p:childTnLst>
+                              <p:par>
+                                <p:cTn id="5" presetID="10" presetClass="entr" presetSubtype="0" fill="hold" grpId="0" nodeType="clickEffect">
+                                  <p:stCondLst>
+                                    <p:cond delay="0"/>
+                                  </p:stCondLst>
+                                  <p:childTnLst>
+                                    <p:set>
+                                      <p:cBhvr>
+                                        <p:cTn id="6" dur="1" fill="hold">
+                                          <p:stCondLst>
+                                            <p:cond delay="0"/>
+                                          </p:stCondLst>
+                                        </p:cTn>
+                                        <p:tgtEl>
+                                          <p:spTgt spid="3">
+                                            <p:txEl>
+                                              <p:pRg st="0" end="0"/>
+                                            </p:txEl>
+                                          </p:spTgt>
+                                        </p:tgtEl>
+                                        <p:attrNameLst>
+                                          <p:attrName>style.visibility</p:attrName>
+                                        </p:attrNameLst>
+                                      </p:cBhvr>
+                                      <p:to>
+                                        <p:strVal val="visible"/>
+                                      </p:to>
+                                    </p:set>
+                                    <p:animEffect transition="in" filter="fade">
+                                      <p:cBhvr>
+                                        <p:cTn id="7" dur="500"/>
+                                        <p:tgtEl>
+                                          <p:spTgt spid="3">
+                                            <p:txEl>
+                                              <p:pRg st="0" end="0"/>
+                                            </p:txEl>
+                                          </p:spTgt>
+                                        </p:tgtEl>
+                                      </p:cBhvr>
+                                    </p:animEffect>
+                                  </p:childTnLst>
+                                </p:cTn>
+                              </p:par>
+                            </p:childTnLst>
+                          </p:cTn>
+                        </p:par>
+                      </p:childTnLst>
+                    </p:cTn>
+                  </p:par>
+                  <p:par>
+                    <p:cTn id="8" fill="hold">
+                      <p:stCondLst>
+                        <p:cond delay="indefinite"/>
+                      </p:stCondLst>
+                      <p:childTnLst>
+                        <p:par>
+                          <p:cTn id="9" fill="hold">
+                            <p:stCondLst>
+                              <p:cond delay="0"/>
+                            </p:stCondLst>
+                            <p:childTnLst>
+                              <p:par>
+                                <p:cTn id="10" presetID="10" presetClass="entr" presetSubtype="0" fill="hold" grpId="0" nodeType="clickEffect">
+                                  <p:stCondLst>
+                                    <p:cond delay="0"/>
+                                  </p:stCondLst>
+                                  <p:childTnLst>
+                                    <p:set>
+                                      <p:cBhvr>
+                                        <p:cTn id="11" dur="1" fill="hold">
+                                          <p:stCondLst>
+                                            <p:cond delay="0"/>
+                                          </p:stCondLst>
+                                        </p:cTn>
+                                        <p:tgtEl>
+                                          <p:spTgt spid="10"/>
+                                        </p:tgtEl>
+                                        <p:attrNameLst>
+                                          <p:attrName>style.visibility</p:attrName>
+                                        </p:attrNameLst>
+                                      </p:cBhvr>
+                                      <p:to>
+                                        <p:strVal val="visible"/>
+                                      </p:to>
+                                    </p:set>
+                                    <p:animEffect transition="in" filter="fade">
+                                      <p:cBhvr>
+                                        <p:cTn id="12" dur="500"/>
+                                        <p:tgtEl>
+                                          <p:spTgt spid="10"/>
+                                        </p:tgtEl>
+                                      </p:cBhvr>
+                                    </p:animEffect>
+                                  </p:childTnLst>
+                                </p:cTn>
+                              </p:par>
+                            </p:childTnLst>
+                          </p:cTn>
+                        </p:par>
+                      </p:childTnLst>
+                    </p:cTn>
+                  </p:par>
+                  <p:par>
+                    <p:cTn id="13" fill="hold">
+                      <p:stCondLst>
+                        <p:cond delay="indefinite"/>
+                      </p:stCondLst>
+                      <p:childTnLst>
+                        <p:par>
+                          <p:cTn id="14" fill="hold">
+                            <p:stCondLst>
+                              <p:cond delay="0"/>
+                            </p:stCondLst>
+                            <p:childTnLst>
+                              <p:par>
+                                <p:cTn id="15" presetID="10" presetClass="entr" presetSubtype="0" fill="hold" nodeType="clickEffect">
+                                  <p:stCondLst>
+                                    <p:cond delay="0"/>
+                                  </p:stCondLst>
+                                  <p:childTnLst>
+                                    <p:set>
+                                      <p:cBhvr>
+                                        <p:cTn id="16" dur="1" fill="hold">
+                                          <p:stCondLst>
+                                            <p:cond delay="0"/>
+                                          </p:stCondLst>
+                                        </p:cTn>
+                                        <p:tgtEl>
+                                          <p:spTgt spid="13"/>
+                                        </p:tgtEl>
+                                        <p:attrNameLst>
+                                          <p:attrName>style.visibility</p:attrName>
+                                        </p:attrNameLst>
+                                      </p:cBhvr>
+                                      <p:to>
+                                        <p:strVal val="visible"/>
+                                      </p:to>
+                                    </p:set>
+                                    <p:animEffect transition="in" filter="fade">
+                                      <p:cBhvr>
+                                        <p:cTn id="17" dur="500"/>
+                                        <p:tgtEl>
+                                          <p:spTgt spid="13"/>
+                                        </p:tgtEl>
+                                      </p:cBhvr>
+                                    </p:animEffect>
+                                  </p:childTnLst>
+                                </p:cTn>
+                              </p:par>
+                            </p:childTnLst>
+                          </p:cTn>
+                        </p:par>
+                      </p:childTnLst>
+                    </p:cTn>
+                  </p:par>
+                </p:childTnLst>
+              </p:cTn>
+              <p:prevCondLst>
+                <p:cond evt="onPrev" delay="0">
+                  <p:tgtEl>
+                    <p:sldTgt/>
+                  </p:tgtEl>
+                </p:cond>
+              </p:prevCondLst>
+              <p:nextCondLst>
+                <p:cond evt="onNext" delay="0">
+                  <p:tgtEl>
+                    <p:sldTgt/>
+                  </p:tgtEl>
+                </p:cond>
+              </p:nextCondLst>
+            </p:seq>
+          </p:childTnLst>
+        </p:cTn>
+      </p:par>
+    </p:tnLst>
+    <p:bldLst>
+      <p:bldP spid="3" grpId="0" build="p"/>
+      <p:bldP spid="10" grpId="0"/>
+    </p:bldLst>
+  </p:timing>
 </p:sld>
 </file>
 
-<file path=ppt/slides/slide4.xml><?xml version="1.0" encoding="utf-8"?>
+<file path=ppt/slides/slide5.xml><?xml version="1.0" encoding="utf-8"?>
 <p:sld xmlns:a="http://schemas.openxmlformats.org/drawingml/2006/main" xmlns:r="http://schemas.openxmlformats.org/officeDocument/2006/relationships" xmlns:p="http://schemas.openxmlformats.org/presentationml/2006/main">
   <p:cSld>
     <p:spTree>
@@ -7720,7 +10009,19 @@
             </a:pPr>
             <a:r>
               <a:rPr lang="ro-RO" sz="2100" dirty="0"/>
-              <a:t>	La acest lucru se adaugă faptul că mai mereu, la masă există câte o persoană care nu are exact suma necesară pentru plată și astfel începe un amplu proces de calculare a unui set de tranzacții între persoanele de la masă astfel </a:t>
+              <a:t>	La acest lucru se adaugă faptul că mai mereu, la masă există câte o persoană care nu are exact suma necesară pentru plată și astfel începe un amplu proces de </a:t>
+            </a:r>
+            <a:r>
+              <a:rPr lang="en-US" sz="2100" dirty="0"/>
+              <a:t>hot</a:t>
+            </a:r>
+            <a:r>
+              <a:rPr lang="ro-RO" sz="2100" dirty="0" err="1"/>
+              <a:t>ărâre</a:t>
+            </a:r>
+            <a:r>
+              <a:rPr lang="ro-RO" sz="2100" dirty="0"/>
+              <a:t> a unui set de tranzacții între persoanele de la masă astfel </a:t>
             </a:r>
             <a:r>
               <a:rPr lang="ro-RO" sz="2100" dirty="0" err="1"/>
@@ -7762,7 +10063,7 @@
           <a:p>
             <a:fld id="{BABCF458-AFE6-754E-9B16-FD8D831A10CC}" type="slidenum">
               <a:rPr lang="en-US" smtClean="0"/>
-              <a:t>4</a:t>
+              <a:t>5</a:t>
             </a:fld>
             <a:endParaRPr lang="en-US"/>
           </a:p>
@@ -8129,198 +10430,6 @@
 </p:sld>
 </file>
 
-<file path=ppt/slides/slide5.xml><?xml version="1.0" encoding="utf-8"?>
-<p:sld xmlns:a="http://schemas.openxmlformats.org/drawingml/2006/main" xmlns:r="http://schemas.openxmlformats.org/officeDocument/2006/relationships" xmlns:p="http://schemas.openxmlformats.org/presentationml/2006/main">
-  <p:cSld>
-    <p:spTree>
-      <p:nvGrpSpPr>
-        <p:cNvPr id="1" name=""/>
-        <p:cNvGrpSpPr/>
-        <p:nvPr/>
-      </p:nvGrpSpPr>
-      <p:grpSpPr>
-        <a:xfrm>
-          <a:off x="0" y="0"/>
-          <a:ext cx="0" cy="0"/>
-          <a:chOff x="0" y="0"/>
-          <a:chExt cx="0" cy="0"/>
-        </a:xfrm>
-      </p:grpSpPr>
-      <p:sp>
-        <p:nvSpPr>
-          <p:cNvPr id="2" name="Title 1">
-            <a:extLst>
-              <a:ext uri="{FF2B5EF4-FFF2-40B4-BE49-F238E27FC236}">
-                <a16:creationId xmlns:a16="http://schemas.microsoft.com/office/drawing/2014/main" id="{0FAFB0CA-D257-4B4E-9553-8015B2C8540E}"/>
-              </a:ext>
-            </a:extLst>
-          </p:cNvPr>
-          <p:cNvSpPr>
-            <a:spLocks noGrp="1"/>
-          </p:cNvSpPr>
-          <p:nvPr>
-            <p:ph type="title"/>
-          </p:nvPr>
-        </p:nvSpPr>
-        <p:spPr/>
-        <p:txBody>
-          <a:bodyPr>
-            <a:normAutofit/>
-          </a:bodyPr>
-          <a:lstStyle/>
-          <a:p>
-            <a:r>
-              <a:rPr lang="ro-RO" sz="3000" dirty="0"/>
-              <a:t>Soluția propusă</a:t>
-            </a:r>
-          </a:p>
-        </p:txBody>
-      </p:sp>
-      <p:sp>
-        <p:nvSpPr>
-          <p:cNvPr id="3" name="Content Placeholder 2">
-            <a:extLst>
-              <a:ext uri="{FF2B5EF4-FFF2-40B4-BE49-F238E27FC236}">
-                <a16:creationId xmlns:a16="http://schemas.microsoft.com/office/drawing/2014/main" id="{52068F97-587A-8D49-8016-7B5D338DEAD5}"/>
-              </a:ext>
-            </a:extLst>
-          </p:cNvPr>
-          <p:cNvSpPr>
-            <a:spLocks noGrp="1"/>
-          </p:cNvSpPr>
-          <p:nvPr>
-            <p:ph idx="1"/>
-          </p:nvPr>
-        </p:nvSpPr>
-        <p:spPr/>
-        <p:txBody>
-          <a:bodyPr vert="horz">
-            <a:normAutofit/>
-          </a:bodyPr>
-          <a:lstStyle/>
-          <a:p>
-            <a:pPr marL="0" indent="0" algn="just">
-              <a:lnSpc>
-                <a:spcPct val="150000"/>
-              </a:lnSpc>
-              <a:buNone/>
-            </a:pPr>
-            <a:r>
-              <a:rPr lang="ro-RO" dirty="0"/>
-              <a:t>	</a:t>
-            </a:r>
-            <a:r>
-              <a:rPr lang="ro-RO" sz="1600" dirty="0"/>
-              <a:t>Pentru rezolvarea acestei probleme am propus realizarea aplicației Mobile Bill </a:t>
-            </a:r>
-            <a:r>
-              <a:rPr lang="ro-RO" sz="1600" dirty="0" err="1"/>
-              <a:t>Splitter</a:t>
-            </a:r>
-            <a:r>
-              <a:rPr lang="ro-RO" sz="1600" dirty="0"/>
-              <a:t>. Am studiat mai multe soluții existente cum ar fi </a:t>
-            </a:r>
-            <a:r>
-              <a:rPr lang="ro-RO" sz="1600" dirty="0" err="1"/>
-              <a:t>Splitwise</a:t>
-            </a:r>
-            <a:r>
-              <a:rPr lang="ro-RO" sz="1600" dirty="0"/>
-              <a:t>, Revolut și </a:t>
-            </a:r>
-            <a:r>
-              <a:rPr lang="ro-RO" sz="1600" dirty="0" err="1"/>
-              <a:t>Blitter</a:t>
-            </a:r>
-            <a:r>
-              <a:rPr lang="ro-RO" sz="1600" dirty="0"/>
-              <a:t> și am ajuns la concluzia că pentru rezolvarea problemei este nevoie de o soluție completă care să înglobeze următoarele componente:</a:t>
-            </a:r>
-          </a:p>
-          <a:p>
-            <a:pPr algn="just">
-              <a:lnSpc>
-                <a:spcPct val="150000"/>
-              </a:lnSpc>
-              <a:buFont typeface="+mj-lt"/>
-              <a:buAutoNum type="arabicPeriod"/>
-            </a:pPr>
-            <a:r>
-              <a:rPr lang="ro-RO" sz="1600" dirty="0"/>
-              <a:t>Extragerea automată a datelor de pe bon.</a:t>
-            </a:r>
-          </a:p>
-          <a:p>
-            <a:pPr algn="just">
-              <a:lnSpc>
-                <a:spcPct val="150000"/>
-              </a:lnSpc>
-              <a:buFont typeface="+mj-lt"/>
-              <a:buAutoNum type="arabicPeriod"/>
-            </a:pPr>
-            <a:r>
-              <a:rPr lang="ro-RO" sz="1600" dirty="0"/>
-              <a:t>Managementul plaților.</a:t>
-            </a:r>
-          </a:p>
-          <a:p>
-            <a:pPr algn="just">
-              <a:lnSpc>
-                <a:spcPct val="150000"/>
-              </a:lnSpc>
-              <a:buFont typeface="+mj-lt"/>
-              <a:buAutoNum type="arabicPeriod"/>
-            </a:pPr>
-            <a:r>
-              <a:rPr lang="ro-RO" sz="1600" dirty="0"/>
-              <a:t>Realizarea plaților.</a:t>
-            </a:r>
-          </a:p>
-        </p:txBody>
-      </p:sp>
-      <p:sp>
-        <p:nvSpPr>
-          <p:cNvPr id="4" name="Slide Number Placeholder 3">
-            <a:extLst>
-              <a:ext uri="{FF2B5EF4-FFF2-40B4-BE49-F238E27FC236}">
-                <a16:creationId xmlns:a16="http://schemas.microsoft.com/office/drawing/2014/main" id="{D80B48A6-14F4-854A-A362-A54BCCF9EFBB}"/>
-              </a:ext>
-            </a:extLst>
-          </p:cNvPr>
-          <p:cNvSpPr>
-            <a:spLocks noGrp="1"/>
-          </p:cNvSpPr>
-          <p:nvPr>
-            <p:ph type="sldNum" sz="quarter" idx="12"/>
-          </p:nvPr>
-        </p:nvSpPr>
-        <p:spPr/>
-        <p:txBody>
-          <a:bodyPr/>
-          <a:lstStyle/>
-          <a:p>
-            <a:fld id="{BABCF458-AFE6-754E-9B16-FD8D831A10CC}" type="slidenum">
-              <a:rPr lang="en-US" smtClean="0"/>
-              <a:t>5</a:t>
-            </a:fld>
-            <a:endParaRPr lang="en-US"/>
-          </a:p>
-        </p:txBody>
-      </p:sp>
-    </p:spTree>
-    <p:extLst>
-      <p:ext uri="{BB962C8B-B14F-4D97-AF65-F5344CB8AC3E}">
-        <p14:creationId xmlns:p14="http://schemas.microsoft.com/office/powerpoint/2010/main" val="613230957"/>
-      </p:ext>
-    </p:extLst>
-  </p:cSld>
-  <p:clrMapOvr>
-    <a:masterClrMapping/>
-  </p:clrMapOvr>
-</p:sld>
-</file>
-
 <file path=ppt/slides/slide6.xml><?xml version="1.0" encoding="utf-8"?>
 <p:sld xmlns:a="http://schemas.openxmlformats.org/drawingml/2006/main" xmlns:r="http://schemas.openxmlformats.org/officeDocument/2006/relationships" xmlns:p="http://schemas.openxmlformats.org/presentationml/2006/main">
   <p:cSld>
@@ -8340,106 +10449,10 @@
       </p:grpSpPr>
       <p:sp>
         <p:nvSpPr>
-          <p:cNvPr id="2" name="Title 1">
-            <a:extLst>
-              <a:ext uri="{FF2B5EF4-FFF2-40B4-BE49-F238E27FC236}">
-                <a16:creationId xmlns:a16="http://schemas.microsoft.com/office/drawing/2014/main" id="{4F745D1D-092F-CB4B-9D24-16581F4BDF0F}"/>
-              </a:ext>
-            </a:extLst>
-          </p:cNvPr>
-          <p:cNvSpPr>
-            <a:spLocks noGrp="1"/>
-          </p:cNvSpPr>
-          <p:nvPr>
-            <p:ph type="title"/>
-          </p:nvPr>
-        </p:nvSpPr>
-        <p:spPr>
-          <a:xfrm>
-            <a:off x="677334" y="609600"/>
-            <a:ext cx="8596668" cy="1320800"/>
-          </a:xfrm>
-        </p:spPr>
-        <p:txBody>
-          <a:bodyPr>
-            <a:normAutofit/>
-          </a:bodyPr>
-          <a:lstStyle/>
-          <a:p>
-            <a:r>
-              <a:rPr lang="ro-RO" sz="3000" dirty="0"/>
-              <a:t>1) Extragerea datelor</a:t>
-            </a:r>
-          </a:p>
-        </p:txBody>
-      </p:sp>
-      <p:sp>
-        <p:nvSpPr>
-          <p:cNvPr id="3" name="Content Placeholder 2">
-            <a:extLst>
-              <a:ext uri="{FF2B5EF4-FFF2-40B4-BE49-F238E27FC236}">
-                <a16:creationId xmlns:a16="http://schemas.microsoft.com/office/drawing/2014/main" id="{90F55A2F-ED74-224E-B59B-B1EF83C6F6D6}"/>
-              </a:ext>
-            </a:extLst>
-          </p:cNvPr>
-          <p:cNvSpPr>
-            <a:spLocks noGrp="1"/>
-          </p:cNvSpPr>
-          <p:nvPr>
-            <p:ph idx="1"/>
-          </p:nvPr>
-        </p:nvSpPr>
-        <p:spPr>
-          <a:xfrm>
-            <a:off x="677334" y="1584517"/>
-            <a:ext cx="8596668" cy="4916867"/>
-          </a:xfrm>
-        </p:spPr>
-        <p:txBody>
-          <a:bodyPr>
-            <a:normAutofit/>
-          </a:bodyPr>
-          <a:lstStyle/>
-          <a:p>
-            <a:pPr marL="0" indent="0" algn="just">
-              <a:buNone/>
-            </a:pPr>
-            <a:r>
-              <a:rPr lang="ro-RO" sz="1600" dirty="0"/>
-              <a:t>	Inițial am încercat realizarea unui sistem care primește ca input o imagine ce conține textul listei de produse și prețuri înscrise pe bon, pentru ca apoi să returneze o listă de perechi nume produs și preț. Acest sistem se folosea de </a:t>
-            </a:r>
-            <a:r>
-              <a:rPr lang="ro-RO" sz="1600" dirty="0" err="1"/>
-              <a:t>Ocropus</a:t>
-            </a:r>
-            <a:r>
-              <a:rPr lang="ro-RO" sz="1600" dirty="0"/>
-              <a:t>, o unealtă de OCR care pentru o imagine dată ca input, returnează imagini cu liniile de text care să fie prelucrate pentru a obține imagini individuale cu caracterele de pe bon. Acestea urmau a fi introduse într-o rețea neuronală care asigna imaginii oferite, un caracter, astfel putând fi extras textul de pe bon. Însă, în lipsa unui set de date care să conțină caractere imprimate pe care să fie antrenată rețeaua și folosind un set de date creat de mine, rezultatele nu au fost mulțumitoare. Din acest motiv am optat pentru folosirea API-ului Google Vision care realizează recunoașterea textului de pe bonuri. </a:t>
-            </a:r>
-          </a:p>
-          <a:p>
-            <a:pPr marL="0" indent="0">
-              <a:buNone/>
-            </a:pPr>
-            <a:endParaRPr lang="ro-RO" dirty="0"/>
-          </a:p>
-          <a:p>
-            <a:pPr marL="0" indent="0">
-              <a:buNone/>
-            </a:pPr>
-            <a:r>
-              <a:rPr lang="ro-RO" dirty="0"/>
-              <a:t>POZA CU CE AM FACUT EU, POZA CU REZULTATE GOOGLE</a:t>
-            </a:r>
-          </a:p>
-        </p:txBody>
-      </p:sp>
-      <p:sp>
-        <p:nvSpPr>
           <p:cNvPr id="4" name="Slide Number Placeholder 3">
             <a:extLst>
               <a:ext uri="{FF2B5EF4-FFF2-40B4-BE49-F238E27FC236}">
-                <a16:creationId xmlns:a16="http://schemas.microsoft.com/office/drawing/2014/main" id="{A7B5BBA8-CFB6-D24C-B9E7-23D39950D066}"/>
+                <a16:creationId xmlns:a16="http://schemas.microsoft.com/office/drawing/2014/main" id="{7AF96B97-28D3-49C4-AC02-94F866555C7F}"/>
               </a:ext>
             </a:extLst>
           </p:cNvPr>
@@ -8463,10 +10476,45 @@
           </a:p>
         </p:txBody>
       </p:sp>
+      <p:sp>
+        <p:nvSpPr>
+          <p:cNvPr id="5" name="Title 1">
+            <a:extLst>
+              <a:ext uri="{FF2B5EF4-FFF2-40B4-BE49-F238E27FC236}">
+                <a16:creationId xmlns:a16="http://schemas.microsoft.com/office/drawing/2014/main" id="{0CFF25D2-9385-411E-A0A0-EC946A65DCCA}"/>
+              </a:ext>
+            </a:extLst>
+          </p:cNvPr>
+          <p:cNvSpPr>
+            <a:spLocks noGrp="1"/>
+          </p:cNvSpPr>
+          <p:nvPr>
+            <p:ph type="title"/>
+          </p:nvPr>
+        </p:nvSpPr>
+        <p:spPr>
+          <a:xfrm>
+            <a:off x="799254" y="2976880"/>
+            <a:ext cx="8596668" cy="1320800"/>
+          </a:xfrm>
+        </p:spPr>
+        <p:txBody>
+          <a:bodyPr>
+            <a:normAutofit/>
+          </a:bodyPr>
+          <a:lstStyle/>
+          <a:p>
+            <a:r>
+              <a:rPr lang="ro-RO" sz="4400" dirty="0"/>
+              <a:t>Soluția propusă</a:t>
+            </a:r>
+          </a:p>
+        </p:txBody>
+      </p:sp>
     </p:spTree>
     <p:extLst>
       <p:ext uri="{BB962C8B-B14F-4D97-AF65-F5344CB8AC3E}">
-        <p14:creationId xmlns:p14="http://schemas.microsoft.com/office/powerpoint/2010/main" val="3288591433"/>
+        <p14:creationId xmlns:p14="http://schemas.microsoft.com/office/powerpoint/2010/main" val="305873737"/>
       </p:ext>
     </p:extLst>
   </p:cSld>
@@ -8498,7 +10546,7 @@
           <p:cNvPr id="2" name="Title 1">
             <a:extLst>
               <a:ext uri="{FF2B5EF4-FFF2-40B4-BE49-F238E27FC236}">
-                <a16:creationId xmlns:a16="http://schemas.microsoft.com/office/drawing/2014/main" id="{123F9C53-D9F7-8E4C-8D18-66F17E60339F}"/>
+                <a16:creationId xmlns:a16="http://schemas.microsoft.com/office/drawing/2014/main" id="{0FAFB0CA-D257-4B4E-9553-8015B2C8540E}"/>
               </a:ext>
             </a:extLst>
           </p:cNvPr>
@@ -8511,18 +10559,15 @@
         </p:nvSpPr>
         <p:spPr/>
         <p:txBody>
-          <a:bodyPr/>
+          <a:bodyPr>
+            <a:normAutofit/>
+          </a:bodyPr>
           <a:lstStyle/>
           <a:p>
             <a:r>
               <a:rPr lang="ro-RO" sz="3000" dirty="0"/>
-              <a:t>1) Extragerea datelor </a:t>
-            </a:r>
-            <a:r>
-              <a:rPr lang="ro-RO" sz="2400" dirty="0"/>
-              <a:t>- Separarea numelor de prețuri</a:t>
-            </a:r>
-            <a:endParaRPr lang="ro-RO" sz="2000" dirty="0"/>
+              <a:t>Soluția propusă</a:t>
+            </a:r>
           </a:p>
         </p:txBody>
       </p:sp>
@@ -8531,7 +10576,7 @@
           <p:cNvPr id="3" name="Content Placeholder 2">
             <a:extLst>
               <a:ext uri="{FF2B5EF4-FFF2-40B4-BE49-F238E27FC236}">
-                <a16:creationId xmlns:a16="http://schemas.microsoft.com/office/drawing/2014/main" id="{5AE10CD5-3A78-874A-8F55-D2AA99AC1129}"/>
+                <a16:creationId xmlns:a16="http://schemas.microsoft.com/office/drawing/2014/main" id="{52068F97-587A-8D49-8016-7B5D338DEAD5}"/>
               </a:ext>
             </a:extLst>
           </p:cNvPr>
@@ -8544,60 +10589,87 @@
         </p:nvSpPr>
         <p:spPr/>
         <p:txBody>
-          <a:bodyPr/>
+          <a:bodyPr vert="horz">
+            <a:normAutofit/>
+          </a:bodyPr>
           <a:lstStyle/>
           <a:p>
             <a:pPr marL="0" indent="0" algn="just">
+              <a:lnSpc>
+                <a:spcPct val="150000"/>
+              </a:lnSpc>
               <a:buNone/>
             </a:pPr>
             <a:r>
+              <a:rPr lang="ro-RO" dirty="0"/>
+              <a:t>	</a:t>
+            </a:r>
+            <a:r>
               <a:rPr lang="ro-RO" sz="1600" dirty="0"/>
-              <a:t>	Dintre aceste bucăți de text obținute trebuie separate cele care reprezintă numele de produse de cele care reprezintă prețuri. Acestă separare a fost realizată folosind un raport al numărului de cifre și numărul de litere din text. Condiția a fost folosită în felul următor:</a:t>
+              <a:t>Pentru rezolvarea acestei probleme am propus realizarea aplicației Mobile Bill </a:t>
+            </a:r>
+            <a:r>
+              <a:rPr lang="ro-RO" sz="1600" dirty="0" err="1"/>
+              <a:t>Splitter</a:t>
+            </a:r>
+            <a:r>
+              <a:rPr lang="ro-RO" sz="1600" dirty="0"/>
+              <a:t>. Am studiat mai multe aplicații existente cum ar fi </a:t>
+            </a:r>
+            <a:r>
+              <a:rPr lang="ro-RO" sz="1600" dirty="0" err="1"/>
+              <a:t>Splitwise</a:t>
+            </a:r>
+            <a:r>
+              <a:rPr lang="ro-RO" sz="1600" dirty="0"/>
+              <a:t>, Revolut și </a:t>
+            </a:r>
+            <a:r>
+              <a:rPr lang="ro-RO" sz="1600" dirty="0" err="1"/>
+              <a:t>Blitter</a:t>
+            </a:r>
+            <a:r>
+              <a:rPr lang="ro-RO" sz="1600" dirty="0"/>
+              <a:t> pentru a ajunge la concluzia că pentru rezolvarea problemei este nevoie de o soluție completă care să înglobeze următoarele procese:</a:t>
             </a:r>
           </a:p>
           <a:p>
             <a:pPr algn="just">
-              <a:buFont typeface="Wingdings" pitchFamily="2" charset="2"/>
-              <a:buChar char="§"/>
+              <a:lnSpc>
+                <a:spcPct val="150000"/>
+              </a:lnSpc>
+              <a:buFont typeface="+mj-lt"/>
+              <a:buAutoNum type="arabicPeriod"/>
             </a:pPr>
             <a:r>
               <a:rPr lang="ro-RO" sz="1600" dirty="0"/>
-              <a:t>Raport &lt; 0.5, textul este nume de produs</a:t>
+              <a:t>Extragerea automată a datelor de pe bon.</a:t>
             </a:r>
           </a:p>
           <a:p>
             <a:pPr algn="just">
-              <a:buFont typeface="Wingdings" pitchFamily="2" charset="2"/>
-              <a:buChar char="§"/>
+              <a:lnSpc>
+                <a:spcPct val="150000"/>
+              </a:lnSpc>
+              <a:buFont typeface="+mj-lt"/>
+              <a:buAutoNum type="arabicPeriod"/>
             </a:pPr>
             <a:r>
               <a:rPr lang="ro-RO" sz="1600" dirty="0"/>
-              <a:t>Raport ∈ [0.5, 2], textul poate conține un preț</a:t>
+              <a:t>Managementul plaților.</a:t>
             </a:r>
           </a:p>
           <a:p>
             <a:pPr algn="just">
-              <a:buFont typeface="Wingdings" pitchFamily="2" charset="2"/>
-              <a:buChar char="§"/>
+              <a:lnSpc>
+                <a:spcPct val="150000"/>
+              </a:lnSpc>
+              <a:buFont typeface="+mj-lt"/>
+              <a:buAutoNum type="arabicPeriod"/>
             </a:pPr>
             <a:r>
               <a:rPr lang="ro-RO" sz="1600" dirty="0"/>
-              <a:t>Raport &gt; 2, textul sigur conține text</a:t>
-            </a:r>
-          </a:p>
-          <a:p>
-            <a:pPr marL="0" indent="0">
-              <a:buNone/>
-            </a:pPr>
-            <a:endParaRPr lang="ro-RO" dirty="0"/>
-          </a:p>
-          <a:p>
-            <a:pPr marL="0" indent="0">
-              <a:buNone/>
-            </a:pPr>
-            <a:r>
-              <a:rPr lang="ro-RO" dirty="0"/>
-              <a:t>POZA CARE SA EXPLICE REZULTATELE RAPORTULUI</a:t>
+              <a:t>Realizarea plaților.</a:t>
             </a:r>
           </a:p>
         </p:txBody>
@@ -8607,7 +10679,7 @@
           <p:cNvPr id="4" name="Slide Number Placeholder 3">
             <a:extLst>
               <a:ext uri="{FF2B5EF4-FFF2-40B4-BE49-F238E27FC236}">
-                <a16:creationId xmlns:a16="http://schemas.microsoft.com/office/drawing/2014/main" id="{0AFEADA1-EC46-CF45-B23E-C367E53DB93C}"/>
+                <a16:creationId xmlns:a16="http://schemas.microsoft.com/office/drawing/2014/main" id="{D80B48A6-14F4-854A-A362-A54BCCF9EFBB}"/>
               </a:ext>
             </a:extLst>
           </p:cNvPr>
@@ -8634,13 +10706,226 @@
     </p:spTree>
     <p:extLst>
       <p:ext uri="{BB962C8B-B14F-4D97-AF65-F5344CB8AC3E}">
-        <p14:creationId xmlns:p14="http://schemas.microsoft.com/office/powerpoint/2010/main" val="2353047522"/>
+        <p14:creationId xmlns:p14="http://schemas.microsoft.com/office/powerpoint/2010/main" val="613230957"/>
       </p:ext>
     </p:extLst>
   </p:cSld>
   <p:clrMapOvr>
     <a:masterClrMapping/>
   </p:clrMapOvr>
+  <p:timing>
+    <p:tnLst>
+      <p:par>
+        <p:cTn id="1" dur="indefinite" restart="never" nodeType="tmRoot">
+          <p:childTnLst>
+            <p:seq concurrent="1" nextAc="seek">
+              <p:cTn id="2" dur="indefinite" nodeType="mainSeq">
+                <p:childTnLst>
+                  <p:par>
+                    <p:cTn id="3" fill="hold">
+                      <p:stCondLst>
+                        <p:cond delay="indefinite"/>
+                      </p:stCondLst>
+                      <p:childTnLst>
+                        <p:par>
+                          <p:cTn id="4" fill="hold">
+                            <p:stCondLst>
+                              <p:cond delay="0"/>
+                            </p:stCondLst>
+                            <p:childTnLst>
+                              <p:par>
+                                <p:cTn id="5" presetID="10" presetClass="entr" presetSubtype="0" fill="hold" nodeType="clickEffect">
+                                  <p:stCondLst>
+                                    <p:cond delay="0"/>
+                                  </p:stCondLst>
+                                  <p:childTnLst>
+                                    <p:set>
+                                      <p:cBhvr>
+                                        <p:cTn id="6" dur="1" fill="hold">
+                                          <p:stCondLst>
+                                            <p:cond delay="0"/>
+                                          </p:stCondLst>
+                                        </p:cTn>
+                                        <p:tgtEl>
+                                          <p:spTgt spid="3">
+                                            <p:txEl>
+                                              <p:pRg st="1" end="1"/>
+                                            </p:txEl>
+                                          </p:spTgt>
+                                        </p:tgtEl>
+                                        <p:attrNameLst>
+                                          <p:attrName>style.visibility</p:attrName>
+                                        </p:attrNameLst>
+                                      </p:cBhvr>
+                                      <p:to>
+                                        <p:strVal val="visible"/>
+                                      </p:to>
+                                    </p:set>
+                                    <p:animEffect transition="in" filter="fade">
+                                      <p:cBhvr>
+                                        <p:cTn id="7" dur="500"/>
+                                        <p:tgtEl>
+                                          <p:spTgt spid="3">
+                                            <p:txEl>
+                                              <p:pRg st="1" end="1"/>
+                                            </p:txEl>
+                                          </p:spTgt>
+                                        </p:tgtEl>
+                                      </p:cBhvr>
+                                    </p:animEffect>
+                                  </p:childTnLst>
+                                </p:cTn>
+                              </p:par>
+                            </p:childTnLst>
+                          </p:cTn>
+                        </p:par>
+                      </p:childTnLst>
+                    </p:cTn>
+                  </p:par>
+                  <p:par>
+                    <p:cTn id="8" fill="hold">
+                      <p:stCondLst>
+                        <p:cond delay="indefinite"/>
+                      </p:stCondLst>
+                      <p:childTnLst>
+                        <p:par>
+                          <p:cTn id="9" fill="hold">
+                            <p:stCondLst>
+                              <p:cond delay="0"/>
+                            </p:stCondLst>
+                            <p:childTnLst>
+                              <p:par>
+                                <p:cTn id="10" presetID="10" presetClass="entr" presetSubtype="0" fill="hold" nodeType="clickEffect">
+                                  <p:stCondLst>
+                                    <p:cond delay="0"/>
+                                  </p:stCondLst>
+                                  <p:childTnLst>
+                                    <p:set>
+                                      <p:cBhvr>
+                                        <p:cTn id="11" dur="1" fill="hold">
+                                          <p:stCondLst>
+                                            <p:cond delay="0"/>
+                                          </p:stCondLst>
+                                        </p:cTn>
+                                        <p:tgtEl>
+                                          <p:spTgt spid="3">
+                                            <p:txEl>
+                                              <p:pRg st="2" end="2"/>
+                                            </p:txEl>
+                                          </p:spTgt>
+                                        </p:tgtEl>
+                                        <p:attrNameLst>
+                                          <p:attrName>style.visibility</p:attrName>
+                                        </p:attrNameLst>
+                                      </p:cBhvr>
+                                      <p:to>
+                                        <p:strVal val="visible"/>
+                                      </p:to>
+                                    </p:set>
+                                    <p:animEffect transition="in" filter="fade">
+                                      <p:cBhvr>
+                                        <p:cTn id="12" dur="500"/>
+                                        <p:tgtEl>
+                                          <p:spTgt spid="3">
+                                            <p:txEl>
+                                              <p:pRg st="2" end="2"/>
+                                            </p:txEl>
+                                          </p:spTgt>
+                                        </p:tgtEl>
+                                      </p:cBhvr>
+                                    </p:animEffect>
+                                  </p:childTnLst>
+                                </p:cTn>
+                              </p:par>
+                            </p:childTnLst>
+                          </p:cTn>
+                        </p:par>
+                      </p:childTnLst>
+                    </p:cTn>
+                  </p:par>
+                  <p:par>
+                    <p:cTn id="13" fill="hold">
+                      <p:stCondLst>
+                        <p:cond delay="indefinite"/>
+                      </p:stCondLst>
+                      <p:childTnLst>
+                        <p:par>
+                          <p:cTn id="14" fill="hold">
+                            <p:stCondLst>
+                              <p:cond delay="0"/>
+                            </p:stCondLst>
+                            <p:childTnLst>
+                              <p:par>
+                                <p:cTn id="15" presetID="10" presetClass="entr" presetSubtype="0" fill="hold" nodeType="clickEffect">
+                                  <p:stCondLst>
+                                    <p:cond delay="0"/>
+                                  </p:stCondLst>
+                                  <p:childTnLst>
+                                    <p:set>
+                                      <p:cBhvr>
+                                        <p:cTn id="16" dur="1" fill="hold">
+                                          <p:stCondLst>
+                                            <p:cond delay="0"/>
+                                          </p:stCondLst>
+                                        </p:cTn>
+                                        <p:tgtEl>
+                                          <p:spTgt spid="3">
+                                            <p:txEl>
+                                              <p:pRg st="3" end="3"/>
+                                            </p:txEl>
+                                          </p:spTgt>
+                                        </p:tgtEl>
+                                        <p:attrNameLst>
+                                          <p:attrName>style.visibility</p:attrName>
+                                        </p:attrNameLst>
+                                      </p:cBhvr>
+                                      <p:to>
+                                        <p:strVal val="visible"/>
+                                      </p:to>
+                                    </p:set>
+                                    <p:animEffect transition="in" filter="fade">
+                                      <p:cBhvr>
+                                        <p:cTn id="17" dur="500"/>
+                                        <p:tgtEl>
+                                          <p:spTgt spid="3">
+                                            <p:txEl>
+                                              <p:pRg st="3" end="3"/>
+                                            </p:txEl>
+                                          </p:spTgt>
+                                        </p:tgtEl>
+                                      </p:cBhvr>
+                                    </p:animEffect>
+                                  </p:childTnLst>
+                                </p:cTn>
+                              </p:par>
+                            </p:childTnLst>
+                          </p:cTn>
+                        </p:par>
+                      </p:childTnLst>
+                    </p:cTn>
+                  </p:par>
+                </p:childTnLst>
+              </p:cTn>
+              <p:prevCondLst>
+                <p:cond evt="onPrev" delay="0">
+                  <p:tgtEl>
+                    <p:sldTgt/>
+                  </p:tgtEl>
+                </p:cond>
+              </p:prevCondLst>
+              <p:nextCondLst>
+                <p:cond evt="onNext" delay="0">
+                  <p:tgtEl>
+                    <p:sldTgt/>
+                  </p:tgtEl>
+                </p:cond>
+              </p:nextCondLst>
+            </p:seq>
+          </p:childTnLst>
+        </p:cTn>
+      </p:par>
+    </p:tnLst>
+  </p:timing>
 </p:sld>
 </file>
 
@@ -8663,10 +10948,10 @@
       </p:grpSpPr>
       <p:sp>
         <p:nvSpPr>
-          <p:cNvPr id="2" name="Title 1">
+          <p:cNvPr id="5" name="Title 1">
             <a:extLst>
               <a:ext uri="{FF2B5EF4-FFF2-40B4-BE49-F238E27FC236}">
-                <a16:creationId xmlns:a16="http://schemas.microsoft.com/office/drawing/2014/main" id="{42AD1B52-17AD-4C46-97EA-CE9F78DB9355}"/>
+                <a16:creationId xmlns:a16="http://schemas.microsoft.com/office/drawing/2014/main" id="{01030B5E-061E-4EF8-BF82-3D3E0FACF01A}"/>
               </a:ext>
             </a:extLst>
           </p:cNvPr>
@@ -8677,7 +10962,12 @@
             <p:ph type="title"/>
           </p:nvPr>
         </p:nvSpPr>
-        <p:spPr/>
+        <p:spPr>
+          <a:xfrm>
+            <a:off x="799254" y="2976880"/>
+            <a:ext cx="8596668" cy="1320800"/>
+          </a:xfrm>
+        </p:spPr>
         <p:txBody>
           <a:bodyPr>
             <a:normAutofit/>
@@ -8685,99 +10975,24 @@
           <a:lstStyle/>
           <a:p>
             <a:r>
-              <a:rPr lang="ro-RO" sz="3000" dirty="0"/>
-              <a:t>1) Extragerea datelor</a:t>
-            </a:r>
-            <a:r>
-              <a:rPr lang="ro-RO" sz="3200" dirty="0"/>
-              <a:t> </a:t>
-            </a:r>
-            <a:r>
-              <a:rPr lang="ro-RO" sz="2400" dirty="0"/>
-              <a:t>- Asocierea de prețuri la produse</a:t>
-            </a:r>
-          </a:p>
-        </p:txBody>
-      </p:sp>
-      <p:sp>
-        <p:nvSpPr>
-          <p:cNvPr id="3" name="Content Placeholder 2">
-            <a:extLst>
-              <a:ext uri="{FF2B5EF4-FFF2-40B4-BE49-F238E27FC236}">
-                <a16:creationId xmlns:a16="http://schemas.microsoft.com/office/drawing/2014/main" id="{D74FF971-9961-5743-A15C-08E5E512E7F8}"/>
-              </a:ext>
-            </a:extLst>
-          </p:cNvPr>
-          <p:cNvSpPr>
-            <a:spLocks noGrp="1"/>
-          </p:cNvSpPr>
-          <p:nvPr>
-            <p:ph idx="1"/>
-          </p:nvPr>
-        </p:nvSpPr>
-        <p:spPr/>
-        <p:txBody>
-          <a:bodyPr/>
-          <a:lstStyle/>
-          <a:p>
-            <a:pPr marL="0" indent="0" algn="just">
-              <a:buNone/>
-            </a:pPr>
-            <a:r>
-              <a:rPr lang="ro-RO" sz="1600" dirty="0"/>
-              <a:t>	Pentru această asociere, m-am folosit de faptul că odată cu obținerea textului din imaginea bonului primim și coordonatele dreptunghiurilor care îl încadrează. Astfel, am sortat textele care conțin nume de produse s-au prețuri după coordonatele punctelor din partea stânga-sus ale dreptunghiurilor. După sortare se obține o intercalare a textelor astfel încât dacă primul element din listă este un nume de produs, următorul element trebuie să fie un preț sau invers.</a:t>
-            </a:r>
-          </a:p>
-          <a:p>
-            <a:pPr marL="0" indent="0" algn="just">
-              <a:buNone/>
-            </a:pPr>
-            <a:endParaRPr lang="ro-RO" dirty="0"/>
-          </a:p>
-          <a:p>
-            <a:pPr marL="0" indent="0" algn="just">
-              <a:buNone/>
-            </a:pPr>
-            <a:r>
-              <a:rPr lang="ro-RO" dirty="0"/>
-              <a:t>POZA CARE SA EXPLICE ASOCIEREA PRODUSE PRET</a:t>
-            </a:r>
-          </a:p>
-        </p:txBody>
-      </p:sp>
-      <p:sp>
-        <p:nvSpPr>
-          <p:cNvPr id="4" name="Slide Number Placeholder 3">
-            <a:extLst>
-              <a:ext uri="{FF2B5EF4-FFF2-40B4-BE49-F238E27FC236}">
-                <a16:creationId xmlns:a16="http://schemas.microsoft.com/office/drawing/2014/main" id="{274BAFE4-ECBA-ED43-93EB-64601A450A9D}"/>
-              </a:ext>
-            </a:extLst>
-          </p:cNvPr>
-          <p:cNvSpPr>
-            <a:spLocks noGrp="1"/>
-          </p:cNvSpPr>
-          <p:nvPr>
-            <p:ph type="sldNum" sz="quarter" idx="12"/>
-          </p:nvPr>
-        </p:nvSpPr>
-        <p:spPr/>
-        <p:txBody>
-          <a:bodyPr/>
-          <a:lstStyle/>
-          <a:p>
-            <a:fld id="{BABCF458-AFE6-754E-9B16-FD8D831A10CC}" type="slidenum">
-              <a:rPr lang="en-US" smtClean="0"/>
-              <a:t>8</a:t>
-            </a:fld>
-            <a:endParaRPr lang="en-US"/>
+              <a:rPr lang="ro-RO" sz="4400" dirty="0"/>
+              <a:t>1</a:t>
+            </a:r>
+            <a:r>
+              <a:rPr lang="en-US" sz="4400" dirty="0"/>
+              <a:t>) </a:t>
+            </a:r>
+            <a:r>
+              <a:rPr lang="ro-RO" sz="4400" dirty="0"/>
+              <a:t>Extragerea datelor</a:t>
+            </a:r>
           </a:p>
         </p:txBody>
       </p:sp>
     </p:spTree>
     <p:extLst>
       <p:ext uri="{BB962C8B-B14F-4D97-AF65-F5344CB8AC3E}">
-        <p14:creationId xmlns:p14="http://schemas.microsoft.com/office/powerpoint/2010/main" val="3911565515"/>
+        <p14:creationId xmlns:p14="http://schemas.microsoft.com/office/powerpoint/2010/main" val="1412416165"/>
       </p:ext>
     </p:extLst>
   </p:cSld>
@@ -8809,7 +11024,7 @@
           <p:cNvPr id="2" name="Title 1">
             <a:extLst>
               <a:ext uri="{FF2B5EF4-FFF2-40B4-BE49-F238E27FC236}">
-                <a16:creationId xmlns:a16="http://schemas.microsoft.com/office/drawing/2014/main" id="{DB55D305-905E-ED45-B941-D78E5D0D9701}"/>
+                <a16:creationId xmlns:a16="http://schemas.microsoft.com/office/drawing/2014/main" id="{4F745D1D-092F-CB4B-9D24-16581F4BDF0F}"/>
               </a:ext>
             </a:extLst>
           </p:cNvPr>
@@ -8820,7 +11035,12 @@
             <p:ph type="title"/>
           </p:nvPr>
         </p:nvSpPr>
-        <p:spPr/>
+        <p:spPr>
+          <a:xfrm>
+            <a:off x="677334" y="609600"/>
+            <a:ext cx="8596668" cy="1320800"/>
+          </a:xfrm>
+        </p:spPr>
         <p:txBody>
           <a:bodyPr>
             <a:normAutofit/>
@@ -8829,73 +11049,7 @@
           <a:p>
             <a:r>
               <a:rPr lang="ro-RO" sz="3000" dirty="0"/>
-              <a:t>2) Managementul plaților</a:t>
-            </a:r>
-          </a:p>
-        </p:txBody>
-      </p:sp>
-      <p:sp>
-        <p:nvSpPr>
-          <p:cNvPr id="3" name="Content Placeholder 2">
-            <a:extLst>
-              <a:ext uri="{FF2B5EF4-FFF2-40B4-BE49-F238E27FC236}">
-                <a16:creationId xmlns:a16="http://schemas.microsoft.com/office/drawing/2014/main" id="{86FB4973-4406-0641-A3A6-10E74B5143F1}"/>
-              </a:ext>
-            </a:extLst>
-          </p:cNvPr>
-          <p:cNvSpPr>
-            <a:spLocks noGrp="1"/>
-          </p:cNvSpPr>
-          <p:nvPr>
-            <p:ph idx="1"/>
-          </p:nvPr>
-        </p:nvSpPr>
-        <p:spPr/>
-        <p:txBody>
-          <a:bodyPr/>
-          <a:lstStyle/>
-          <a:p>
-            <a:pPr marL="0" indent="0">
-              <a:lnSpc>
-                <a:spcPct val="150000"/>
-              </a:lnSpc>
-              <a:buNone/>
-            </a:pPr>
-            <a:r>
-              <a:rPr lang="ro-RO" dirty="0"/>
-              <a:t>	Acest lucru poate fi realizat prin accesarea a două pagini din aplicație, pagina </a:t>
-            </a:r>
-            <a:r>
-              <a:rPr lang="ro-RO" dirty="0" err="1"/>
-              <a:t>Bills</a:t>
-            </a:r>
-            <a:r>
-              <a:rPr lang="ro-RO" dirty="0"/>
-              <a:t> și pagina </a:t>
-            </a:r>
-            <a:r>
-              <a:rPr lang="ro-RO" dirty="0" err="1"/>
-              <a:t>Payments</a:t>
-            </a:r>
-            <a:r>
-              <a:rPr lang="ro-RO" dirty="0"/>
-              <a:t>. În pagina </a:t>
-            </a:r>
-            <a:r>
-              <a:rPr lang="ro-RO" dirty="0" err="1"/>
-              <a:t>Bills</a:t>
-            </a:r>
-            <a:r>
-              <a:rPr lang="ro-RO" dirty="0"/>
-              <a:t>, utilizatorul poate vizualiza facturile inițiate de el, împreună cu modul în care au fost selectate produsele de către cei care s-au alăturat plății. În pagina </a:t>
-            </a:r>
-            <a:r>
-              <a:rPr lang="ro-RO" dirty="0" err="1"/>
-              <a:t>Payments</a:t>
-            </a:r>
-            <a:r>
-              <a:rPr lang="ro-RO" dirty="0"/>
-              <a:t> pot fi vizualizatele selecțiile de produse făcute în facturi la care utilizatorul s-a alăturat.</a:t>
+              <a:t>1) Extragerea datelor</a:t>
             </a:r>
           </a:p>
         </p:txBody>
@@ -8905,7 +11059,7 @@
           <p:cNvPr id="4" name="Slide Number Placeholder 3">
             <a:extLst>
               <a:ext uri="{FF2B5EF4-FFF2-40B4-BE49-F238E27FC236}">
-                <a16:creationId xmlns:a16="http://schemas.microsoft.com/office/drawing/2014/main" id="{C7ED6584-0EFD-3D4A-A23D-C457DD8C23FB}"/>
+                <a16:creationId xmlns:a16="http://schemas.microsoft.com/office/drawing/2014/main" id="{A7B5BBA8-CFB6-D24C-B9E7-23D39950D066}"/>
               </a:ext>
             </a:extLst>
           </p:cNvPr>
@@ -8929,16 +11083,1008 @@
           </a:p>
         </p:txBody>
       </p:sp>
+      <p:sp>
+        <p:nvSpPr>
+          <p:cNvPr id="5" name="Content Placeholder 2">
+            <a:extLst>
+              <a:ext uri="{FF2B5EF4-FFF2-40B4-BE49-F238E27FC236}">
+                <a16:creationId xmlns:a16="http://schemas.microsoft.com/office/drawing/2014/main" id="{B9277A0F-89DB-40F9-AF51-F41F3C17E26A}"/>
+              </a:ext>
+            </a:extLst>
+          </p:cNvPr>
+          <p:cNvSpPr txBox="1">
+            <a:spLocks/>
+          </p:cNvSpPr>
+          <p:nvPr/>
+        </p:nvSpPr>
+        <p:spPr>
+          <a:xfrm>
+            <a:off x="677334" y="1270000"/>
+            <a:ext cx="8747760" cy="1574800"/>
+          </a:xfrm>
+          <a:prstGeom prst="rect">
+            <a:avLst/>
+          </a:prstGeom>
+        </p:spPr>
+        <p:txBody>
+          <a:bodyPr vert="horz" lIns="91440" tIns="45720" rIns="91440" bIns="45720" rtlCol="0">
+            <a:normAutofit/>
+          </a:bodyPr>
+          <a:lstStyle>
+            <a:lvl1pPr marL="342900" indent="-342900" algn="l" defTabSz="457200" rtl="0" eaLnBrk="1" latinLnBrk="0" hangingPunct="1">
+              <a:spcBef>
+                <a:spcPts val="1000"/>
+              </a:spcBef>
+              <a:spcAft>
+                <a:spcPts val="0"/>
+              </a:spcAft>
+              <a:buClr>
+                <a:schemeClr val="accent1"/>
+              </a:buClr>
+              <a:buSzPct val="80000"/>
+              <a:buFont typeface="Wingdings 3" charset="2"/>
+              <a:buChar char=""/>
+              <a:defRPr sz="1800" kern="1200">
+                <a:solidFill>
+                  <a:schemeClr val="tx1">
+                    <a:lumMod val="75000"/>
+                    <a:lumOff val="25000"/>
+                  </a:schemeClr>
+                </a:solidFill>
+                <a:latin typeface="+mn-lt"/>
+                <a:ea typeface="+mn-ea"/>
+                <a:cs typeface="+mn-cs"/>
+              </a:defRPr>
+            </a:lvl1pPr>
+            <a:lvl2pPr marL="742950" indent="-285750" algn="l" defTabSz="457200" rtl="0" eaLnBrk="1" latinLnBrk="0" hangingPunct="1">
+              <a:spcBef>
+                <a:spcPts val="1000"/>
+              </a:spcBef>
+              <a:spcAft>
+                <a:spcPts val="0"/>
+              </a:spcAft>
+              <a:buClr>
+                <a:schemeClr val="accent1"/>
+              </a:buClr>
+              <a:buSzPct val="80000"/>
+              <a:buFont typeface="Wingdings 3" charset="2"/>
+              <a:buChar char=""/>
+              <a:defRPr sz="1600" kern="1200">
+                <a:solidFill>
+                  <a:schemeClr val="tx1">
+                    <a:lumMod val="75000"/>
+                    <a:lumOff val="25000"/>
+                  </a:schemeClr>
+                </a:solidFill>
+                <a:latin typeface="+mn-lt"/>
+                <a:ea typeface="+mn-ea"/>
+                <a:cs typeface="+mn-cs"/>
+              </a:defRPr>
+            </a:lvl2pPr>
+            <a:lvl3pPr marL="1143000" indent="-228600" algn="l" defTabSz="457200" rtl="0" eaLnBrk="1" latinLnBrk="0" hangingPunct="1">
+              <a:spcBef>
+                <a:spcPts val="1000"/>
+              </a:spcBef>
+              <a:spcAft>
+                <a:spcPts val="0"/>
+              </a:spcAft>
+              <a:buClr>
+                <a:schemeClr val="accent1"/>
+              </a:buClr>
+              <a:buSzPct val="80000"/>
+              <a:buFont typeface="Wingdings 3" charset="2"/>
+              <a:buChar char=""/>
+              <a:defRPr sz="1400" kern="1200">
+                <a:solidFill>
+                  <a:schemeClr val="tx1">
+                    <a:lumMod val="75000"/>
+                    <a:lumOff val="25000"/>
+                  </a:schemeClr>
+                </a:solidFill>
+                <a:latin typeface="+mn-lt"/>
+                <a:ea typeface="+mn-ea"/>
+                <a:cs typeface="+mn-cs"/>
+              </a:defRPr>
+            </a:lvl3pPr>
+            <a:lvl4pPr marL="1600200" indent="-228600" algn="l" defTabSz="457200" rtl="0" eaLnBrk="1" latinLnBrk="0" hangingPunct="1">
+              <a:spcBef>
+                <a:spcPts val="1000"/>
+              </a:spcBef>
+              <a:spcAft>
+                <a:spcPts val="0"/>
+              </a:spcAft>
+              <a:buClr>
+                <a:schemeClr val="accent1"/>
+              </a:buClr>
+              <a:buSzPct val="80000"/>
+              <a:buFont typeface="Wingdings 3" charset="2"/>
+              <a:buChar char=""/>
+              <a:defRPr sz="1200" kern="1200">
+                <a:solidFill>
+                  <a:schemeClr val="tx1">
+                    <a:lumMod val="75000"/>
+                    <a:lumOff val="25000"/>
+                  </a:schemeClr>
+                </a:solidFill>
+                <a:latin typeface="+mn-lt"/>
+                <a:ea typeface="+mn-ea"/>
+                <a:cs typeface="+mn-cs"/>
+              </a:defRPr>
+            </a:lvl4pPr>
+            <a:lvl5pPr marL="2057400" indent="-228600" algn="l" defTabSz="457200" rtl="0" eaLnBrk="1" latinLnBrk="0" hangingPunct="1">
+              <a:spcBef>
+                <a:spcPts val="1000"/>
+              </a:spcBef>
+              <a:spcAft>
+                <a:spcPts val="0"/>
+              </a:spcAft>
+              <a:buClr>
+                <a:schemeClr val="accent1"/>
+              </a:buClr>
+              <a:buSzPct val="80000"/>
+              <a:buFont typeface="Wingdings 3" charset="2"/>
+              <a:buChar char=""/>
+              <a:defRPr sz="1200" kern="1200">
+                <a:solidFill>
+                  <a:schemeClr val="tx1">
+                    <a:lumMod val="75000"/>
+                    <a:lumOff val="25000"/>
+                  </a:schemeClr>
+                </a:solidFill>
+                <a:latin typeface="+mn-lt"/>
+                <a:ea typeface="+mn-ea"/>
+                <a:cs typeface="+mn-cs"/>
+              </a:defRPr>
+            </a:lvl5pPr>
+            <a:lvl6pPr marL="2514600" indent="-228600" algn="l" defTabSz="457200" rtl="0" eaLnBrk="1" latinLnBrk="0" hangingPunct="1">
+              <a:spcBef>
+                <a:spcPts val="1000"/>
+              </a:spcBef>
+              <a:spcAft>
+                <a:spcPts val="0"/>
+              </a:spcAft>
+              <a:buClr>
+                <a:schemeClr val="accent1"/>
+              </a:buClr>
+              <a:buSzPct val="80000"/>
+              <a:buFont typeface="Wingdings 3" charset="2"/>
+              <a:buChar char=""/>
+              <a:defRPr sz="1200" kern="1200">
+                <a:solidFill>
+                  <a:schemeClr val="tx1">
+                    <a:lumMod val="75000"/>
+                    <a:lumOff val="25000"/>
+                  </a:schemeClr>
+                </a:solidFill>
+                <a:latin typeface="+mn-lt"/>
+                <a:ea typeface="+mn-ea"/>
+                <a:cs typeface="+mn-cs"/>
+              </a:defRPr>
+            </a:lvl6pPr>
+            <a:lvl7pPr marL="2971800" indent="-228600" algn="l" defTabSz="457200" rtl="0" eaLnBrk="1" latinLnBrk="0" hangingPunct="1">
+              <a:spcBef>
+                <a:spcPts val="1000"/>
+              </a:spcBef>
+              <a:spcAft>
+                <a:spcPts val="0"/>
+              </a:spcAft>
+              <a:buClr>
+                <a:schemeClr val="accent1"/>
+              </a:buClr>
+              <a:buSzPct val="80000"/>
+              <a:buFont typeface="Wingdings 3" charset="2"/>
+              <a:buChar char=""/>
+              <a:defRPr sz="1200" kern="1200">
+                <a:solidFill>
+                  <a:schemeClr val="tx1">
+                    <a:lumMod val="75000"/>
+                    <a:lumOff val="25000"/>
+                  </a:schemeClr>
+                </a:solidFill>
+                <a:latin typeface="+mn-lt"/>
+                <a:ea typeface="+mn-ea"/>
+                <a:cs typeface="+mn-cs"/>
+              </a:defRPr>
+            </a:lvl7pPr>
+            <a:lvl8pPr marL="3429000" indent="-228600" algn="l" defTabSz="457200" rtl="0" eaLnBrk="1" latinLnBrk="0" hangingPunct="1">
+              <a:spcBef>
+                <a:spcPts val="1000"/>
+              </a:spcBef>
+              <a:spcAft>
+                <a:spcPts val="0"/>
+              </a:spcAft>
+              <a:buClr>
+                <a:schemeClr val="accent1"/>
+              </a:buClr>
+              <a:buSzPct val="80000"/>
+              <a:buFont typeface="Wingdings 3" charset="2"/>
+              <a:buChar char=""/>
+              <a:defRPr sz="1200" kern="1200">
+                <a:solidFill>
+                  <a:schemeClr val="tx1">
+                    <a:lumMod val="75000"/>
+                    <a:lumOff val="25000"/>
+                  </a:schemeClr>
+                </a:solidFill>
+                <a:latin typeface="+mn-lt"/>
+                <a:ea typeface="+mn-ea"/>
+                <a:cs typeface="+mn-cs"/>
+              </a:defRPr>
+            </a:lvl8pPr>
+            <a:lvl9pPr marL="3886200" indent="-228600" algn="l" defTabSz="457200" rtl="0" eaLnBrk="1" latinLnBrk="0" hangingPunct="1">
+              <a:spcBef>
+                <a:spcPts val="1000"/>
+              </a:spcBef>
+              <a:spcAft>
+                <a:spcPts val="0"/>
+              </a:spcAft>
+              <a:buClr>
+                <a:schemeClr val="accent1"/>
+              </a:buClr>
+              <a:buSzPct val="80000"/>
+              <a:buFont typeface="Wingdings 3" charset="2"/>
+              <a:buChar char=""/>
+              <a:defRPr sz="1200" kern="1200">
+                <a:solidFill>
+                  <a:schemeClr val="tx1">
+                    <a:lumMod val="75000"/>
+                    <a:lumOff val="25000"/>
+                  </a:schemeClr>
+                </a:solidFill>
+                <a:latin typeface="+mn-lt"/>
+                <a:ea typeface="+mn-ea"/>
+                <a:cs typeface="+mn-cs"/>
+              </a:defRPr>
+            </a:lvl9pPr>
+          </a:lstStyle>
+          <a:p>
+            <a:pPr marL="0" indent="0" algn="just">
+              <a:lnSpc>
+                <a:spcPct val="150000"/>
+              </a:lnSpc>
+              <a:buFont typeface="Wingdings 3" charset="2"/>
+              <a:buNone/>
+            </a:pPr>
+            <a:r>
+              <a:rPr lang="ro-RO" sz="1600" dirty="0"/>
+              <a:t>	Inițial am realizat un sistem care pentru o imagine returnează textul separat pe linii de text. Acesta folosește un OCR numit </a:t>
+            </a:r>
+            <a:r>
+              <a:rPr lang="ro-RO" sz="1600" dirty="0" err="1"/>
+              <a:t>Ocropus</a:t>
+            </a:r>
+            <a:r>
+              <a:rPr lang="ro-RO" sz="1600" dirty="0"/>
+              <a:t> pentru a obține imagini cu liniile de text, apoi decupează fiecare caracter din linie și îl clasifică folosind o rețea neuronala antrenată să recunoască o parte din caracterele ASCII. Adunate caracterele formează textul unei linii.</a:t>
+            </a:r>
+          </a:p>
+        </p:txBody>
+      </p:sp>
+      <p:pic>
+        <p:nvPicPr>
+          <p:cNvPr id="9" name="Picture 8">
+            <a:extLst>
+              <a:ext uri="{FF2B5EF4-FFF2-40B4-BE49-F238E27FC236}">
+                <a16:creationId xmlns:a16="http://schemas.microsoft.com/office/drawing/2014/main" id="{64F4A41B-5A69-425C-A984-5B48C90508BA}"/>
+              </a:ext>
+            </a:extLst>
+          </p:cNvPr>
+          <p:cNvPicPr>
+            <a:picLocks noChangeAspect="1"/>
+          </p:cNvPicPr>
+          <p:nvPr/>
+        </p:nvPicPr>
+        <p:blipFill>
+          <a:blip r:embed="rId3"/>
+          <a:stretch>
+            <a:fillRect/>
+          </a:stretch>
+        </p:blipFill>
+        <p:spPr>
+          <a:xfrm>
+            <a:off x="677334" y="2904212"/>
+            <a:ext cx="3951435" cy="2236748"/>
+          </a:xfrm>
+          <a:prstGeom prst="rect">
+            <a:avLst/>
+          </a:prstGeom>
+          <a:ln>
+            <a:noFill/>
+          </a:ln>
+          <a:effectLst>
+            <a:outerShdw blurRad="292100" dist="139700" dir="2700000" algn="tl" rotWithShape="0">
+              <a:srgbClr val="333333">
+                <a:alpha val="65000"/>
+              </a:srgbClr>
+            </a:outerShdw>
+          </a:effectLst>
+        </p:spPr>
+      </p:pic>
+      <p:sp>
+        <p:nvSpPr>
+          <p:cNvPr id="10" name="Content Placeholder 2">
+            <a:extLst>
+              <a:ext uri="{FF2B5EF4-FFF2-40B4-BE49-F238E27FC236}">
+                <a16:creationId xmlns:a16="http://schemas.microsoft.com/office/drawing/2014/main" id="{0ED3B6E9-5EFF-43AD-976D-9CB93D58E22A}"/>
+              </a:ext>
+            </a:extLst>
+          </p:cNvPr>
+          <p:cNvSpPr txBox="1">
+            <a:spLocks/>
+          </p:cNvSpPr>
+          <p:nvPr/>
+        </p:nvSpPr>
+        <p:spPr>
+          <a:xfrm>
+            <a:off x="4820536" y="2904212"/>
+            <a:ext cx="4604558" cy="2683788"/>
+          </a:xfrm>
+          <a:prstGeom prst="rect">
+            <a:avLst/>
+          </a:prstGeom>
+        </p:spPr>
+        <p:txBody>
+          <a:bodyPr vert="horz" lIns="91440" tIns="45720" rIns="91440" bIns="45720" rtlCol="0">
+            <a:normAutofit/>
+          </a:bodyPr>
+          <a:lstStyle>
+            <a:lvl1pPr marL="342900" indent="-342900" algn="l" defTabSz="457200" rtl="0" eaLnBrk="1" latinLnBrk="0" hangingPunct="1">
+              <a:spcBef>
+                <a:spcPts val="1000"/>
+              </a:spcBef>
+              <a:spcAft>
+                <a:spcPts val="0"/>
+              </a:spcAft>
+              <a:buClr>
+                <a:schemeClr val="accent1"/>
+              </a:buClr>
+              <a:buSzPct val="80000"/>
+              <a:buFont typeface="Wingdings 3" charset="2"/>
+              <a:buChar char=""/>
+              <a:defRPr sz="1800" kern="1200">
+                <a:solidFill>
+                  <a:schemeClr val="tx1">
+                    <a:lumMod val="75000"/>
+                    <a:lumOff val="25000"/>
+                  </a:schemeClr>
+                </a:solidFill>
+                <a:latin typeface="+mn-lt"/>
+                <a:ea typeface="+mn-ea"/>
+                <a:cs typeface="+mn-cs"/>
+              </a:defRPr>
+            </a:lvl1pPr>
+            <a:lvl2pPr marL="742950" indent="-285750" algn="l" defTabSz="457200" rtl="0" eaLnBrk="1" latinLnBrk="0" hangingPunct="1">
+              <a:spcBef>
+                <a:spcPts val="1000"/>
+              </a:spcBef>
+              <a:spcAft>
+                <a:spcPts val="0"/>
+              </a:spcAft>
+              <a:buClr>
+                <a:schemeClr val="accent1"/>
+              </a:buClr>
+              <a:buSzPct val="80000"/>
+              <a:buFont typeface="Wingdings 3" charset="2"/>
+              <a:buChar char=""/>
+              <a:defRPr sz="1600" kern="1200">
+                <a:solidFill>
+                  <a:schemeClr val="tx1">
+                    <a:lumMod val="75000"/>
+                    <a:lumOff val="25000"/>
+                  </a:schemeClr>
+                </a:solidFill>
+                <a:latin typeface="+mn-lt"/>
+                <a:ea typeface="+mn-ea"/>
+                <a:cs typeface="+mn-cs"/>
+              </a:defRPr>
+            </a:lvl2pPr>
+            <a:lvl3pPr marL="1143000" indent="-228600" algn="l" defTabSz="457200" rtl="0" eaLnBrk="1" latinLnBrk="0" hangingPunct="1">
+              <a:spcBef>
+                <a:spcPts val="1000"/>
+              </a:spcBef>
+              <a:spcAft>
+                <a:spcPts val="0"/>
+              </a:spcAft>
+              <a:buClr>
+                <a:schemeClr val="accent1"/>
+              </a:buClr>
+              <a:buSzPct val="80000"/>
+              <a:buFont typeface="Wingdings 3" charset="2"/>
+              <a:buChar char=""/>
+              <a:defRPr sz="1400" kern="1200">
+                <a:solidFill>
+                  <a:schemeClr val="tx1">
+                    <a:lumMod val="75000"/>
+                    <a:lumOff val="25000"/>
+                  </a:schemeClr>
+                </a:solidFill>
+                <a:latin typeface="+mn-lt"/>
+                <a:ea typeface="+mn-ea"/>
+                <a:cs typeface="+mn-cs"/>
+              </a:defRPr>
+            </a:lvl3pPr>
+            <a:lvl4pPr marL="1600200" indent="-228600" algn="l" defTabSz="457200" rtl="0" eaLnBrk="1" latinLnBrk="0" hangingPunct="1">
+              <a:spcBef>
+                <a:spcPts val="1000"/>
+              </a:spcBef>
+              <a:spcAft>
+                <a:spcPts val="0"/>
+              </a:spcAft>
+              <a:buClr>
+                <a:schemeClr val="accent1"/>
+              </a:buClr>
+              <a:buSzPct val="80000"/>
+              <a:buFont typeface="Wingdings 3" charset="2"/>
+              <a:buChar char=""/>
+              <a:defRPr sz="1200" kern="1200">
+                <a:solidFill>
+                  <a:schemeClr val="tx1">
+                    <a:lumMod val="75000"/>
+                    <a:lumOff val="25000"/>
+                  </a:schemeClr>
+                </a:solidFill>
+                <a:latin typeface="+mn-lt"/>
+                <a:ea typeface="+mn-ea"/>
+                <a:cs typeface="+mn-cs"/>
+              </a:defRPr>
+            </a:lvl4pPr>
+            <a:lvl5pPr marL="2057400" indent="-228600" algn="l" defTabSz="457200" rtl="0" eaLnBrk="1" latinLnBrk="0" hangingPunct="1">
+              <a:spcBef>
+                <a:spcPts val="1000"/>
+              </a:spcBef>
+              <a:spcAft>
+                <a:spcPts val="0"/>
+              </a:spcAft>
+              <a:buClr>
+                <a:schemeClr val="accent1"/>
+              </a:buClr>
+              <a:buSzPct val="80000"/>
+              <a:buFont typeface="Wingdings 3" charset="2"/>
+              <a:buChar char=""/>
+              <a:defRPr sz="1200" kern="1200">
+                <a:solidFill>
+                  <a:schemeClr val="tx1">
+                    <a:lumMod val="75000"/>
+                    <a:lumOff val="25000"/>
+                  </a:schemeClr>
+                </a:solidFill>
+                <a:latin typeface="+mn-lt"/>
+                <a:ea typeface="+mn-ea"/>
+                <a:cs typeface="+mn-cs"/>
+              </a:defRPr>
+            </a:lvl5pPr>
+            <a:lvl6pPr marL="2514600" indent="-228600" algn="l" defTabSz="457200" rtl="0" eaLnBrk="1" latinLnBrk="0" hangingPunct="1">
+              <a:spcBef>
+                <a:spcPts val="1000"/>
+              </a:spcBef>
+              <a:spcAft>
+                <a:spcPts val="0"/>
+              </a:spcAft>
+              <a:buClr>
+                <a:schemeClr val="accent1"/>
+              </a:buClr>
+              <a:buSzPct val="80000"/>
+              <a:buFont typeface="Wingdings 3" charset="2"/>
+              <a:buChar char=""/>
+              <a:defRPr sz="1200" kern="1200">
+                <a:solidFill>
+                  <a:schemeClr val="tx1">
+                    <a:lumMod val="75000"/>
+                    <a:lumOff val="25000"/>
+                  </a:schemeClr>
+                </a:solidFill>
+                <a:latin typeface="+mn-lt"/>
+                <a:ea typeface="+mn-ea"/>
+                <a:cs typeface="+mn-cs"/>
+              </a:defRPr>
+            </a:lvl6pPr>
+            <a:lvl7pPr marL="2971800" indent="-228600" algn="l" defTabSz="457200" rtl="0" eaLnBrk="1" latinLnBrk="0" hangingPunct="1">
+              <a:spcBef>
+                <a:spcPts val="1000"/>
+              </a:spcBef>
+              <a:spcAft>
+                <a:spcPts val="0"/>
+              </a:spcAft>
+              <a:buClr>
+                <a:schemeClr val="accent1"/>
+              </a:buClr>
+              <a:buSzPct val="80000"/>
+              <a:buFont typeface="Wingdings 3" charset="2"/>
+              <a:buChar char=""/>
+              <a:defRPr sz="1200" kern="1200">
+                <a:solidFill>
+                  <a:schemeClr val="tx1">
+                    <a:lumMod val="75000"/>
+                    <a:lumOff val="25000"/>
+                  </a:schemeClr>
+                </a:solidFill>
+                <a:latin typeface="+mn-lt"/>
+                <a:ea typeface="+mn-ea"/>
+                <a:cs typeface="+mn-cs"/>
+              </a:defRPr>
+            </a:lvl7pPr>
+            <a:lvl8pPr marL="3429000" indent="-228600" algn="l" defTabSz="457200" rtl="0" eaLnBrk="1" latinLnBrk="0" hangingPunct="1">
+              <a:spcBef>
+                <a:spcPts val="1000"/>
+              </a:spcBef>
+              <a:spcAft>
+                <a:spcPts val="0"/>
+              </a:spcAft>
+              <a:buClr>
+                <a:schemeClr val="accent1"/>
+              </a:buClr>
+              <a:buSzPct val="80000"/>
+              <a:buFont typeface="Wingdings 3" charset="2"/>
+              <a:buChar char=""/>
+              <a:defRPr sz="1200" kern="1200">
+                <a:solidFill>
+                  <a:schemeClr val="tx1">
+                    <a:lumMod val="75000"/>
+                    <a:lumOff val="25000"/>
+                  </a:schemeClr>
+                </a:solidFill>
+                <a:latin typeface="+mn-lt"/>
+                <a:ea typeface="+mn-ea"/>
+                <a:cs typeface="+mn-cs"/>
+              </a:defRPr>
+            </a:lvl8pPr>
+            <a:lvl9pPr marL="3886200" indent="-228600" algn="l" defTabSz="457200" rtl="0" eaLnBrk="1" latinLnBrk="0" hangingPunct="1">
+              <a:spcBef>
+                <a:spcPts val="1000"/>
+              </a:spcBef>
+              <a:spcAft>
+                <a:spcPts val="0"/>
+              </a:spcAft>
+              <a:buClr>
+                <a:schemeClr val="accent1"/>
+              </a:buClr>
+              <a:buSzPct val="80000"/>
+              <a:buFont typeface="Wingdings 3" charset="2"/>
+              <a:buChar char=""/>
+              <a:defRPr sz="1200" kern="1200">
+                <a:solidFill>
+                  <a:schemeClr val="tx1">
+                    <a:lumMod val="75000"/>
+                    <a:lumOff val="25000"/>
+                  </a:schemeClr>
+                </a:solidFill>
+                <a:latin typeface="+mn-lt"/>
+                <a:ea typeface="+mn-ea"/>
+                <a:cs typeface="+mn-cs"/>
+              </a:defRPr>
+            </a:lvl9pPr>
+          </a:lstStyle>
+          <a:p>
+            <a:pPr marL="0" indent="0" algn="just">
+              <a:lnSpc>
+                <a:spcPct val="150000"/>
+              </a:lnSpc>
+              <a:buFont typeface="Wingdings 3" charset="2"/>
+              <a:buNone/>
+            </a:pPr>
+            <a:endParaRPr lang="ro-RO" sz="1600" dirty="0"/>
+          </a:p>
+        </p:txBody>
+      </p:sp>
+      <p:sp>
+        <p:nvSpPr>
+          <p:cNvPr id="11" name="Content Placeholder 2">
+            <a:extLst>
+              <a:ext uri="{FF2B5EF4-FFF2-40B4-BE49-F238E27FC236}">
+                <a16:creationId xmlns:a16="http://schemas.microsoft.com/office/drawing/2014/main" id="{7337B96B-4125-4EA9-9029-CC52756DE434}"/>
+              </a:ext>
+            </a:extLst>
+          </p:cNvPr>
+          <p:cNvSpPr txBox="1">
+            <a:spLocks/>
+          </p:cNvSpPr>
+          <p:nvPr/>
+        </p:nvSpPr>
+        <p:spPr>
+          <a:xfrm>
+            <a:off x="4820536" y="2767052"/>
+            <a:ext cx="4604558" cy="2511068"/>
+          </a:xfrm>
+          <a:prstGeom prst="rect">
+            <a:avLst/>
+          </a:prstGeom>
+        </p:spPr>
+        <p:txBody>
+          <a:bodyPr vert="horz" lIns="91440" tIns="45720" rIns="91440" bIns="45720" rtlCol="0">
+            <a:normAutofit/>
+          </a:bodyPr>
+          <a:lstStyle>
+            <a:lvl1pPr marL="342900" indent="-342900" algn="l" defTabSz="457200" rtl="0" eaLnBrk="1" latinLnBrk="0" hangingPunct="1">
+              <a:spcBef>
+                <a:spcPts val="1000"/>
+              </a:spcBef>
+              <a:spcAft>
+                <a:spcPts val="0"/>
+              </a:spcAft>
+              <a:buClr>
+                <a:schemeClr val="accent1"/>
+              </a:buClr>
+              <a:buSzPct val="80000"/>
+              <a:buFont typeface="Wingdings 3" charset="2"/>
+              <a:buChar char=""/>
+              <a:defRPr sz="1800" kern="1200">
+                <a:solidFill>
+                  <a:schemeClr val="tx1">
+                    <a:lumMod val="75000"/>
+                    <a:lumOff val="25000"/>
+                  </a:schemeClr>
+                </a:solidFill>
+                <a:latin typeface="+mn-lt"/>
+                <a:ea typeface="+mn-ea"/>
+                <a:cs typeface="+mn-cs"/>
+              </a:defRPr>
+            </a:lvl1pPr>
+            <a:lvl2pPr marL="742950" indent="-285750" algn="l" defTabSz="457200" rtl="0" eaLnBrk="1" latinLnBrk="0" hangingPunct="1">
+              <a:spcBef>
+                <a:spcPts val="1000"/>
+              </a:spcBef>
+              <a:spcAft>
+                <a:spcPts val="0"/>
+              </a:spcAft>
+              <a:buClr>
+                <a:schemeClr val="accent1"/>
+              </a:buClr>
+              <a:buSzPct val="80000"/>
+              <a:buFont typeface="Wingdings 3" charset="2"/>
+              <a:buChar char=""/>
+              <a:defRPr sz="1600" kern="1200">
+                <a:solidFill>
+                  <a:schemeClr val="tx1">
+                    <a:lumMod val="75000"/>
+                    <a:lumOff val="25000"/>
+                  </a:schemeClr>
+                </a:solidFill>
+                <a:latin typeface="+mn-lt"/>
+                <a:ea typeface="+mn-ea"/>
+                <a:cs typeface="+mn-cs"/>
+              </a:defRPr>
+            </a:lvl2pPr>
+            <a:lvl3pPr marL="1143000" indent="-228600" algn="l" defTabSz="457200" rtl="0" eaLnBrk="1" latinLnBrk="0" hangingPunct="1">
+              <a:spcBef>
+                <a:spcPts val="1000"/>
+              </a:spcBef>
+              <a:spcAft>
+                <a:spcPts val="0"/>
+              </a:spcAft>
+              <a:buClr>
+                <a:schemeClr val="accent1"/>
+              </a:buClr>
+              <a:buSzPct val="80000"/>
+              <a:buFont typeface="Wingdings 3" charset="2"/>
+              <a:buChar char=""/>
+              <a:defRPr sz="1400" kern="1200">
+                <a:solidFill>
+                  <a:schemeClr val="tx1">
+                    <a:lumMod val="75000"/>
+                    <a:lumOff val="25000"/>
+                  </a:schemeClr>
+                </a:solidFill>
+                <a:latin typeface="+mn-lt"/>
+                <a:ea typeface="+mn-ea"/>
+                <a:cs typeface="+mn-cs"/>
+              </a:defRPr>
+            </a:lvl3pPr>
+            <a:lvl4pPr marL="1600200" indent="-228600" algn="l" defTabSz="457200" rtl="0" eaLnBrk="1" latinLnBrk="0" hangingPunct="1">
+              <a:spcBef>
+                <a:spcPts val="1000"/>
+              </a:spcBef>
+              <a:spcAft>
+                <a:spcPts val="0"/>
+              </a:spcAft>
+              <a:buClr>
+                <a:schemeClr val="accent1"/>
+              </a:buClr>
+              <a:buSzPct val="80000"/>
+              <a:buFont typeface="Wingdings 3" charset="2"/>
+              <a:buChar char=""/>
+              <a:defRPr sz="1200" kern="1200">
+                <a:solidFill>
+                  <a:schemeClr val="tx1">
+                    <a:lumMod val="75000"/>
+                    <a:lumOff val="25000"/>
+                  </a:schemeClr>
+                </a:solidFill>
+                <a:latin typeface="+mn-lt"/>
+                <a:ea typeface="+mn-ea"/>
+                <a:cs typeface="+mn-cs"/>
+              </a:defRPr>
+            </a:lvl4pPr>
+            <a:lvl5pPr marL="2057400" indent="-228600" algn="l" defTabSz="457200" rtl="0" eaLnBrk="1" latinLnBrk="0" hangingPunct="1">
+              <a:spcBef>
+                <a:spcPts val="1000"/>
+              </a:spcBef>
+              <a:spcAft>
+                <a:spcPts val="0"/>
+              </a:spcAft>
+              <a:buClr>
+                <a:schemeClr val="accent1"/>
+              </a:buClr>
+              <a:buSzPct val="80000"/>
+              <a:buFont typeface="Wingdings 3" charset="2"/>
+              <a:buChar char=""/>
+              <a:defRPr sz="1200" kern="1200">
+                <a:solidFill>
+                  <a:schemeClr val="tx1">
+                    <a:lumMod val="75000"/>
+                    <a:lumOff val="25000"/>
+                  </a:schemeClr>
+                </a:solidFill>
+                <a:latin typeface="+mn-lt"/>
+                <a:ea typeface="+mn-ea"/>
+                <a:cs typeface="+mn-cs"/>
+              </a:defRPr>
+            </a:lvl5pPr>
+            <a:lvl6pPr marL="2514600" indent="-228600" algn="l" defTabSz="457200" rtl="0" eaLnBrk="1" latinLnBrk="0" hangingPunct="1">
+              <a:spcBef>
+                <a:spcPts val="1000"/>
+              </a:spcBef>
+              <a:spcAft>
+                <a:spcPts val="0"/>
+              </a:spcAft>
+              <a:buClr>
+                <a:schemeClr val="accent1"/>
+              </a:buClr>
+              <a:buSzPct val="80000"/>
+              <a:buFont typeface="Wingdings 3" charset="2"/>
+              <a:buChar char=""/>
+              <a:defRPr sz="1200" kern="1200">
+                <a:solidFill>
+                  <a:schemeClr val="tx1">
+                    <a:lumMod val="75000"/>
+                    <a:lumOff val="25000"/>
+                  </a:schemeClr>
+                </a:solidFill>
+                <a:latin typeface="+mn-lt"/>
+                <a:ea typeface="+mn-ea"/>
+                <a:cs typeface="+mn-cs"/>
+              </a:defRPr>
+            </a:lvl6pPr>
+            <a:lvl7pPr marL="2971800" indent="-228600" algn="l" defTabSz="457200" rtl="0" eaLnBrk="1" latinLnBrk="0" hangingPunct="1">
+              <a:spcBef>
+                <a:spcPts val="1000"/>
+              </a:spcBef>
+              <a:spcAft>
+                <a:spcPts val="0"/>
+              </a:spcAft>
+              <a:buClr>
+                <a:schemeClr val="accent1"/>
+              </a:buClr>
+              <a:buSzPct val="80000"/>
+              <a:buFont typeface="Wingdings 3" charset="2"/>
+              <a:buChar char=""/>
+              <a:defRPr sz="1200" kern="1200">
+                <a:solidFill>
+                  <a:schemeClr val="tx1">
+                    <a:lumMod val="75000"/>
+                    <a:lumOff val="25000"/>
+                  </a:schemeClr>
+                </a:solidFill>
+                <a:latin typeface="+mn-lt"/>
+                <a:ea typeface="+mn-ea"/>
+                <a:cs typeface="+mn-cs"/>
+              </a:defRPr>
+            </a:lvl7pPr>
+            <a:lvl8pPr marL="3429000" indent="-228600" algn="l" defTabSz="457200" rtl="0" eaLnBrk="1" latinLnBrk="0" hangingPunct="1">
+              <a:spcBef>
+                <a:spcPts val="1000"/>
+              </a:spcBef>
+              <a:spcAft>
+                <a:spcPts val="0"/>
+              </a:spcAft>
+              <a:buClr>
+                <a:schemeClr val="accent1"/>
+              </a:buClr>
+              <a:buSzPct val="80000"/>
+              <a:buFont typeface="Wingdings 3" charset="2"/>
+              <a:buChar char=""/>
+              <a:defRPr sz="1200" kern="1200">
+                <a:solidFill>
+                  <a:schemeClr val="tx1">
+                    <a:lumMod val="75000"/>
+                    <a:lumOff val="25000"/>
+                  </a:schemeClr>
+                </a:solidFill>
+                <a:latin typeface="+mn-lt"/>
+                <a:ea typeface="+mn-ea"/>
+                <a:cs typeface="+mn-cs"/>
+              </a:defRPr>
+            </a:lvl8pPr>
+            <a:lvl9pPr marL="3886200" indent="-228600" algn="l" defTabSz="457200" rtl="0" eaLnBrk="1" latinLnBrk="0" hangingPunct="1">
+              <a:spcBef>
+                <a:spcPts val="1000"/>
+              </a:spcBef>
+              <a:spcAft>
+                <a:spcPts val="0"/>
+              </a:spcAft>
+              <a:buClr>
+                <a:schemeClr val="accent1"/>
+              </a:buClr>
+              <a:buSzPct val="80000"/>
+              <a:buFont typeface="Wingdings 3" charset="2"/>
+              <a:buChar char=""/>
+              <a:defRPr sz="1200" kern="1200">
+                <a:solidFill>
+                  <a:schemeClr val="tx1">
+                    <a:lumMod val="75000"/>
+                    <a:lumOff val="25000"/>
+                  </a:schemeClr>
+                </a:solidFill>
+                <a:latin typeface="+mn-lt"/>
+                <a:ea typeface="+mn-ea"/>
+                <a:cs typeface="+mn-cs"/>
+              </a:defRPr>
+            </a:lvl9pPr>
+          </a:lstStyle>
+          <a:p>
+            <a:pPr marL="0" indent="0" algn="just">
+              <a:lnSpc>
+                <a:spcPct val="160000"/>
+              </a:lnSpc>
+              <a:buFont typeface="Wingdings 3" charset="2"/>
+              <a:buNone/>
+            </a:pPr>
+            <a:r>
+              <a:rPr lang="ro-RO" sz="1600" dirty="0"/>
+              <a:t>Deoarece rezultatele rețelei nu au fost mulțumitoare pentru recunoașterea câtorva litere și pentru majoritatea cifrelor, am optat pentru folosirea API-ului Google Vision care are rezultate mult mai bune. Și oferă suport pentru apelarea serviciului din aplicația Android.</a:t>
+            </a:r>
+          </a:p>
+        </p:txBody>
+      </p:sp>
     </p:spTree>
     <p:extLst>
       <p:ext uri="{BB962C8B-B14F-4D97-AF65-F5344CB8AC3E}">
-        <p14:creationId xmlns:p14="http://schemas.microsoft.com/office/powerpoint/2010/main" val="121051695"/>
+        <p14:creationId xmlns:p14="http://schemas.microsoft.com/office/powerpoint/2010/main" val="3288591433"/>
       </p:ext>
     </p:extLst>
   </p:cSld>
   <p:clrMapOvr>
     <a:masterClrMapping/>
   </p:clrMapOvr>
+  <p:timing>
+    <p:tnLst>
+      <p:par>
+        <p:cTn id="1" dur="indefinite" restart="never" nodeType="tmRoot">
+          <p:childTnLst>
+            <p:seq concurrent="1" nextAc="seek">
+              <p:cTn id="2" dur="indefinite" nodeType="mainSeq">
+                <p:childTnLst>
+                  <p:par>
+                    <p:cTn id="3" fill="hold">
+                      <p:stCondLst>
+                        <p:cond delay="indefinite"/>
+                      </p:stCondLst>
+                      <p:childTnLst>
+                        <p:par>
+                          <p:cTn id="4" fill="hold">
+                            <p:stCondLst>
+                              <p:cond delay="0"/>
+                            </p:stCondLst>
+                            <p:childTnLst>
+                              <p:par>
+                                <p:cTn id="5" presetID="10" presetClass="entr" presetSubtype="0" fill="hold" grpId="0" nodeType="clickEffect">
+                                  <p:stCondLst>
+                                    <p:cond delay="0"/>
+                                  </p:stCondLst>
+                                  <p:childTnLst>
+                                    <p:set>
+                                      <p:cBhvr>
+                                        <p:cTn id="6" dur="1" fill="hold">
+                                          <p:stCondLst>
+                                            <p:cond delay="0"/>
+                                          </p:stCondLst>
+                                        </p:cTn>
+                                        <p:tgtEl>
+                                          <p:spTgt spid="5"/>
+                                        </p:tgtEl>
+                                        <p:attrNameLst>
+                                          <p:attrName>style.visibility</p:attrName>
+                                        </p:attrNameLst>
+                                      </p:cBhvr>
+                                      <p:to>
+                                        <p:strVal val="visible"/>
+                                      </p:to>
+                                    </p:set>
+                                    <p:animEffect transition="in" filter="fade">
+                                      <p:cBhvr>
+                                        <p:cTn id="7" dur="500"/>
+                                        <p:tgtEl>
+                                          <p:spTgt spid="5"/>
+                                        </p:tgtEl>
+                                      </p:cBhvr>
+                                    </p:animEffect>
+                                  </p:childTnLst>
+                                </p:cTn>
+                              </p:par>
+                            </p:childTnLst>
+                          </p:cTn>
+                        </p:par>
+                      </p:childTnLst>
+                    </p:cTn>
+                  </p:par>
+                  <p:par>
+                    <p:cTn id="8" fill="hold">
+                      <p:stCondLst>
+                        <p:cond delay="indefinite"/>
+                      </p:stCondLst>
+                      <p:childTnLst>
+                        <p:par>
+                          <p:cTn id="9" fill="hold">
+                            <p:stCondLst>
+                              <p:cond delay="0"/>
+                            </p:stCondLst>
+                            <p:childTnLst>
+                              <p:par>
+                                <p:cTn id="10" presetID="10" presetClass="entr" presetSubtype="0" fill="hold" grpId="0" nodeType="clickEffect">
+                                  <p:stCondLst>
+                                    <p:cond delay="0"/>
+                                  </p:stCondLst>
+                                  <p:childTnLst>
+                                    <p:set>
+                                      <p:cBhvr>
+                                        <p:cTn id="11" dur="1" fill="hold">
+                                          <p:stCondLst>
+                                            <p:cond delay="0"/>
+                                          </p:stCondLst>
+                                        </p:cTn>
+                                        <p:tgtEl>
+                                          <p:spTgt spid="11"/>
+                                        </p:tgtEl>
+                                        <p:attrNameLst>
+                                          <p:attrName>style.visibility</p:attrName>
+                                        </p:attrNameLst>
+                                      </p:cBhvr>
+                                      <p:to>
+                                        <p:strVal val="visible"/>
+                                      </p:to>
+                                    </p:set>
+                                    <p:animEffect transition="in" filter="fade">
+                                      <p:cBhvr>
+                                        <p:cTn id="12" dur="500"/>
+                                        <p:tgtEl>
+                                          <p:spTgt spid="11"/>
+                                        </p:tgtEl>
+                                      </p:cBhvr>
+                                    </p:animEffect>
+                                  </p:childTnLst>
+                                </p:cTn>
+                              </p:par>
+                            </p:childTnLst>
+                          </p:cTn>
+                        </p:par>
+                      </p:childTnLst>
+                    </p:cTn>
+                  </p:par>
+                </p:childTnLst>
+              </p:cTn>
+              <p:prevCondLst>
+                <p:cond evt="onPrev" delay="0">
+                  <p:tgtEl>
+                    <p:sldTgt/>
+                  </p:tgtEl>
+                </p:cond>
+              </p:prevCondLst>
+              <p:nextCondLst>
+                <p:cond evt="onNext" delay="0">
+                  <p:tgtEl>
+                    <p:sldTgt/>
+                  </p:tgtEl>
+                </p:cond>
+              </p:nextCondLst>
+            </p:seq>
+          </p:childTnLst>
+        </p:cTn>
+      </p:par>
+    </p:tnLst>
+    <p:bldLst>
+      <p:bldP spid="5" grpId="0"/>
+      <p:bldP spid="11" grpId="0"/>
+    </p:bldLst>
+  </p:timing>
 </p:sld>
 </file>
 

--- a/Prezentare licenta.pptx
+++ b/Prezentare licenta.pptx
@@ -5,7 +5,7 @@
     <p:sldMasterId id="2147483711" r:id="rId1"/>
   </p:sldMasterIdLst>
   <p:notesMasterIdLst>
-    <p:notesMasterId r:id="rId24"/>
+    <p:notesMasterId r:id="rId25"/>
   </p:notesMasterIdLst>
   <p:sldIdLst>
     <p:sldId id="256" r:id="rId2"/>
@@ -29,7 +29,8 @@
     <p:sldId id="278" r:id="rId20"/>
     <p:sldId id="271" r:id="rId21"/>
     <p:sldId id="263" r:id="rId22"/>
-    <p:sldId id="264" r:id="rId23"/>
+    <p:sldId id="279" r:id="rId23"/>
+    <p:sldId id="264" r:id="rId24"/>
   </p:sldIdLst>
   <p:sldSz cx="12192000" cy="6858000"/>
   <p:notesSz cx="6858000" cy="9144000"/>
@@ -530,6 +531,46 @@
           <a:bodyPr/>
           <a:lstStyle/>
           <a:p>
+            <a:r>
+              <a:rPr lang="en-US" dirty="0" err="1"/>
+              <a:t>Va</a:t>
+            </a:r>
+            <a:r>
+              <a:rPr lang="en-US" dirty="0"/>
+              <a:t> </a:t>
+            </a:r>
+            <a:r>
+              <a:rPr lang="en-US" dirty="0" err="1"/>
+              <a:t>voi</a:t>
+            </a:r>
+            <a:r>
+              <a:rPr lang="en-US" dirty="0"/>
+              <a:t> </a:t>
+            </a:r>
+            <a:r>
+              <a:rPr lang="en-US" dirty="0" err="1"/>
+              <a:t>prezenta</a:t>
+            </a:r>
+            <a:r>
+              <a:rPr lang="en-US" dirty="0"/>
+              <a:t> </a:t>
+            </a:r>
+            <a:r>
+              <a:rPr lang="en-US" dirty="0" err="1"/>
+              <a:t>proiectul</a:t>
+            </a:r>
+            <a:r>
+              <a:rPr lang="en-US" dirty="0"/>
+              <a:t> meu de </a:t>
+            </a:r>
+            <a:r>
+              <a:rPr lang="en-US" dirty="0" err="1"/>
+              <a:t>licenta</a:t>
+            </a:r>
+            <a:r>
+              <a:rPr lang="en-US" dirty="0"/>
+              <a:t>…</a:t>
+            </a:r>
             <a:endParaRPr lang="ro-RO" dirty="0"/>
           </a:p>
         </p:txBody>
@@ -561,6 +602,463 @@
     <p:extLst>
       <p:ext uri="{BB962C8B-B14F-4D97-AF65-F5344CB8AC3E}">
         <p14:creationId xmlns:p14="http://schemas.microsoft.com/office/powerpoint/2010/main" val="4096935329"/>
+      </p:ext>
+    </p:extLst>
+  </p:cSld>
+  <p:clrMapOvr>
+    <a:masterClrMapping/>
+  </p:clrMapOvr>
+</p:notes>
+</file>
+
+<file path=ppt/notesSlides/notesSlide10.xml><?xml version="1.0" encoding="utf-8"?>
+<p:notes xmlns:a="http://schemas.openxmlformats.org/drawingml/2006/main" xmlns:r="http://schemas.openxmlformats.org/officeDocument/2006/relationships" xmlns:p="http://schemas.openxmlformats.org/presentationml/2006/main">
+  <p:cSld>
+    <p:spTree>
+      <p:nvGrpSpPr>
+        <p:cNvPr id="1" name=""/>
+        <p:cNvGrpSpPr/>
+        <p:nvPr/>
+      </p:nvGrpSpPr>
+      <p:grpSpPr>
+        <a:xfrm>
+          <a:off x="0" y="0"/>
+          <a:ext cx="0" cy="0"/>
+          <a:chOff x="0" y="0"/>
+          <a:chExt cx="0" cy="0"/>
+        </a:xfrm>
+      </p:grpSpPr>
+      <p:sp>
+        <p:nvSpPr>
+          <p:cNvPr id="2" name="Slide Image Placeholder 1"/>
+          <p:cNvSpPr>
+            <a:spLocks noGrp="1" noRot="1" noChangeAspect="1"/>
+          </p:cNvSpPr>
+          <p:nvPr>
+            <p:ph type="sldImg"/>
+          </p:nvPr>
+        </p:nvSpPr>
+        <p:spPr/>
+      </p:sp>
+      <p:sp>
+        <p:nvSpPr>
+          <p:cNvPr id="3" name="Notes Placeholder 2"/>
+          <p:cNvSpPr>
+            <a:spLocks noGrp="1"/>
+          </p:cNvSpPr>
+          <p:nvPr>
+            <p:ph type="body" idx="1"/>
+          </p:nvPr>
+        </p:nvSpPr>
+        <p:spPr/>
+        <p:txBody>
+          <a:bodyPr/>
+          <a:lstStyle/>
+          <a:p>
+            <a:r>
+              <a:rPr lang="en-US" dirty="0" err="1"/>
+              <a:t>Diagrrama</a:t>
+            </a:r>
+            <a:r>
+              <a:rPr lang="en-US" dirty="0"/>
+              <a:t> </a:t>
+            </a:r>
+            <a:r>
+              <a:rPr lang="en-US" dirty="0" err="1"/>
+              <a:t>fara</a:t>
+            </a:r>
+            <a:r>
+              <a:rPr lang="en-US" dirty="0"/>
+              <a:t> text, </a:t>
+            </a:r>
+            <a:r>
+              <a:rPr lang="en-US" dirty="0" err="1"/>
+              <a:t>textul</a:t>
+            </a:r>
+            <a:r>
+              <a:rPr lang="en-US" dirty="0"/>
+              <a:t> </a:t>
+            </a:r>
+            <a:r>
+              <a:rPr lang="en-US" dirty="0" err="1"/>
+              <a:t>il</a:t>
+            </a:r>
+            <a:r>
+              <a:rPr lang="en-US" dirty="0"/>
+              <a:t> spun </a:t>
+            </a:r>
+            <a:r>
+              <a:rPr lang="en-US" dirty="0" err="1"/>
+              <a:t>eu</a:t>
+            </a:r>
+            <a:r>
+              <a:rPr lang="en-US" dirty="0"/>
+              <a:t>.</a:t>
+            </a:r>
+            <a:endParaRPr lang="ro-RO" dirty="0"/>
+          </a:p>
+        </p:txBody>
+      </p:sp>
+      <p:sp>
+        <p:nvSpPr>
+          <p:cNvPr id="4" name="Slide Number Placeholder 3"/>
+          <p:cNvSpPr>
+            <a:spLocks noGrp="1"/>
+          </p:cNvSpPr>
+          <p:nvPr>
+            <p:ph type="sldNum" sz="quarter" idx="5"/>
+          </p:nvPr>
+        </p:nvSpPr>
+        <p:spPr/>
+        <p:txBody>
+          <a:bodyPr/>
+          <a:lstStyle/>
+          <a:p>
+            <a:fld id="{2D8B77B1-706E-6944-BD13-9A49B05C937A}" type="slidenum">
+              <a:rPr lang="ro-RO" smtClean="0"/>
+              <a:t>20</a:t>
+            </a:fld>
+            <a:endParaRPr lang="ro-RO"/>
+          </a:p>
+        </p:txBody>
+      </p:sp>
+    </p:spTree>
+    <p:extLst>
+      <p:ext uri="{BB962C8B-B14F-4D97-AF65-F5344CB8AC3E}">
+        <p14:creationId xmlns:p14="http://schemas.microsoft.com/office/powerpoint/2010/main" val="246412828"/>
+      </p:ext>
+    </p:extLst>
+  </p:cSld>
+  <p:clrMapOvr>
+    <a:masterClrMapping/>
+  </p:clrMapOvr>
+</p:notes>
+</file>
+
+<file path=ppt/notesSlides/notesSlide11.xml><?xml version="1.0" encoding="utf-8"?>
+<p:notes xmlns:a="http://schemas.openxmlformats.org/drawingml/2006/main" xmlns:r="http://schemas.openxmlformats.org/officeDocument/2006/relationships" xmlns:p="http://schemas.openxmlformats.org/presentationml/2006/main">
+  <p:cSld>
+    <p:spTree>
+      <p:nvGrpSpPr>
+        <p:cNvPr id="1" name=""/>
+        <p:cNvGrpSpPr/>
+        <p:nvPr/>
+      </p:nvGrpSpPr>
+      <p:grpSpPr>
+        <a:xfrm>
+          <a:off x="0" y="0"/>
+          <a:ext cx="0" cy="0"/>
+          <a:chOff x="0" y="0"/>
+          <a:chExt cx="0" cy="0"/>
+        </a:xfrm>
+      </p:grpSpPr>
+      <p:sp>
+        <p:nvSpPr>
+          <p:cNvPr id="2" name="Slide Image Placeholder 1"/>
+          <p:cNvSpPr>
+            <a:spLocks noGrp="1" noRot="1" noChangeAspect="1"/>
+          </p:cNvSpPr>
+          <p:nvPr>
+            <p:ph type="sldImg"/>
+          </p:nvPr>
+        </p:nvSpPr>
+        <p:spPr/>
+      </p:sp>
+      <p:sp>
+        <p:nvSpPr>
+          <p:cNvPr id="3" name="Notes Placeholder 2"/>
+          <p:cNvSpPr>
+            <a:spLocks noGrp="1"/>
+          </p:cNvSpPr>
+          <p:nvPr>
+            <p:ph type="body" idx="1"/>
+          </p:nvPr>
+        </p:nvSpPr>
+        <p:spPr/>
+        <p:txBody>
+          <a:bodyPr/>
+          <a:lstStyle/>
+          <a:p>
+            <a:r>
+              <a:rPr lang="en-US" dirty="0"/>
+              <a:t>Am </a:t>
+            </a:r>
+            <a:r>
+              <a:rPr lang="en-US" dirty="0" err="1"/>
+              <a:t>testat</a:t>
+            </a:r>
+            <a:r>
+              <a:rPr lang="en-US" dirty="0"/>
+              <a:t> </a:t>
+            </a:r>
+            <a:r>
+              <a:rPr lang="en-US" dirty="0" err="1"/>
+              <a:t>aplicatia</a:t>
+            </a:r>
+            <a:r>
+              <a:rPr lang="en-US" dirty="0"/>
+              <a:t> cu </a:t>
+            </a:r>
+            <a:r>
+              <a:rPr lang="en-US" dirty="0" err="1"/>
+              <a:t>colegii</a:t>
+            </a:r>
+            <a:r>
+              <a:rPr lang="en-US" dirty="0"/>
+              <a:t> </a:t>
+            </a:r>
+            <a:r>
+              <a:rPr lang="en-US" dirty="0" err="1"/>
+              <a:t>mei</a:t>
+            </a:r>
+            <a:r>
+              <a:rPr lang="en-US" dirty="0"/>
+              <a:t> </a:t>
+            </a:r>
+            <a:r>
+              <a:rPr lang="en-US" dirty="0" err="1"/>
+              <a:t>pentru</a:t>
+            </a:r>
+            <a:r>
+              <a:rPr lang="en-US" dirty="0"/>
+              <a:t> </a:t>
+            </a:r>
+            <a:r>
+              <a:rPr lang="en-US" dirty="0" err="1"/>
+              <a:t>impartirea</a:t>
+            </a:r>
+            <a:r>
+              <a:rPr lang="en-US" dirty="0"/>
+              <a:t> </a:t>
+            </a:r>
+            <a:r>
+              <a:rPr lang="en-US" dirty="0" err="1"/>
+              <a:t>mai</a:t>
+            </a:r>
+            <a:r>
+              <a:rPr lang="en-US" dirty="0"/>
+              <a:t> </a:t>
+            </a:r>
+            <a:r>
+              <a:rPr lang="en-US" dirty="0" err="1"/>
+              <a:t>usoara</a:t>
+            </a:r>
+            <a:r>
+              <a:rPr lang="en-US" dirty="0"/>
+              <a:t> a </a:t>
+            </a:r>
+            <a:r>
+              <a:rPr lang="en-US" dirty="0" err="1"/>
+              <a:t>platii</a:t>
+            </a:r>
+            <a:r>
+              <a:rPr lang="en-US" dirty="0"/>
+              <a:t>.</a:t>
+            </a:r>
+          </a:p>
+          <a:p>
+            <a:endParaRPr lang="en-US" dirty="0"/>
+          </a:p>
+          <a:p>
+            <a:endParaRPr lang="ro-RO" dirty="0"/>
+          </a:p>
+        </p:txBody>
+      </p:sp>
+      <p:sp>
+        <p:nvSpPr>
+          <p:cNvPr id="4" name="Slide Number Placeholder 3"/>
+          <p:cNvSpPr>
+            <a:spLocks noGrp="1"/>
+          </p:cNvSpPr>
+          <p:nvPr>
+            <p:ph type="sldNum" sz="quarter" idx="5"/>
+          </p:nvPr>
+        </p:nvSpPr>
+        <p:spPr/>
+        <p:txBody>
+          <a:bodyPr/>
+          <a:lstStyle/>
+          <a:p>
+            <a:fld id="{2D8B77B1-706E-6944-BD13-9A49B05C937A}" type="slidenum">
+              <a:rPr lang="ro-RO" smtClean="0"/>
+              <a:t>21</a:t>
+            </a:fld>
+            <a:endParaRPr lang="ro-RO"/>
+          </a:p>
+        </p:txBody>
+      </p:sp>
+    </p:spTree>
+    <p:extLst>
+      <p:ext uri="{BB962C8B-B14F-4D97-AF65-F5344CB8AC3E}">
+        <p14:creationId xmlns:p14="http://schemas.microsoft.com/office/powerpoint/2010/main" val="63349653"/>
+      </p:ext>
+    </p:extLst>
+  </p:cSld>
+  <p:clrMapOvr>
+    <a:masterClrMapping/>
+  </p:clrMapOvr>
+</p:notes>
+</file>
+
+<file path=ppt/notesSlides/notesSlide12.xml><?xml version="1.0" encoding="utf-8"?>
+<p:notes xmlns:a="http://schemas.openxmlformats.org/drawingml/2006/main" xmlns:r="http://schemas.openxmlformats.org/officeDocument/2006/relationships" xmlns:p="http://schemas.openxmlformats.org/presentationml/2006/main">
+  <p:cSld>
+    <p:spTree>
+      <p:nvGrpSpPr>
+        <p:cNvPr id="1" name=""/>
+        <p:cNvGrpSpPr/>
+        <p:nvPr/>
+      </p:nvGrpSpPr>
+      <p:grpSpPr>
+        <a:xfrm>
+          <a:off x="0" y="0"/>
+          <a:ext cx="0" cy="0"/>
+          <a:chOff x="0" y="0"/>
+          <a:chExt cx="0" cy="0"/>
+        </a:xfrm>
+      </p:grpSpPr>
+      <p:sp>
+        <p:nvSpPr>
+          <p:cNvPr id="2" name="Slide Image Placeholder 1"/>
+          <p:cNvSpPr>
+            <a:spLocks noGrp="1" noRot="1" noChangeAspect="1"/>
+          </p:cNvSpPr>
+          <p:nvPr>
+            <p:ph type="sldImg"/>
+          </p:nvPr>
+        </p:nvSpPr>
+        <p:spPr/>
+      </p:sp>
+      <p:sp>
+        <p:nvSpPr>
+          <p:cNvPr id="3" name="Notes Placeholder 2"/>
+          <p:cNvSpPr>
+            <a:spLocks noGrp="1"/>
+          </p:cNvSpPr>
+          <p:nvPr>
+            <p:ph type="body" idx="1"/>
+          </p:nvPr>
+        </p:nvSpPr>
+        <p:spPr/>
+        <p:txBody>
+          <a:bodyPr/>
+          <a:lstStyle/>
+          <a:p>
+            <a:endParaRPr lang="ro-RO" dirty="0"/>
+          </a:p>
+        </p:txBody>
+      </p:sp>
+      <p:sp>
+        <p:nvSpPr>
+          <p:cNvPr id="4" name="Slide Number Placeholder 3"/>
+          <p:cNvSpPr>
+            <a:spLocks noGrp="1"/>
+          </p:cNvSpPr>
+          <p:nvPr>
+            <p:ph type="sldNum" sz="quarter" idx="5"/>
+          </p:nvPr>
+        </p:nvSpPr>
+        <p:spPr/>
+        <p:txBody>
+          <a:bodyPr/>
+          <a:lstStyle/>
+          <a:p>
+            <a:fld id="{2D8B77B1-706E-6944-BD13-9A49B05C937A}" type="slidenum">
+              <a:rPr lang="ro-RO" smtClean="0"/>
+              <a:t>22</a:t>
+            </a:fld>
+            <a:endParaRPr lang="ro-RO"/>
+          </a:p>
+        </p:txBody>
+      </p:sp>
+    </p:spTree>
+    <p:extLst>
+      <p:ext uri="{BB962C8B-B14F-4D97-AF65-F5344CB8AC3E}">
+        <p14:creationId xmlns:p14="http://schemas.microsoft.com/office/powerpoint/2010/main" val="3994275064"/>
+      </p:ext>
+    </p:extLst>
+  </p:cSld>
+  <p:clrMapOvr>
+    <a:masterClrMapping/>
+  </p:clrMapOvr>
+</p:notes>
+</file>
+
+<file path=ppt/notesSlides/notesSlide13.xml><?xml version="1.0" encoding="utf-8"?>
+<p:notes xmlns:a="http://schemas.openxmlformats.org/drawingml/2006/main" xmlns:r="http://schemas.openxmlformats.org/officeDocument/2006/relationships" xmlns:p="http://schemas.openxmlformats.org/presentationml/2006/main">
+  <p:cSld>
+    <p:spTree>
+      <p:nvGrpSpPr>
+        <p:cNvPr id="1" name=""/>
+        <p:cNvGrpSpPr/>
+        <p:nvPr/>
+      </p:nvGrpSpPr>
+      <p:grpSpPr>
+        <a:xfrm>
+          <a:off x="0" y="0"/>
+          <a:ext cx="0" cy="0"/>
+          <a:chOff x="0" y="0"/>
+          <a:chExt cx="0" cy="0"/>
+        </a:xfrm>
+      </p:grpSpPr>
+      <p:sp>
+        <p:nvSpPr>
+          <p:cNvPr id="2" name="Slide Image Placeholder 1"/>
+          <p:cNvSpPr>
+            <a:spLocks noGrp="1" noRot="1" noChangeAspect="1"/>
+          </p:cNvSpPr>
+          <p:nvPr>
+            <p:ph type="sldImg"/>
+          </p:nvPr>
+        </p:nvSpPr>
+        <p:spPr/>
+      </p:sp>
+      <p:sp>
+        <p:nvSpPr>
+          <p:cNvPr id="3" name="Notes Placeholder 2"/>
+          <p:cNvSpPr>
+            <a:spLocks noGrp="1"/>
+          </p:cNvSpPr>
+          <p:nvPr>
+            <p:ph type="body" idx="1"/>
+          </p:nvPr>
+        </p:nvSpPr>
+        <p:spPr/>
+        <p:txBody>
+          <a:bodyPr/>
+          <a:lstStyle/>
+          <a:p>
+            <a:endParaRPr lang="ro-RO" dirty="0"/>
+          </a:p>
+        </p:txBody>
+      </p:sp>
+      <p:sp>
+        <p:nvSpPr>
+          <p:cNvPr id="4" name="Slide Number Placeholder 3"/>
+          <p:cNvSpPr>
+            <a:spLocks noGrp="1"/>
+          </p:cNvSpPr>
+          <p:nvPr>
+            <p:ph type="sldNum" sz="quarter" idx="5"/>
+          </p:nvPr>
+        </p:nvSpPr>
+        <p:spPr/>
+        <p:txBody>
+          <a:bodyPr/>
+          <a:lstStyle/>
+          <a:p>
+            <a:fld id="{2D8B77B1-706E-6944-BD13-9A49B05C937A}" type="slidenum">
+              <a:rPr lang="ro-RO" smtClean="0"/>
+              <a:t>23</a:t>
+            </a:fld>
+            <a:endParaRPr lang="ro-RO"/>
+          </a:p>
+        </p:txBody>
+      </p:sp>
+    </p:spTree>
+    <p:extLst>
+      <p:ext uri="{BB962C8B-B14F-4D97-AF65-F5344CB8AC3E}">
+        <p14:creationId xmlns:p14="http://schemas.microsoft.com/office/powerpoint/2010/main" val="651721477"/>
       </p:ext>
     </p:extLst>
   </p:cSld>
@@ -635,7 +1133,7 @@
           <a:p>
             <a:fld id="{2D8B77B1-706E-6944-BD13-9A49B05C937A}" type="slidenum">
               <a:rPr lang="ro-RO" smtClean="0"/>
-              <a:t>4</a:t>
+              <a:t>2</a:t>
             </a:fld>
             <a:endParaRPr lang="ro-RO"/>
           </a:p>
@@ -644,7 +1142,7 @@
     </p:spTree>
     <p:extLst>
       <p:ext uri="{BB962C8B-B14F-4D97-AF65-F5344CB8AC3E}">
-        <p14:creationId xmlns:p14="http://schemas.microsoft.com/office/powerpoint/2010/main" val="1787302424"/>
+        <p14:creationId xmlns:p14="http://schemas.microsoft.com/office/powerpoint/2010/main" val="206922452"/>
       </p:ext>
     </p:extLst>
   </p:cSld>
@@ -698,6 +1196,50 @@
           <a:bodyPr/>
           <a:lstStyle/>
           <a:p>
+            <a:r>
+              <a:rPr lang="en-US" dirty="0" err="1"/>
+              <a:t>Liniutii</a:t>
+            </a:r>
+            <a:r>
+              <a:rPr lang="en-US" dirty="0"/>
+              <a:t> pe slide, </a:t>
+            </a:r>
+            <a:r>
+              <a:rPr lang="en-US" dirty="0" err="1"/>
+              <a:t>si</a:t>
+            </a:r>
+            <a:r>
+              <a:rPr lang="en-US" dirty="0"/>
+              <a:t> </a:t>
+            </a:r>
+            <a:r>
+              <a:rPr lang="en-US" dirty="0" err="1"/>
+              <a:t>eu</a:t>
+            </a:r>
+            <a:r>
+              <a:rPr lang="en-US" dirty="0"/>
+              <a:t> </a:t>
+            </a:r>
+            <a:r>
+              <a:rPr lang="en-US" dirty="0" err="1"/>
+              <a:t>imi</a:t>
+            </a:r>
+            <a:r>
+              <a:rPr lang="en-US" dirty="0"/>
+              <a:t> pun </a:t>
+            </a:r>
+            <a:r>
+              <a:rPr lang="en-US" dirty="0" err="1"/>
+              <a:t>textul</a:t>
+            </a:r>
+            <a:r>
+              <a:rPr lang="en-US" dirty="0"/>
+              <a:t> pe </a:t>
+            </a:r>
+            <a:r>
+              <a:rPr lang="en-US" dirty="0" err="1"/>
+              <a:t>notite</a:t>
+            </a:r>
             <a:endParaRPr lang="ro-RO" dirty="0"/>
           </a:p>
         </p:txBody>
@@ -719,7 +1261,7 @@
           <a:p>
             <a:fld id="{2D8B77B1-706E-6944-BD13-9A49B05C937A}" type="slidenum">
               <a:rPr lang="ro-RO" smtClean="0"/>
-              <a:t>9</a:t>
+              <a:t>4</a:t>
             </a:fld>
             <a:endParaRPr lang="ro-RO"/>
           </a:p>
@@ -728,7 +1270,7 @@
     </p:spTree>
     <p:extLst>
       <p:ext uri="{BB962C8B-B14F-4D97-AF65-F5344CB8AC3E}">
-        <p14:creationId xmlns:p14="http://schemas.microsoft.com/office/powerpoint/2010/main" val="2249226919"/>
+        <p14:creationId xmlns:p14="http://schemas.microsoft.com/office/powerpoint/2010/main" val="1787302424"/>
       </p:ext>
     </p:extLst>
   </p:cSld>
@@ -803,7 +1345,7 @@
           <a:p>
             <a:fld id="{2D8B77B1-706E-6944-BD13-9A49B05C937A}" type="slidenum">
               <a:rPr lang="ro-RO" smtClean="0"/>
-              <a:t>11</a:t>
+              <a:t>9</a:t>
             </a:fld>
             <a:endParaRPr lang="ro-RO"/>
           </a:p>
@@ -812,7 +1354,7 @@
     </p:spTree>
     <p:extLst>
       <p:ext uri="{BB962C8B-B14F-4D97-AF65-F5344CB8AC3E}">
-        <p14:creationId xmlns:p14="http://schemas.microsoft.com/office/powerpoint/2010/main" val="4054283190"/>
+        <p14:creationId xmlns:p14="http://schemas.microsoft.com/office/powerpoint/2010/main" val="2249226919"/>
       </p:ext>
     </p:extLst>
   </p:cSld>
@@ -866,6 +1408,350 @@
           <a:bodyPr/>
           <a:lstStyle/>
           <a:p>
+            <a:r>
+              <a:rPr lang="en-US" dirty="0"/>
+              <a:t>Ca am </a:t>
+            </a:r>
+            <a:r>
+              <a:rPr lang="en-US" dirty="0" err="1"/>
+              <a:t>cautat</a:t>
+            </a:r>
+            <a:r>
+              <a:rPr lang="en-US" dirty="0"/>
+              <a:t> pe net am </a:t>
+            </a:r>
+            <a:r>
+              <a:rPr lang="en-US" dirty="0" err="1"/>
+              <a:t>antrenat</a:t>
+            </a:r>
+            <a:r>
+              <a:rPr lang="en-US" dirty="0"/>
+              <a:t> </a:t>
+            </a:r>
+            <a:r>
+              <a:rPr lang="en-US" dirty="0" err="1"/>
+              <a:t>reteaua</a:t>
+            </a:r>
+            <a:r>
+              <a:rPr lang="en-US" dirty="0"/>
+              <a:t> </a:t>
+            </a:r>
+            <a:r>
+              <a:rPr lang="en-US" dirty="0" err="1"/>
+              <a:t>si</a:t>
+            </a:r>
+            <a:r>
+              <a:rPr lang="en-US" dirty="0"/>
+              <a:t> am </a:t>
+            </a:r>
+            <a:r>
+              <a:rPr lang="en-US" dirty="0" err="1"/>
+              <a:t>facut</a:t>
+            </a:r>
+            <a:r>
+              <a:rPr lang="en-US" dirty="0"/>
+              <a:t> teste comparative </a:t>
+            </a:r>
+            <a:r>
+              <a:rPr lang="en-US" dirty="0" err="1"/>
+              <a:t>si</a:t>
+            </a:r>
+            <a:r>
+              <a:rPr lang="en-US" dirty="0"/>
+              <a:t> am </a:t>
+            </a:r>
+            <a:r>
+              <a:rPr lang="en-US" dirty="0" err="1"/>
+              <a:t>vazut</a:t>
+            </a:r>
+            <a:r>
+              <a:rPr lang="en-US" dirty="0"/>
+              <a:t> ca google </a:t>
+            </a:r>
+            <a:r>
+              <a:rPr lang="en-US" dirty="0" err="1"/>
+              <a:t>api</a:t>
+            </a:r>
+            <a:r>
+              <a:rPr lang="en-US" dirty="0"/>
+              <a:t> da </a:t>
+            </a:r>
+            <a:r>
+              <a:rPr lang="en-US" dirty="0" err="1"/>
+              <a:t>mai</a:t>
+            </a:r>
+            <a:r>
+              <a:rPr lang="en-US" dirty="0"/>
+              <a:t> bine.</a:t>
+            </a:r>
+            <a:endParaRPr lang="ro-RO" dirty="0"/>
+          </a:p>
+        </p:txBody>
+      </p:sp>
+      <p:sp>
+        <p:nvSpPr>
+          <p:cNvPr id="4" name="Slide Number Placeholder 3"/>
+          <p:cNvSpPr>
+            <a:spLocks noGrp="1"/>
+          </p:cNvSpPr>
+          <p:nvPr>
+            <p:ph type="sldNum" sz="quarter" idx="5"/>
+          </p:nvPr>
+        </p:nvSpPr>
+        <p:spPr/>
+        <p:txBody>
+          <a:bodyPr/>
+          <a:lstStyle/>
+          <a:p>
+            <a:fld id="{2D8B77B1-706E-6944-BD13-9A49B05C937A}" type="slidenum">
+              <a:rPr lang="ro-RO" smtClean="0"/>
+              <a:t>10</a:t>
+            </a:fld>
+            <a:endParaRPr lang="ro-RO"/>
+          </a:p>
+        </p:txBody>
+      </p:sp>
+    </p:spTree>
+    <p:extLst>
+      <p:ext uri="{BB962C8B-B14F-4D97-AF65-F5344CB8AC3E}">
+        <p14:creationId xmlns:p14="http://schemas.microsoft.com/office/powerpoint/2010/main" val="1601561190"/>
+      </p:ext>
+    </p:extLst>
+  </p:cSld>
+  <p:clrMapOvr>
+    <a:masterClrMapping/>
+  </p:clrMapOvr>
+</p:notes>
+</file>
+
+<file path=ppt/notesSlides/notesSlide6.xml><?xml version="1.0" encoding="utf-8"?>
+<p:notes xmlns:a="http://schemas.openxmlformats.org/drawingml/2006/main" xmlns:r="http://schemas.openxmlformats.org/officeDocument/2006/relationships" xmlns:p="http://schemas.openxmlformats.org/presentationml/2006/main">
+  <p:cSld>
+    <p:spTree>
+      <p:nvGrpSpPr>
+        <p:cNvPr id="1" name=""/>
+        <p:cNvGrpSpPr/>
+        <p:nvPr/>
+      </p:nvGrpSpPr>
+      <p:grpSpPr>
+        <a:xfrm>
+          <a:off x="0" y="0"/>
+          <a:ext cx="0" cy="0"/>
+          <a:chOff x="0" y="0"/>
+          <a:chExt cx="0" cy="0"/>
+        </a:xfrm>
+      </p:grpSpPr>
+      <p:sp>
+        <p:nvSpPr>
+          <p:cNvPr id="2" name="Slide Image Placeholder 1"/>
+          <p:cNvSpPr>
+            <a:spLocks noGrp="1" noRot="1" noChangeAspect="1"/>
+          </p:cNvSpPr>
+          <p:nvPr>
+            <p:ph type="sldImg"/>
+          </p:nvPr>
+        </p:nvSpPr>
+        <p:spPr/>
+      </p:sp>
+      <p:sp>
+        <p:nvSpPr>
+          <p:cNvPr id="3" name="Notes Placeholder 2"/>
+          <p:cNvSpPr>
+            <a:spLocks noGrp="1"/>
+          </p:cNvSpPr>
+          <p:nvPr>
+            <p:ph type="body" idx="1"/>
+          </p:nvPr>
+        </p:nvSpPr>
+        <p:spPr/>
+        <p:txBody>
+          <a:bodyPr/>
+          <a:lstStyle/>
+          <a:p>
+            <a:endParaRPr lang="ro-RO" dirty="0"/>
+          </a:p>
+        </p:txBody>
+      </p:sp>
+      <p:sp>
+        <p:nvSpPr>
+          <p:cNvPr id="4" name="Slide Number Placeholder 3"/>
+          <p:cNvSpPr>
+            <a:spLocks noGrp="1"/>
+          </p:cNvSpPr>
+          <p:nvPr>
+            <p:ph type="sldNum" sz="quarter" idx="5"/>
+          </p:nvPr>
+        </p:nvSpPr>
+        <p:spPr/>
+        <p:txBody>
+          <a:bodyPr/>
+          <a:lstStyle/>
+          <a:p>
+            <a:fld id="{2D8B77B1-706E-6944-BD13-9A49B05C937A}" type="slidenum">
+              <a:rPr lang="ro-RO" smtClean="0"/>
+              <a:t>11</a:t>
+            </a:fld>
+            <a:endParaRPr lang="ro-RO"/>
+          </a:p>
+        </p:txBody>
+      </p:sp>
+    </p:spTree>
+    <p:extLst>
+      <p:ext uri="{BB962C8B-B14F-4D97-AF65-F5344CB8AC3E}">
+        <p14:creationId xmlns:p14="http://schemas.microsoft.com/office/powerpoint/2010/main" val="4054283190"/>
+      </p:ext>
+    </p:extLst>
+  </p:cSld>
+  <p:clrMapOvr>
+    <a:masterClrMapping/>
+  </p:clrMapOvr>
+</p:notes>
+</file>
+
+<file path=ppt/notesSlides/notesSlide7.xml><?xml version="1.0" encoding="utf-8"?>
+<p:notes xmlns:a="http://schemas.openxmlformats.org/drawingml/2006/main" xmlns:r="http://schemas.openxmlformats.org/officeDocument/2006/relationships" xmlns:p="http://schemas.openxmlformats.org/presentationml/2006/main">
+  <p:cSld>
+    <p:spTree>
+      <p:nvGrpSpPr>
+        <p:cNvPr id="1" name=""/>
+        <p:cNvGrpSpPr/>
+        <p:nvPr/>
+      </p:nvGrpSpPr>
+      <p:grpSpPr>
+        <a:xfrm>
+          <a:off x="0" y="0"/>
+          <a:ext cx="0" cy="0"/>
+          <a:chOff x="0" y="0"/>
+          <a:chExt cx="0" cy="0"/>
+        </a:xfrm>
+      </p:grpSpPr>
+      <p:sp>
+        <p:nvSpPr>
+          <p:cNvPr id="2" name="Slide Image Placeholder 1"/>
+          <p:cNvSpPr>
+            <a:spLocks noGrp="1" noRot="1" noChangeAspect="1"/>
+          </p:cNvSpPr>
+          <p:nvPr>
+            <p:ph type="sldImg"/>
+          </p:nvPr>
+        </p:nvSpPr>
+        <p:spPr/>
+      </p:sp>
+      <p:sp>
+        <p:nvSpPr>
+          <p:cNvPr id="3" name="Notes Placeholder 2"/>
+          <p:cNvSpPr>
+            <a:spLocks noGrp="1"/>
+          </p:cNvSpPr>
+          <p:nvPr>
+            <p:ph type="body" idx="1"/>
+          </p:nvPr>
+        </p:nvSpPr>
+        <p:spPr/>
+        <p:txBody>
+          <a:bodyPr/>
+          <a:lstStyle/>
+          <a:p>
+            <a:r>
+              <a:rPr lang="en-US" dirty="0" err="1"/>
+              <a:t>Poze</a:t>
+            </a:r>
+            <a:r>
+              <a:rPr lang="en-US" dirty="0"/>
+              <a:t> din </a:t>
+            </a:r>
+            <a:r>
+              <a:rPr lang="en-US" dirty="0" err="1"/>
+              <a:t>aplicatie</a:t>
+            </a:r>
+            <a:r>
+              <a:rPr lang="en-US" dirty="0"/>
+              <a:t>.</a:t>
+            </a:r>
+            <a:endParaRPr lang="ro-RO" dirty="0"/>
+          </a:p>
+        </p:txBody>
+      </p:sp>
+      <p:sp>
+        <p:nvSpPr>
+          <p:cNvPr id="4" name="Slide Number Placeholder 3"/>
+          <p:cNvSpPr>
+            <a:spLocks noGrp="1"/>
+          </p:cNvSpPr>
+          <p:nvPr>
+            <p:ph type="sldNum" sz="quarter" idx="5"/>
+          </p:nvPr>
+        </p:nvSpPr>
+        <p:spPr/>
+        <p:txBody>
+          <a:bodyPr/>
+          <a:lstStyle/>
+          <a:p>
+            <a:fld id="{2D8B77B1-706E-6944-BD13-9A49B05C937A}" type="slidenum">
+              <a:rPr lang="ro-RO" smtClean="0"/>
+              <a:t>13</a:t>
+            </a:fld>
+            <a:endParaRPr lang="ro-RO"/>
+          </a:p>
+        </p:txBody>
+      </p:sp>
+    </p:spTree>
+    <p:extLst>
+      <p:ext uri="{BB962C8B-B14F-4D97-AF65-F5344CB8AC3E}">
+        <p14:creationId xmlns:p14="http://schemas.microsoft.com/office/powerpoint/2010/main" val="3074273330"/>
+      </p:ext>
+    </p:extLst>
+  </p:cSld>
+  <p:clrMapOvr>
+    <a:masterClrMapping/>
+  </p:clrMapOvr>
+</p:notes>
+</file>
+
+<file path=ppt/notesSlides/notesSlide8.xml><?xml version="1.0" encoding="utf-8"?>
+<p:notes xmlns:a="http://schemas.openxmlformats.org/drawingml/2006/main" xmlns:r="http://schemas.openxmlformats.org/officeDocument/2006/relationships" xmlns:p="http://schemas.openxmlformats.org/presentationml/2006/main">
+  <p:cSld>
+    <p:spTree>
+      <p:nvGrpSpPr>
+        <p:cNvPr id="1" name=""/>
+        <p:cNvGrpSpPr/>
+        <p:nvPr/>
+      </p:nvGrpSpPr>
+      <p:grpSpPr>
+        <a:xfrm>
+          <a:off x="0" y="0"/>
+          <a:ext cx="0" cy="0"/>
+          <a:chOff x="0" y="0"/>
+          <a:chExt cx="0" cy="0"/>
+        </a:xfrm>
+      </p:grpSpPr>
+      <p:sp>
+        <p:nvSpPr>
+          <p:cNvPr id="2" name="Slide Image Placeholder 1"/>
+          <p:cNvSpPr>
+            <a:spLocks noGrp="1" noRot="1" noChangeAspect="1"/>
+          </p:cNvSpPr>
+          <p:nvPr>
+            <p:ph type="sldImg"/>
+          </p:nvPr>
+        </p:nvSpPr>
+        <p:spPr/>
+      </p:sp>
+      <p:sp>
+        <p:nvSpPr>
+          <p:cNvPr id="3" name="Notes Placeholder 2"/>
+          <p:cNvSpPr>
+            <a:spLocks noGrp="1"/>
+          </p:cNvSpPr>
+          <p:nvPr>
+            <p:ph type="body" idx="1"/>
+          </p:nvPr>
+        </p:nvSpPr>
+        <p:spPr/>
+        <p:txBody>
+          <a:bodyPr/>
+          <a:lstStyle/>
+          <a:p>
             <a:endParaRPr lang="ro-RO" dirty="0"/>
           </a:p>
         </p:txBody>
@@ -897,6 +1783,94 @@
     <p:extLst>
       <p:ext uri="{BB962C8B-B14F-4D97-AF65-F5344CB8AC3E}">
         <p14:creationId xmlns:p14="http://schemas.microsoft.com/office/powerpoint/2010/main" val="99292145"/>
+      </p:ext>
+    </p:extLst>
+  </p:cSld>
+  <p:clrMapOvr>
+    <a:masterClrMapping/>
+  </p:clrMapOvr>
+</p:notes>
+</file>
+
+<file path=ppt/notesSlides/notesSlide9.xml><?xml version="1.0" encoding="utf-8"?>
+<p:notes xmlns:a="http://schemas.openxmlformats.org/drawingml/2006/main" xmlns:r="http://schemas.openxmlformats.org/officeDocument/2006/relationships" xmlns:p="http://schemas.openxmlformats.org/presentationml/2006/main">
+  <p:cSld>
+    <p:spTree>
+      <p:nvGrpSpPr>
+        <p:cNvPr id="1" name=""/>
+        <p:cNvGrpSpPr/>
+        <p:nvPr/>
+      </p:nvGrpSpPr>
+      <p:grpSpPr>
+        <a:xfrm>
+          <a:off x="0" y="0"/>
+          <a:ext cx="0" cy="0"/>
+          <a:chOff x="0" y="0"/>
+          <a:chExt cx="0" cy="0"/>
+        </a:xfrm>
+      </p:grpSpPr>
+      <p:sp>
+        <p:nvSpPr>
+          <p:cNvPr id="2" name="Slide Image Placeholder 1"/>
+          <p:cNvSpPr>
+            <a:spLocks noGrp="1" noRot="1" noChangeAspect="1"/>
+          </p:cNvSpPr>
+          <p:nvPr>
+            <p:ph type="sldImg"/>
+          </p:nvPr>
+        </p:nvSpPr>
+        <p:spPr/>
+      </p:sp>
+      <p:sp>
+        <p:nvSpPr>
+          <p:cNvPr id="3" name="Notes Placeholder 2"/>
+          <p:cNvSpPr>
+            <a:spLocks noGrp="1"/>
+          </p:cNvSpPr>
+          <p:nvPr>
+            <p:ph type="body" idx="1"/>
+          </p:nvPr>
+        </p:nvSpPr>
+        <p:spPr/>
+        <p:txBody>
+          <a:bodyPr/>
+          <a:lstStyle/>
+          <a:p>
+            <a:r>
+              <a:rPr lang="en-US" dirty="0"/>
+              <a:t>CUM FUNCTIONEAZA APLICATIA, CU POZA, SERVER, ID, ETC</a:t>
+            </a:r>
+            <a:endParaRPr lang="ro-RO" dirty="0"/>
+          </a:p>
+        </p:txBody>
+      </p:sp>
+      <p:sp>
+        <p:nvSpPr>
+          <p:cNvPr id="4" name="Slide Number Placeholder 3"/>
+          <p:cNvSpPr>
+            <a:spLocks noGrp="1"/>
+          </p:cNvSpPr>
+          <p:nvPr>
+            <p:ph type="sldNum" sz="quarter" idx="5"/>
+          </p:nvPr>
+        </p:nvSpPr>
+        <p:spPr/>
+        <p:txBody>
+          <a:bodyPr/>
+          <a:lstStyle/>
+          <a:p>
+            <a:fld id="{2D8B77B1-706E-6944-BD13-9A49B05C937A}" type="slidenum">
+              <a:rPr lang="ro-RO" smtClean="0"/>
+              <a:t>19</a:t>
+            </a:fld>
+            <a:endParaRPr lang="ro-RO"/>
+          </a:p>
+        </p:txBody>
+      </p:sp>
+    </p:spTree>
+    <p:extLst>
+      <p:ext uri="{BB962C8B-B14F-4D97-AF65-F5344CB8AC3E}">
+        <p14:creationId xmlns:p14="http://schemas.microsoft.com/office/powerpoint/2010/main" val="825450492"/>
       </p:ext>
     </p:extLst>
   </p:cSld>
@@ -8325,7 +9299,7 @@
         </p:nvSpPr>
         <p:spPr>
           <a:xfrm>
-            <a:off x="677863" y="2160588"/>
+            <a:off x="850583" y="2045162"/>
             <a:ext cx="8596312" cy="3881437"/>
           </a:xfrm>
           <a:prstGeom prst="rect">
@@ -8772,6 +9746,7 @@
               <a:rPr lang="ro-RO" dirty="0"/>
               <a:t>Soluția propusă</a:t>
             </a:r>
+            <a:endParaRPr lang="en-US" dirty="0"/>
           </a:p>
           <a:p>
             <a:pPr>
@@ -8781,15 +9756,15 @@
             </a:pPr>
             <a:r>
               <a:rPr lang="ro-RO" dirty="0"/>
-              <a:t>Extragere</a:t>
+              <a:t>Arhitectura</a:t>
             </a:r>
             <a:r>
               <a:rPr lang="en-US" dirty="0"/>
-              <a:t>a</a:t>
+              <a:t> </a:t>
             </a:r>
             <a:r>
               <a:rPr lang="ro-RO" dirty="0"/>
-              <a:t> datelor</a:t>
+              <a:t>proiectului</a:t>
             </a:r>
           </a:p>
           <a:p>
@@ -8800,7 +9775,15 @@
             </a:pPr>
             <a:r>
               <a:rPr lang="ro-RO" dirty="0"/>
-              <a:t>Managementul plăților</a:t>
+              <a:t>Extragere</a:t>
+            </a:r>
+            <a:r>
+              <a:rPr lang="en-US" dirty="0"/>
+              <a:t>a</a:t>
+            </a:r>
+            <a:r>
+              <a:rPr lang="ro-RO" dirty="0"/>
+              <a:t> datelor</a:t>
             </a:r>
           </a:p>
           <a:p>
@@ -8811,9 +9794,8 @@
             </a:pPr>
             <a:r>
               <a:rPr lang="ro-RO" dirty="0"/>
-              <a:t>Realizarea plăților</a:t>
-            </a:r>
-            <a:endParaRPr lang="en-US" dirty="0"/>
+              <a:t>Managementul plăților</a:t>
+            </a:r>
           </a:p>
           <a:p>
             <a:pPr>
@@ -8823,16 +9805,9 @@
             </a:pPr>
             <a:r>
               <a:rPr lang="ro-RO" dirty="0"/>
-              <a:t>Arhitectura</a:t>
-            </a:r>
-            <a:r>
-              <a:rPr lang="en-US" dirty="0"/>
-              <a:t> </a:t>
-            </a:r>
-            <a:r>
-              <a:rPr lang="ro-RO" dirty="0"/>
-              <a:t>proiectului</a:t>
-            </a:r>
+              <a:t>Realizarea plăților</a:t>
+            </a:r>
+            <a:endParaRPr lang="en-US" dirty="0"/>
           </a:p>
           <a:p>
             <a:pPr>
@@ -8967,7 +9942,7 @@
           </p:nvPr>
         </p:nvPicPr>
         <p:blipFill>
-          <a:blip r:embed="rId2"/>
+          <a:blip r:embed="rId3"/>
           <a:stretch>
             <a:fillRect/>
           </a:stretch>
@@ -9280,6 +10255,127 @@
           <p:cNvPr id="2" name="Title 1">
             <a:extLst>
               <a:ext uri="{FF2B5EF4-FFF2-40B4-BE49-F238E27FC236}">
+                <a16:creationId xmlns:a16="http://schemas.microsoft.com/office/drawing/2014/main" id="{71DFC330-E049-4123-8D18-9D7B88EF6106}"/>
+              </a:ext>
+            </a:extLst>
+          </p:cNvPr>
+          <p:cNvSpPr>
+            <a:spLocks noGrp="1"/>
+          </p:cNvSpPr>
+          <p:nvPr>
+            <p:ph type="title"/>
+          </p:nvPr>
+        </p:nvSpPr>
+        <p:spPr/>
+        <p:txBody>
+          <a:bodyPr/>
+          <a:lstStyle/>
+          <a:p>
+            <a:r>
+              <a:rPr lang="en-US" dirty="0"/>
+              <a:t>Future</a:t>
+            </a:r>
+            <a:endParaRPr lang="ro-RO" dirty="0"/>
+          </a:p>
+        </p:txBody>
+      </p:sp>
+      <p:sp>
+        <p:nvSpPr>
+          <p:cNvPr id="3" name="Content Placeholder 2">
+            <a:extLst>
+              <a:ext uri="{FF2B5EF4-FFF2-40B4-BE49-F238E27FC236}">
+                <a16:creationId xmlns:a16="http://schemas.microsoft.com/office/drawing/2014/main" id="{B694E6D5-D143-42CD-94E3-B95EB2AA5783}"/>
+              </a:ext>
+            </a:extLst>
+          </p:cNvPr>
+          <p:cNvSpPr>
+            <a:spLocks noGrp="1"/>
+          </p:cNvSpPr>
+          <p:nvPr>
+            <p:ph idx="1"/>
+          </p:nvPr>
+        </p:nvSpPr>
+        <p:spPr/>
+        <p:txBody>
+          <a:bodyPr/>
+          <a:lstStyle/>
+          <a:p>
+            <a:r>
+              <a:rPr lang="en-US" dirty="0" err="1"/>
+              <a:t>qr</a:t>
+            </a:r>
+            <a:r>
+              <a:rPr lang="en-US" dirty="0"/>
+              <a:t>-code</a:t>
+            </a:r>
+            <a:endParaRPr lang="ro-RO" dirty="0"/>
+          </a:p>
+        </p:txBody>
+      </p:sp>
+      <p:sp>
+        <p:nvSpPr>
+          <p:cNvPr id="4" name="Slide Number Placeholder 3">
+            <a:extLst>
+              <a:ext uri="{FF2B5EF4-FFF2-40B4-BE49-F238E27FC236}">
+                <a16:creationId xmlns:a16="http://schemas.microsoft.com/office/drawing/2014/main" id="{D913F57C-9846-4473-9318-8D5E1ACAF7C9}"/>
+              </a:ext>
+            </a:extLst>
+          </p:cNvPr>
+          <p:cNvSpPr>
+            <a:spLocks noGrp="1"/>
+          </p:cNvSpPr>
+          <p:nvPr>
+            <p:ph type="sldNum" sz="quarter" idx="12"/>
+          </p:nvPr>
+        </p:nvSpPr>
+        <p:spPr/>
+        <p:txBody>
+          <a:bodyPr/>
+          <a:lstStyle/>
+          <a:p>
+            <a:fld id="{BABCF458-AFE6-754E-9B16-FD8D831A10CC}" type="slidenum">
+              <a:rPr lang="en-US" smtClean="0"/>
+              <a:t>22</a:t>
+            </a:fld>
+            <a:endParaRPr lang="en-US"/>
+          </a:p>
+        </p:txBody>
+      </p:sp>
+    </p:spTree>
+    <p:extLst>
+      <p:ext uri="{BB962C8B-B14F-4D97-AF65-F5344CB8AC3E}">
+        <p14:creationId xmlns:p14="http://schemas.microsoft.com/office/powerpoint/2010/main" val="1090302623"/>
+      </p:ext>
+    </p:extLst>
+  </p:cSld>
+  <p:clrMapOvr>
+    <a:masterClrMapping/>
+  </p:clrMapOvr>
+</p:sld>
+</file>
+
+<file path=ppt/slides/slide23.xml><?xml version="1.0" encoding="utf-8"?>
+<p:sld xmlns:a="http://schemas.openxmlformats.org/drawingml/2006/main" xmlns:r="http://schemas.openxmlformats.org/officeDocument/2006/relationships" xmlns:p="http://schemas.openxmlformats.org/presentationml/2006/main">
+  <p:cSld>
+    <p:spTree>
+      <p:nvGrpSpPr>
+        <p:cNvPr id="1" name=""/>
+        <p:cNvGrpSpPr/>
+        <p:nvPr/>
+      </p:nvGrpSpPr>
+      <p:grpSpPr>
+        <a:xfrm>
+          <a:off x="0" y="0"/>
+          <a:ext cx="0" cy="0"/>
+          <a:chOff x="0" y="0"/>
+          <a:chExt cx="0" cy="0"/>
+        </a:xfrm>
+      </p:grpSpPr>
+      <p:sp>
+        <p:nvSpPr>
+          <p:cNvPr id="2" name="Title 1">
+            <a:extLst>
+              <a:ext uri="{FF2B5EF4-FFF2-40B4-BE49-F238E27FC236}">
                 <a16:creationId xmlns:a16="http://schemas.microsoft.com/office/drawing/2014/main" id="{BA148093-6499-9F47-954E-82FCD41AA259}"/>
               </a:ext>
             </a:extLst>
@@ -9399,7 +10495,7 @@
           <a:p>
             <a:fld id="{BABCF458-AFE6-754E-9B16-FD8D831A10CC}" type="slidenum">
               <a:rPr lang="en-US" smtClean="0"/>
-              <a:t>22</a:t>
+              <a:t>23</a:t>
             </a:fld>
             <a:endParaRPr lang="en-US"/>
           </a:p>
